--- a/08_ModuleWrap/0802_Wrap.pptx
+++ b/08_ModuleWrap/0802_Wrap.pptx
@@ -5,12 +5,47 @@
     <p:sldMasterId id="2147483648" r:id="rId1"/>
   </p:sldMasterIdLst>
   <p:notesMasterIdLst>
-    <p:notesMasterId r:id="rId5"/>
+    <p:notesMasterId r:id="rId40"/>
   </p:notesMasterIdLst>
   <p:sldIdLst>
     <p:sldId id="256" r:id="rId2"/>
     <p:sldId id="263" r:id="rId3"/>
-    <p:sldId id="259" r:id="rId4"/>
+    <p:sldId id="265" r:id="rId4"/>
+    <p:sldId id="264" r:id="rId5"/>
+    <p:sldId id="266" r:id="rId6"/>
+    <p:sldId id="267" r:id="rId7"/>
+    <p:sldId id="268" r:id="rId8"/>
+    <p:sldId id="269" r:id="rId9"/>
+    <p:sldId id="270" r:id="rId10"/>
+    <p:sldId id="271" r:id="rId11"/>
+    <p:sldId id="272" r:id="rId12"/>
+    <p:sldId id="273" r:id="rId13"/>
+    <p:sldId id="274" r:id="rId14"/>
+    <p:sldId id="276" r:id="rId15"/>
+    <p:sldId id="275" r:id="rId16"/>
+    <p:sldId id="277" r:id="rId17"/>
+    <p:sldId id="278" r:id="rId18"/>
+    <p:sldId id="279" r:id="rId19"/>
+    <p:sldId id="280" r:id="rId20"/>
+    <p:sldId id="282" r:id="rId21"/>
+    <p:sldId id="283" r:id="rId22"/>
+    <p:sldId id="284" r:id="rId23"/>
+    <p:sldId id="285" r:id="rId24"/>
+    <p:sldId id="286" r:id="rId25"/>
+    <p:sldId id="287" r:id="rId26"/>
+    <p:sldId id="288" r:id="rId27"/>
+    <p:sldId id="289" r:id="rId28"/>
+    <p:sldId id="290" r:id="rId29"/>
+    <p:sldId id="291" r:id="rId30"/>
+    <p:sldId id="292" r:id="rId31"/>
+    <p:sldId id="293" r:id="rId32"/>
+    <p:sldId id="294" r:id="rId33"/>
+    <p:sldId id="295" r:id="rId34"/>
+    <p:sldId id="296" r:id="rId35"/>
+    <p:sldId id="297" r:id="rId36"/>
+    <p:sldId id="298" r:id="rId37"/>
+    <p:sldId id="299" r:id="rId38"/>
+    <p:sldId id="259" r:id="rId39"/>
   </p:sldIdLst>
   <p:sldSz cx="9144000" cy="6858000" type="screen4x3"/>
   <p:notesSz cx="6858000" cy="9144000"/>
@@ -211,7 +246,7 @@
             <a:fld id="{6837EDA8-41C8-4B24-A206-13C08A65A6D7}" type="datetimeFigureOut">
               <a:rPr lang="zh-TW" altLang="en-US" smtClean="0"/>
               <a:pPr/>
-              <a:t>2019/6/15</a:t>
+              <a:t>2019/6/28</a:t>
             </a:fld>
             <a:endParaRPr lang="zh-TW" altLang="en-US"/>
           </a:p>
@@ -664,7 +699,7 @@
             <a:fld id="{8B85509C-BD4F-47BF-9B1E-FC2E949B3621}" type="datetime1">
               <a:rPr lang="zh-TW" altLang="en-US" smtClean="0"/>
               <a:pPr/>
-              <a:t>2019/6/15</a:t>
+              <a:t>2019/6/28</a:t>
             </a:fld>
             <a:endParaRPr lang="zh-TW" altLang="en-US"/>
           </a:p>
@@ -837,7 +872,7 @@
             <a:fld id="{42251B24-F787-4C15-8A0F-7AEC20C70069}" type="datetime1">
               <a:rPr lang="zh-TW" altLang="en-US" smtClean="0"/>
               <a:pPr/>
-              <a:t>2019/6/15</a:t>
+              <a:t>2019/6/28</a:t>
             </a:fld>
             <a:endParaRPr lang="zh-TW" altLang="en-US"/>
           </a:p>
@@ -1012,7 +1047,7 @@
             <a:fld id="{9CA0D33C-CE2B-45F1-B8D4-FFD1F131F331}" type="datetime1">
               <a:rPr lang="zh-TW" altLang="en-US" smtClean="0"/>
               <a:pPr/>
-              <a:t>2019/6/15</a:t>
+              <a:t>2019/6/28</a:t>
             </a:fld>
             <a:endParaRPr lang="zh-TW" altLang="en-US"/>
           </a:p>
@@ -1177,7 +1212,7 @@
             <a:fld id="{50B99440-D9EF-40CC-9B52-F6428D9B2C76}" type="datetime1">
               <a:rPr lang="zh-TW" altLang="en-US" smtClean="0"/>
               <a:pPr/>
-              <a:t>2019/6/15</a:t>
+              <a:t>2019/6/28</a:t>
             </a:fld>
             <a:endParaRPr lang="zh-TW" altLang="en-US"/>
           </a:p>
@@ -1419,7 +1454,7 @@
             <a:fld id="{0871BF52-5C6C-4959-8E27-CECB68D39FE4}" type="datetime1">
               <a:rPr lang="zh-TW" altLang="en-US" smtClean="0"/>
               <a:pPr/>
-              <a:t>2019/6/15</a:t>
+              <a:t>2019/6/28</a:t>
             </a:fld>
             <a:endParaRPr lang="zh-TW" altLang="en-US"/>
           </a:p>
@@ -1701,7 +1736,7 @@
             <a:fld id="{DF863F05-2DD9-4EB1-A827-12FD992DE9DC}" type="datetime1">
               <a:rPr lang="zh-TW" altLang="en-US" smtClean="0"/>
               <a:pPr/>
-              <a:t>2019/6/15</a:t>
+              <a:t>2019/6/28</a:t>
             </a:fld>
             <a:endParaRPr lang="zh-TW" altLang="en-US"/>
           </a:p>
@@ -2117,7 +2152,7 @@
             <a:fld id="{6339AF51-4491-4873-A096-75DB6CE47516}" type="datetime1">
               <a:rPr lang="zh-TW" altLang="en-US" smtClean="0"/>
               <a:pPr/>
-              <a:t>2019/6/15</a:t>
+              <a:t>2019/6/28</a:t>
             </a:fld>
             <a:endParaRPr lang="zh-TW" altLang="en-US"/>
           </a:p>
@@ -2231,7 +2266,7 @@
             <a:fld id="{EE4AD9C8-8B9E-40FF-ABE2-858AC2057BBB}" type="datetime1">
               <a:rPr lang="zh-TW" altLang="en-US" smtClean="0"/>
               <a:pPr/>
-              <a:t>2019/6/15</a:t>
+              <a:t>2019/6/28</a:t>
             </a:fld>
             <a:endParaRPr lang="zh-TW" altLang="en-US"/>
           </a:p>
@@ -2323,7 +2358,7 @@
             <a:fld id="{B4784999-BBBE-4BE4-A8D0-877E7D1D66CC}" type="datetime1">
               <a:rPr lang="zh-TW" altLang="en-US" smtClean="0"/>
               <a:pPr/>
-              <a:t>2019/6/15</a:t>
+              <a:t>2019/6/28</a:t>
             </a:fld>
             <a:endParaRPr lang="zh-TW" altLang="en-US"/>
           </a:p>
@@ -2595,7 +2630,7 @@
             <a:fld id="{E88D17E6-02BD-4944-B9FE-7BFCCBF83D48}" type="datetime1">
               <a:rPr lang="zh-TW" altLang="en-US" smtClean="0"/>
               <a:pPr/>
-              <a:t>2019/6/15</a:t>
+              <a:t>2019/6/28</a:t>
             </a:fld>
             <a:endParaRPr lang="zh-TW" altLang="en-US"/>
           </a:p>
@@ -2844,7 +2879,7 @@
             <a:fld id="{3C13E23D-1FEF-4D78-A3A3-3D6F2BB31954}" type="datetime1">
               <a:rPr lang="zh-TW" altLang="en-US" smtClean="0"/>
               <a:pPr/>
-              <a:t>2019/6/15</a:t>
+              <a:t>2019/6/28</a:t>
             </a:fld>
             <a:endParaRPr lang="zh-TW" altLang="en-US"/>
           </a:p>
@@ -3052,7 +3087,7 @@
             <a:fld id="{06197F35-AD6F-4594-8B50-334492D2E7E8}" type="datetime1">
               <a:rPr lang="zh-TW" altLang="en-US" smtClean="0"/>
               <a:pPr/>
-              <a:t>2019/6/15</a:t>
+              <a:t>2019/6/28</a:t>
             </a:fld>
             <a:endParaRPr lang="zh-TW" altLang="en-US"/>
           </a:p>
@@ -3455,7 +3490,7 @@
                   <a:srgbClr val="FFFF00"/>
                 </a:solidFill>
               </a:rPr>
-              <a:t>0202 Scope</a:t>
+              <a:t>0802 Wrap Up</a:t>
             </a:r>
             <a:endParaRPr lang="zh-TW" altLang="en-US" sz="4800" b="1" dirty="0">
               <a:solidFill>
@@ -3513,7 +3548,7 @@
             <a:fld id="{C389EDC9-19E3-47AC-9C57-C6A24DEA81AD}" type="datetime1">
               <a:rPr lang="zh-TW" altLang="en-US" smtClean="0"/>
               <a:pPr/>
-              <a:t>2019/6/15</a:t>
+              <a:t>2019/6/28</a:t>
             </a:fld>
             <a:endParaRPr lang="zh-TW" altLang="en-US"/>
           </a:p>
@@ -3574,6 +3609,2497 @@
         </p:spPr>
       </p:pic>
     </p:spTree>
+  </p:cSld>
+  <p:clrMapOvr>
+    <a:masterClrMapping/>
+  </p:clrMapOvr>
+</p:sld>
+</file>
+
+<file path=ppt/slides/slide10.xml><?xml version="1.0" encoding="utf-8"?>
+<p:sld xmlns:a="http://schemas.openxmlformats.org/drawingml/2006/main" xmlns:r="http://schemas.openxmlformats.org/officeDocument/2006/relationships" xmlns:p="http://schemas.openxmlformats.org/presentationml/2006/main">
+  <p:cSld>
+    <p:spTree>
+      <p:nvGrpSpPr>
+        <p:cNvPr id="1" name=""/>
+        <p:cNvGrpSpPr/>
+        <p:nvPr/>
+      </p:nvGrpSpPr>
+      <p:grpSpPr>
+        <a:xfrm>
+          <a:off x="0" y="0"/>
+          <a:ext cx="0" cy="0"/>
+          <a:chOff x="0" y="0"/>
+          <a:chExt cx="0" cy="0"/>
+        </a:xfrm>
+      </p:grpSpPr>
+      <p:sp>
+        <p:nvSpPr>
+          <p:cNvPr id="2" name="標題 1"/>
+          <p:cNvSpPr>
+            <a:spLocks noGrp="1"/>
+          </p:cNvSpPr>
+          <p:nvPr>
+            <p:ph type="ctrTitle"/>
+          </p:nvPr>
+        </p:nvSpPr>
+        <p:spPr>
+          <a:xfrm>
+            <a:off x="0" y="1"/>
+            <a:ext cx="9144000" cy="764704"/>
+          </a:xfrm>
+          <a:gradFill flip="none" rotWithShape="1">
+            <a:gsLst>
+              <a:gs pos="0">
+                <a:srgbClr val="C00000">
+                  <a:shade val="30000"/>
+                  <a:satMod val="115000"/>
+                </a:srgbClr>
+              </a:gs>
+              <a:gs pos="50000">
+                <a:srgbClr val="C00000">
+                  <a:shade val="67500"/>
+                  <a:satMod val="115000"/>
+                </a:srgbClr>
+              </a:gs>
+              <a:gs pos="100000">
+                <a:srgbClr val="C00000">
+                  <a:shade val="100000"/>
+                  <a:satMod val="115000"/>
+                </a:srgbClr>
+              </a:gs>
+            </a:gsLst>
+            <a:path path="circle">
+              <a:fillToRect t="100000" r="100000"/>
+            </a:path>
+            <a:tileRect l="-100000" b="-100000"/>
+          </a:gradFill>
+        </p:spPr>
+        <p:txBody>
+          <a:bodyPr/>
+          <a:lstStyle/>
+          <a:p>
+            <a:pPr algn="l"/>
+            <a:r>
+              <a:rPr lang="en-US" altLang="zh-TW" b="1" dirty="0">
+                <a:solidFill>
+                  <a:srgbClr val="FFFF00"/>
+                </a:solidFill>
+              </a:rPr>
+              <a:t>0802.03 Testsuite.py</a:t>
+            </a:r>
+            <a:endParaRPr lang="zh-TW" altLang="en-US" b="1" dirty="0">
+              <a:solidFill>
+                <a:srgbClr val="FFFF00"/>
+              </a:solidFill>
+            </a:endParaRPr>
+          </a:p>
+        </p:txBody>
+      </p:sp>
+      <p:sp>
+        <p:nvSpPr>
+          <p:cNvPr id="3" name="副標題 2"/>
+          <p:cNvSpPr>
+            <a:spLocks noGrp="1"/>
+          </p:cNvSpPr>
+          <p:nvPr>
+            <p:ph type="subTitle" idx="1"/>
+          </p:nvPr>
+        </p:nvSpPr>
+        <p:spPr>
+          <a:xfrm>
+            <a:off x="501535" y="1372852"/>
+            <a:ext cx="1910226" cy="398616"/>
+          </a:xfrm>
+          <a:ln>
+            <a:solidFill>
+              <a:srgbClr val="C00000"/>
+            </a:solidFill>
+          </a:ln>
+        </p:spPr>
+        <p:txBody>
+          <a:bodyPr>
+            <a:noAutofit/>
+          </a:bodyPr>
+          <a:lstStyle/>
+          <a:p>
+            <a:pPr marL="342900" indent="-342900" algn="l">
+              <a:buClr>
+                <a:srgbClr val="0070C0"/>
+              </a:buClr>
+              <a:buSzPct val="80000"/>
+              <a:buFont typeface="Wingdings" pitchFamily="2" charset="2"/>
+              <a:buChar char="u"/>
+            </a:pPr>
+            <a:r>
+              <a:rPr lang="en-US" sz="1800" dirty="0">
+                <a:solidFill>
+                  <a:schemeClr val="tx1"/>
+                </a:solidFill>
+              </a:rPr>
+              <a:t>Testsuite.py</a:t>
+            </a:r>
+          </a:p>
+        </p:txBody>
+      </p:sp>
+      <p:sp>
+        <p:nvSpPr>
+          <p:cNvPr id="4" name="標題 1"/>
+          <p:cNvSpPr txBox="1">
+            <a:spLocks/>
+          </p:cNvSpPr>
+          <p:nvPr/>
+        </p:nvSpPr>
+        <p:spPr>
+          <a:xfrm>
+            <a:off x="0" y="764704"/>
+            <a:ext cx="9144000" cy="398616"/>
+          </a:xfrm>
+          <a:prstGeom prst="rect">
+            <a:avLst/>
+          </a:prstGeom>
+          <a:gradFill flip="none" rotWithShape="1">
+            <a:gsLst>
+              <a:gs pos="0">
+                <a:srgbClr val="00B0F0">
+                  <a:shade val="30000"/>
+                  <a:satMod val="115000"/>
+                </a:srgbClr>
+              </a:gs>
+              <a:gs pos="50000">
+                <a:srgbClr val="00B0F0">
+                  <a:shade val="67500"/>
+                  <a:satMod val="115000"/>
+                </a:srgbClr>
+              </a:gs>
+              <a:gs pos="100000">
+                <a:srgbClr val="00B0F0">
+                  <a:shade val="100000"/>
+                  <a:satMod val="115000"/>
+                </a:srgbClr>
+              </a:gs>
+            </a:gsLst>
+            <a:path path="circle">
+              <a:fillToRect t="100000" r="100000"/>
+            </a:path>
+            <a:tileRect l="-100000" b="-100000"/>
+          </a:gradFill>
+        </p:spPr>
+        <p:txBody>
+          <a:bodyPr vert="horz" lIns="91440" tIns="45720" rIns="91440" bIns="45720" rtlCol="0" anchor="ctr">
+            <a:normAutofit/>
+          </a:bodyPr>
+          <a:lstStyle/>
+          <a:p>
+            <a:pPr marL="0" lvl="1"/>
+            <a:r>
+              <a:rPr lang="en-US" sz="1600" dirty="0">
+                <a:hlinkClick r:id="rId2"/>
+              </a:rPr>
+              <a:t>https://www.ucsc-extension.edu/certificate-program/offering/python-programmers</a:t>
+            </a:r>
+            <a:endParaRPr lang="en-US" sz="1600" dirty="0"/>
+          </a:p>
+        </p:txBody>
+      </p:sp>
+      <p:sp>
+        <p:nvSpPr>
+          <p:cNvPr id="5" name="日期版面配置區 4"/>
+          <p:cNvSpPr>
+            <a:spLocks noGrp="1"/>
+          </p:cNvSpPr>
+          <p:nvPr>
+            <p:ph type="dt" sz="half" idx="10"/>
+          </p:nvPr>
+        </p:nvSpPr>
+        <p:spPr>
+          <a:xfrm>
+            <a:off x="457200" y="6356350"/>
+            <a:ext cx="2133600" cy="404246"/>
+          </a:xfrm>
+        </p:spPr>
+        <p:txBody>
+          <a:bodyPr/>
+          <a:lstStyle/>
+          <a:p>
+            <a:fld id="{A4F910E6-8D00-4BAF-8C48-9688E0B449D3}" type="datetime1">
+              <a:rPr lang="zh-TW" altLang="en-US" smtClean="0"/>
+              <a:pPr/>
+              <a:t>2019/6/28</a:t>
+            </a:fld>
+            <a:endParaRPr lang="zh-TW" altLang="en-US"/>
+          </a:p>
+        </p:txBody>
+      </p:sp>
+      <p:sp>
+        <p:nvSpPr>
+          <p:cNvPr id="6" name="投影片編號版面配置區 5"/>
+          <p:cNvSpPr>
+            <a:spLocks noGrp="1"/>
+          </p:cNvSpPr>
+          <p:nvPr>
+            <p:ph type="sldNum" sz="quarter" idx="12"/>
+          </p:nvPr>
+        </p:nvSpPr>
+        <p:spPr>
+          <a:xfrm>
+            <a:off x="6553200" y="6356350"/>
+            <a:ext cx="2133600" cy="404246"/>
+          </a:xfrm>
+        </p:spPr>
+        <p:txBody>
+          <a:bodyPr/>
+          <a:lstStyle/>
+          <a:p>
+            <a:fld id="{E4D7E63D-91F2-4366-A2C4-1B00C9E2590E}" type="slidenum">
+              <a:rPr lang="zh-TW" altLang="en-US" smtClean="0"/>
+              <a:pPr/>
+              <a:t>10</a:t>
+            </a:fld>
+            <a:endParaRPr lang="zh-TW" altLang="en-US"/>
+          </a:p>
+        </p:txBody>
+      </p:sp>
+      <p:pic>
+        <p:nvPicPr>
+          <p:cNvPr id="7" name="Picture 6">
+            <a:extLst>
+              <a:ext uri="{FF2B5EF4-FFF2-40B4-BE49-F238E27FC236}">
+                <a16:creationId xmlns:a16="http://schemas.microsoft.com/office/drawing/2014/main" id="{C58CB376-1CAE-43C1-B9C8-284638DE2ED2}"/>
+              </a:ext>
+            </a:extLst>
+          </p:cNvPr>
+          <p:cNvPicPr>
+            <a:picLocks noChangeAspect="1"/>
+          </p:cNvPicPr>
+          <p:nvPr/>
+        </p:nvPicPr>
+        <p:blipFill>
+          <a:blip r:embed="rId3"/>
+          <a:stretch>
+            <a:fillRect/>
+          </a:stretch>
+        </p:blipFill>
+        <p:spPr>
+          <a:xfrm>
+            <a:off x="2865439" y="1362054"/>
+            <a:ext cx="5791200" cy="4686300"/>
+          </a:xfrm>
+          <a:prstGeom prst="rect">
+            <a:avLst/>
+          </a:prstGeom>
+          <a:ln>
+            <a:solidFill>
+              <a:srgbClr val="C00000"/>
+            </a:solidFill>
+          </a:ln>
+        </p:spPr>
+      </p:pic>
+    </p:spTree>
+    <p:extLst>
+      <p:ext uri="{BB962C8B-B14F-4D97-AF65-F5344CB8AC3E}">
+        <p14:creationId xmlns:p14="http://schemas.microsoft.com/office/powerpoint/2010/main" val="3627766334"/>
+      </p:ext>
+    </p:extLst>
+  </p:cSld>
+  <p:clrMapOvr>
+    <a:masterClrMapping/>
+  </p:clrMapOvr>
+</p:sld>
+</file>
+
+<file path=ppt/slides/slide11.xml><?xml version="1.0" encoding="utf-8"?>
+<p:sld xmlns:a="http://schemas.openxmlformats.org/drawingml/2006/main" xmlns:r="http://schemas.openxmlformats.org/officeDocument/2006/relationships" xmlns:p="http://schemas.openxmlformats.org/presentationml/2006/main">
+  <p:cSld>
+    <p:spTree>
+      <p:nvGrpSpPr>
+        <p:cNvPr id="1" name=""/>
+        <p:cNvGrpSpPr/>
+        <p:nvPr/>
+      </p:nvGrpSpPr>
+      <p:grpSpPr>
+        <a:xfrm>
+          <a:off x="0" y="0"/>
+          <a:ext cx="0" cy="0"/>
+          <a:chOff x="0" y="0"/>
+          <a:chExt cx="0" cy="0"/>
+        </a:xfrm>
+      </p:grpSpPr>
+      <p:sp>
+        <p:nvSpPr>
+          <p:cNvPr id="2" name="標題 1"/>
+          <p:cNvSpPr>
+            <a:spLocks noGrp="1"/>
+          </p:cNvSpPr>
+          <p:nvPr>
+            <p:ph type="ctrTitle"/>
+          </p:nvPr>
+        </p:nvSpPr>
+        <p:spPr>
+          <a:xfrm>
+            <a:off x="0" y="2130425"/>
+            <a:ext cx="9144000" cy="1470025"/>
+          </a:xfrm>
+          <a:solidFill>
+            <a:srgbClr val="00B0F0"/>
+          </a:solidFill>
+        </p:spPr>
+        <p:txBody>
+          <a:bodyPr>
+            <a:normAutofit/>
+          </a:bodyPr>
+          <a:lstStyle/>
+          <a:p>
+            <a:r>
+              <a:rPr lang="en-US" altLang="zh-TW" sz="4800" b="1" dirty="0">
+                <a:solidFill>
+                  <a:srgbClr val="FFFF00"/>
+                </a:solidFill>
+              </a:rPr>
+              <a:t>0802.04 Lab17_2.py</a:t>
+            </a:r>
+            <a:endParaRPr lang="zh-TW" altLang="en-US" sz="4800" b="1" dirty="0">
+              <a:solidFill>
+                <a:srgbClr val="FFFF00"/>
+              </a:solidFill>
+            </a:endParaRPr>
+          </a:p>
+        </p:txBody>
+      </p:sp>
+      <p:sp>
+        <p:nvSpPr>
+          <p:cNvPr id="5" name="日期版面配置區 4"/>
+          <p:cNvSpPr>
+            <a:spLocks noGrp="1"/>
+          </p:cNvSpPr>
+          <p:nvPr>
+            <p:ph type="dt" sz="half" idx="10"/>
+          </p:nvPr>
+        </p:nvSpPr>
+        <p:spPr/>
+        <p:txBody>
+          <a:bodyPr/>
+          <a:lstStyle/>
+          <a:p>
+            <a:fld id="{C389EDC9-19E3-47AC-9C57-C6A24DEA81AD}" type="datetime1">
+              <a:rPr lang="zh-TW" altLang="en-US" smtClean="0"/>
+              <a:pPr/>
+              <a:t>2019/6/28</a:t>
+            </a:fld>
+            <a:endParaRPr lang="zh-TW" altLang="en-US"/>
+          </a:p>
+        </p:txBody>
+      </p:sp>
+      <p:sp>
+        <p:nvSpPr>
+          <p:cNvPr id="6" name="投影片編號版面配置區 5"/>
+          <p:cNvSpPr>
+            <a:spLocks noGrp="1"/>
+          </p:cNvSpPr>
+          <p:nvPr>
+            <p:ph type="sldNum" sz="quarter" idx="12"/>
+          </p:nvPr>
+        </p:nvSpPr>
+        <p:spPr/>
+        <p:txBody>
+          <a:bodyPr/>
+          <a:lstStyle/>
+          <a:p>
+            <a:fld id="{E4D7E63D-91F2-4366-A2C4-1B00C9E2590E}" type="slidenum">
+              <a:rPr lang="zh-TW" altLang="en-US" smtClean="0"/>
+              <a:pPr/>
+              <a:t>11</a:t>
+            </a:fld>
+            <a:endParaRPr lang="zh-TW" altLang="en-US"/>
+          </a:p>
+        </p:txBody>
+      </p:sp>
+      <p:pic>
+        <p:nvPicPr>
+          <p:cNvPr id="7" name="Picture 6">
+            <a:extLst>
+              <a:ext uri="{FF2B5EF4-FFF2-40B4-BE49-F238E27FC236}">
+                <a16:creationId xmlns:a16="http://schemas.microsoft.com/office/drawing/2014/main" id="{FCD4A087-E8B9-425C-A3D7-1F76A789463E}"/>
+              </a:ext>
+            </a:extLst>
+          </p:cNvPr>
+          <p:cNvPicPr>
+            <a:picLocks noChangeAspect="1"/>
+          </p:cNvPicPr>
+          <p:nvPr/>
+        </p:nvPicPr>
+        <p:blipFill>
+          <a:blip r:embed="rId2"/>
+          <a:stretch>
+            <a:fillRect/>
+          </a:stretch>
+        </p:blipFill>
+        <p:spPr>
+          <a:xfrm>
+            <a:off x="3923928" y="3695964"/>
+            <a:ext cx="1004960" cy="885164"/>
+          </a:xfrm>
+          <a:prstGeom prst="rect">
+            <a:avLst/>
+          </a:prstGeom>
+        </p:spPr>
+      </p:pic>
+    </p:spTree>
+    <p:extLst>
+      <p:ext uri="{BB962C8B-B14F-4D97-AF65-F5344CB8AC3E}">
+        <p14:creationId xmlns:p14="http://schemas.microsoft.com/office/powerpoint/2010/main" val="847387317"/>
+      </p:ext>
+    </p:extLst>
+  </p:cSld>
+  <p:clrMapOvr>
+    <a:masterClrMapping/>
+  </p:clrMapOvr>
+</p:sld>
+</file>
+
+<file path=ppt/slides/slide12.xml><?xml version="1.0" encoding="utf-8"?>
+<p:sld xmlns:a="http://schemas.openxmlformats.org/drawingml/2006/main" xmlns:r="http://schemas.openxmlformats.org/officeDocument/2006/relationships" xmlns:p="http://schemas.openxmlformats.org/presentationml/2006/main">
+  <p:cSld>
+    <p:spTree>
+      <p:nvGrpSpPr>
+        <p:cNvPr id="1" name=""/>
+        <p:cNvGrpSpPr/>
+        <p:nvPr/>
+      </p:nvGrpSpPr>
+      <p:grpSpPr>
+        <a:xfrm>
+          <a:off x="0" y="0"/>
+          <a:ext cx="0" cy="0"/>
+          <a:chOff x="0" y="0"/>
+          <a:chExt cx="0" cy="0"/>
+        </a:xfrm>
+      </p:grpSpPr>
+      <p:sp>
+        <p:nvSpPr>
+          <p:cNvPr id="2" name="標題 1"/>
+          <p:cNvSpPr>
+            <a:spLocks noGrp="1"/>
+          </p:cNvSpPr>
+          <p:nvPr>
+            <p:ph type="ctrTitle"/>
+          </p:nvPr>
+        </p:nvSpPr>
+        <p:spPr>
+          <a:xfrm>
+            <a:off x="0" y="1"/>
+            <a:ext cx="9144000" cy="764704"/>
+          </a:xfrm>
+          <a:gradFill flip="none" rotWithShape="1">
+            <a:gsLst>
+              <a:gs pos="0">
+                <a:srgbClr val="C00000">
+                  <a:shade val="30000"/>
+                  <a:satMod val="115000"/>
+                </a:srgbClr>
+              </a:gs>
+              <a:gs pos="50000">
+                <a:srgbClr val="C00000">
+                  <a:shade val="67500"/>
+                  <a:satMod val="115000"/>
+                </a:srgbClr>
+              </a:gs>
+              <a:gs pos="100000">
+                <a:srgbClr val="C00000">
+                  <a:shade val="100000"/>
+                  <a:satMod val="115000"/>
+                </a:srgbClr>
+              </a:gs>
+            </a:gsLst>
+            <a:path path="circle">
+              <a:fillToRect t="100000" r="100000"/>
+            </a:path>
+            <a:tileRect l="-100000" b="-100000"/>
+          </a:gradFill>
+        </p:spPr>
+        <p:txBody>
+          <a:bodyPr/>
+          <a:lstStyle/>
+          <a:p>
+            <a:pPr algn="l"/>
+            <a:r>
+              <a:rPr lang="en-US" altLang="zh-TW" b="1" dirty="0">
+                <a:solidFill>
+                  <a:srgbClr val="FFFF00"/>
+                </a:solidFill>
+              </a:rPr>
+              <a:t>0802.04 Lab17_2.py</a:t>
+            </a:r>
+            <a:endParaRPr lang="zh-TW" altLang="en-US" b="1" dirty="0">
+              <a:solidFill>
+                <a:srgbClr val="FFFF00"/>
+              </a:solidFill>
+            </a:endParaRPr>
+          </a:p>
+        </p:txBody>
+      </p:sp>
+      <p:sp>
+        <p:nvSpPr>
+          <p:cNvPr id="3" name="副標題 2"/>
+          <p:cNvSpPr>
+            <a:spLocks noGrp="1"/>
+          </p:cNvSpPr>
+          <p:nvPr>
+            <p:ph type="subTitle" idx="1"/>
+          </p:nvPr>
+        </p:nvSpPr>
+        <p:spPr>
+          <a:xfrm>
+            <a:off x="501535" y="1372852"/>
+            <a:ext cx="1910226" cy="398616"/>
+          </a:xfrm>
+          <a:ln>
+            <a:solidFill>
+              <a:srgbClr val="C00000"/>
+            </a:solidFill>
+          </a:ln>
+        </p:spPr>
+        <p:txBody>
+          <a:bodyPr>
+            <a:noAutofit/>
+          </a:bodyPr>
+          <a:lstStyle/>
+          <a:p>
+            <a:pPr marL="342900" indent="-342900" algn="l">
+              <a:buClr>
+                <a:srgbClr val="0070C0"/>
+              </a:buClr>
+              <a:buSzPct val="80000"/>
+              <a:buFont typeface="Wingdings" pitchFamily="2" charset="2"/>
+              <a:buChar char="u"/>
+            </a:pPr>
+            <a:r>
+              <a:rPr lang="en-US" sz="1800" dirty="0">
+                <a:solidFill>
+                  <a:schemeClr val="tx1"/>
+                </a:solidFill>
+              </a:rPr>
+              <a:t>Lab17_2.py</a:t>
+            </a:r>
+          </a:p>
+        </p:txBody>
+      </p:sp>
+      <p:sp>
+        <p:nvSpPr>
+          <p:cNvPr id="4" name="標題 1"/>
+          <p:cNvSpPr txBox="1">
+            <a:spLocks/>
+          </p:cNvSpPr>
+          <p:nvPr/>
+        </p:nvSpPr>
+        <p:spPr>
+          <a:xfrm>
+            <a:off x="0" y="764704"/>
+            <a:ext cx="9144000" cy="398616"/>
+          </a:xfrm>
+          <a:prstGeom prst="rect">
+            <a:avLst/>
+          </a:prstGeom>
+          <a:gradFill flip="none" rotWithShape="1">
+            <a:gsLst>
+              <a:gs pos="0">
+                <a:srgbClr val="00B0F0">
+                  <a:shade val="30000"/>
+                  <a:satMod val="115000"/>
+                </a:srgbClr>
+              </a:gs>
+              <a:gs pos="50000">
+                <a:srgbClr val="00B0F0">
+                  <a:shade val="67500"/>
+                  <a:satMod val="115000"/>
+                </a:srgbClr>
+              </a:gs>
+              <a:gs pos="100000">
+                <a:srgbClr val="00B0F0">
+                  <a:shade val="100000"/>
+                  <a:satMod val="115000"/>
+                </a:srgbClr>
+              </a:gs>
+            </a:gsLst>
+            <a:path path="circle">
+              <a:fillToRect t="100000" r="100000"/>
+            </a:path>
+            <a:tileRect l="-100000" b="-100000"/>
+          </a:gradFill>
+        </p:spPr>
+        <p:txBody>
+          <a:bodyPr vert="horz" lIns="91440" tIns="45720" rIns="91440" bIns="45720" rtlCol="0" anchor="ctr">
+            <a:normAutofit/>
+          </a:bodyPr>
+          <a:lstStyle/>
+          <a:p>
+            <a:pPr marL="0" lvl="1"/>
+            <a:r>
+              <a:rPr lang="en-US" sz="1600" dirty="0">
+                <a:hlinkClick r:id="rId2"/>
+              </a:rPr>
+              <a:t>https://www.ucsc-extension.edu/certificate-program/offering/python-programmers</a:t>
+            </a:r>
+            <a:endParaRPr lang="en-US" sz="1600" dirty="0"/>
+          </a:p>
+        </p:txBody>
+      </p:sp>
+      <p:sp>
+        <p:nvSpPr>
+          <p:cNvPr id="5" name="日期版面配置區 4"/>
+          <p:cNvSpPr>
+            <a:spLocks noGrp="1"/>
+          </p:cNvSpPr>
+          <p:nvPr>
+            <p:ph type="dt" sz="half" idx="10"/>
+          </p:nvPr>
+        </p:nvSpPr>
+        <p:spPr>
+          <a:xfrm>
+            <a:off x="457200" y="6356350"/>
+            <a:ext cx="2133600" cy="404246"/>
+          </a:xfrm>
+        </p:spPr>
+        <p:txBody>
+          <a:bodyPr/>
+          <a:lstStyle/>
+          <a:p>
+            <a:fld id="{A4F910E6-8D00-4BAF-8C48-9688E0B449D3}" type="datetime1">
+              <a:rPr lang="zh-TW" altLang="en-US" smtClean="0"/>
+              <a:pPr/>
+              <a:t>2019/6/28</a:t>
+            </a:fld>
+            <a:endParaRPr lang="zh-TW" altLang="en-US"/>
+          </a:p>
+        </p:txBody>
+      </p:sp>
+      <p:sp>
+        <p:nvSpPr>
+          <p:cNvPr id="6" name="投影片編號版面配置區 5"/>
+          <p:cNvSpPr>
+            <a:spLocks noGrp="1"/>
+          </p:cNvSpPr>
+          <p:nvPr>
+            <p:ph type="sldNum" sz="quarter" idx="12"/>
+          </p:nvPr>
+        </p:nvSpPr>
+        <p:spPr>
+          <a:xfrm>
+            <a:off x="6553200" y="6356350"/>
+            <a:ext cx="2133600" cy="404246"/>
+          </a:xfrm>
+        </p:spPr>
+        <p:txBody>
+          <a:bodyPr/>
+          <a:lstStyle/>
+          <a:p>
+            <a:fld id="{E4D7E63D-91F2-4366-A2C4-1B00C9E2590E}" type="slidenum">
+              <a:rPr lang="zh-TW" altLang="en-US" smtClean="0"/>
+              <a:pPr/>
+              <a:t>12</a:t>
+            </a:fld>
+            <a:endParaRPr lang="zh-TW" altLang="en-US"/>
+          </a:p>
+        </p:txBody>
+      </p:sp>
+      <p:pic>
+        <p:nvPicPr>
+          <p:cNvPr id="8" name="Picture 7">
+            <a:extLst>
+              <a:ext uri="{FF2B5EF4-FFF2-40B4-BE49-F238E27FC236}">
+                <a16:creationId xmlns:a16="http://schemas.microsoft.com/office/drawing/2014/main" id="{ACE190C8-BADF-4971-8D4B-41EF5B6DDE51}"/>
+              </a:ext>
+            </a:extLst>
+          </p:cNvPr>
+          <p:cNvPicPr>
+            <a:picLocks noChangeAspect="1"/>
+          </p:cNvPicPr>
+          <p:nvPr/>
+        </p:nvPicPr>
+        <p:blipFill>
+          <a:blip r:embed="rId3"/>
+          <a:stretch>
+            <a:fillRect/>
+          </a:stretch>
+        </p:blipFill>
+        <p:spPr>
+          <a:xfrm>
+            <a:off x="2590800" y="1176005"/>
+            <a:ext cx="5576496" cy="5468215"/>
+          </a:xfrm>
+          <a:prstGeom prst="rect">
+            <a:avLst/>
+          </a:prstGeom>
+          <a:ln>
+            <a:solidFill>
+              <a:srgbClr val="C00000"/>
+            </a:solidFill>
+          </a:ln>
+        </p:spPr>
+      </p:pic>
+    </p:spTree>
+    <p:extLst>
+      <p:ext uri="{BB962C8B-B14F-4D97-AF65-F5344CB8AC3E}">
+        <p14:creationId xmlns:p14="http://schemas.microsoft.com/office/powerpoint/2010/main" val="3894881613"/>
+      </p:ext>
+    </p:extLst>
+  </p:cSld>
+  <p:clrMapOvr>
+    <a:masterClrMapping/>
+  </p:clrMapOvr>
+</p:sld>
+</file>
+
+<file path=ppt/slides/slide13.xml><?xml version="1.0" encoding="utf-8"?>
+<p:sld xmlns:a="http://schemas.openxmlformats.org/drawingml/2006/main" xmlns:r="http://schemas.openxmlformats.org/officeDocument/2006/relationships" xmlns:p="http://schemas.openxmlformats.org/presentationml/2006/main">
+  <p:cSld>
+    <p:spTree>
+      <p:nvGrpSpPr>
+        <p:cNvPr id="1" name=""/>
+        <p:cNvGrpSpPr/>
+        <p:nvPr/>
+      </p:nvGrpSpPr>
+      <p:grpSpPr>
+        <a:xfrm>
+          <a:off x="0" y="0"/>
+          <a:ext cx="0" cy="0"/>
+          <a:chOff x="0" y="0"/>
+          <a:chExt cx="0" cy="0"/>
+        </a:xfrm>
+      </p:grpSpPr>
+      <p:sp>
+        <p:nvSpPr>
+          <p:cNvPr id="2" name="標題 1"/>
+          <p:cNvSpPr>
+            <a:spLocks noGrp="1"/>
+          </p:cNvSpPr>
+          <p:nvPr>
+            <p:ph type="ctrTitle"/>
+          </p:nvPr>
+        </p:nvSpPr>
+        <p:spPr>
+          <a:xfrm>
+            <a:off x="0" y="1"/>
+            <a:ext cx="9144000" cy="764704"/>
+          </a:xfrm>
+          <a:gradFill flip="none" rotWithShape="1">
+            <a:gsLst>
+              <a:gs pos="0">
+                <a:srgbClr val="C00000">
+                  <a:shade val="30000"/>
+                  <a:satMod val="115000"/>
+                </a:srgbClr>
+              </a:gs>
+              <a:gs pos="50000">
+                <a:srgbClr val="C00000">
+                  <a:shade val="67500"/>
+                  <a:satMod val="115000"/>
+                </a:srgbClr>
+              </a:gs>
+              <a:gs pos="100000">
+                <a:srgbClr val="C00000">
+                  <a:shade val="100000"/>
+                  <a:satMod val="115000"/>
+                </a:srgbClr>
+              </a:gs>
+            </a:gsLst>
+            <a:path path="circle">
+              <a:fillToRect t="100000" r="100000"/>
+            </a:path>
+            <a:tileRect l="-100000" b="-100000"/>
+          </a:gradFill>
+        </p:spPr>
+        <p:txBody>
+          <a:bodyPr/>
+          <a:lstStyle/>
+          <a:p>
+            <a:pPr algn="l"/>
+            <a:r>
+              <a:rPr lang="en-US" altLang="zh-TW" b="1" dirty="0">
+                <a:solidFill>
+                  <a:srgbClr val="FFFF00"/>
+                </a:solidFill>
+              </a:rPr>
+              <a:t>0802.04 Lab17_2.py</a:t>
+            </a:r>
+            <a:endParaRPr lang="zh-TW" altLang="en-US" b="1" dirty="0">
+              <a:solidFill>
+                <a:srgbClr val="FFFF00"/>
+              </a:solidFill>
+            </a:endParaRPr>
+          </a:p>
+        </p:txBody>
+      </p:sp>
+      <p:sp>
+        <p:nvSpPr>
+          <p:cNvPr id="3" name="副標題 2"/>
+          <p:cNvSpPr>
+            <a:spLocks noGrp="1"/>
+          </p:cNvSpPr>
+          <p:nvPr>
+            <p:ph type="subTitle" idx="1"/>
+          </p:nvPr>
+        </p:nvSpPr>
+        <p:spPr>
+          <a:xfrm>
+            <a:off x="501535" y="1372852"/>
+            <a:ext cx="1910226" cy="398616"/>
+          </a:xfrm>
+          <a:ln>
+            <a:solidFill>
+              <a:srgbClr val="C00000"/>
+            </a:solidFill>
+          </a:ln>
+        </p:spPr>
+        <p:txBody>
+          <a:bodyPr>
+            <a:noAutofit/>
+          </a:bodyPr>
+          <a:lstStyle/>
+          <a:p>
+            <a:pPr marL="342900" indent="-342900" algn="l">
+              <a:buClr>
+                <a:srgbClr val="0070C0"/>
+              </a:buClr>
+              <a:buSzPct val="80000"/>
+              <a:buFont typeface="Wingdings" pitchFamily="2" charset="2"/>
+              <a:buChar char="u"/>
+            </a:pPr>
+            <a:r>
+              <a:rPr lang="en-US" sz="1800" dirty="0">
+                <a:solidFill>
+                  <a:schemeClr val="tx1"/>
+                </a:solidFill>
+              </a:rPr>
+              <a:t>Lab17_2.py</a:t>
+            </a:r>
+          </a:p>
+        </p:txBody>
+      </p:sp>
+      <p:sp>
+        <p:nvSpPr>
+          <p:cNvPr id="4" name="標題 1"/>
+          <p:cNvSpPr txBox="1">
+            <a:spLocks/>
+          </p:cNvSpPr>
+          <p:nvPr/>
+        </p:nvSpPr>
+        <p:spPr>
+          <a:xfrm>
+            <a:off x="0" y="764704"/>
+            <a:ext cx="9144000" cy="398616"/>
+          </a:xfrm>
+          <a:prstGeom prst="rect">
+            <a:avLst/>
+          </a:prstGeom>
+          <a:gradFill flip="none" rotWithShape="1">
+            <a:gsLst>
+              <a:gs pos="0">
+                <a:srgbClr val="00B0F0">
+                  <a:shade val="30000"/>
+                  <a:satMod val="115000"/>
+                </a:srgbClr>
+              </a:gs>
+              <a:gs pos="50000">
+                <a:srgbClr val="00B0F0">
+                  <a:shade val="67500"/>
+                  <a:satMod val="115000"/>
+                </a:srgbClr>
+              </a:gs>
+              <a:gs pos="100000">
+                <a:srgbClr val="00B0F0">
+                  <a:shade val="100000"/>
+                  <a:satMod val="115000"/>
+                </a:srgbClr>
+              </a:gs>
+            </a:gsLst>
+            <a:path path="circle">
+              <a:fillToRect t="100000" r="100000"/>
+            </a:path>
+            <a:tileRect l="-100000" b="-100000"/>
+          </a:gradFill>
+        </p:spPr>
+        <p:txBody>
+          <a:bodyPr vert="horz" lIns="91440" tIns="45720" rIns="91440" bIns="45720" rtlCol="0" anchor="ctr">
+            <a:normAutofit/>
+          </a:bodyPr>
+          <a:lstStyle/>
+          <a:p>
+            <a:pPr marL="0" lvl="1"/>
+            <a:r>
+              <a:rPr lang="en-US" sz="1600" dirty="0">
+                <a:hlinkClick r:id="rId2"/>
+              </a:rPr>
+              <a:t>https://www.ucsc-extension.edu/certificate-program/offering/python-programmers</a:t>
+            </a:r>
+            <a:endParaRPr lang="en-US" sz="1600" dirty="0"/>
+          </a:p>
+        </p:txBody>
+      </p:sp>
+      <p:sp>
+        <p:nvSpPr>
+          <p:cNvPr id="5" name="日期版面配置區 4"/>
+          <p:cNvSpPr>
+            <a:spLocks noGrp="1"/>
+          </p:cNvSpPr>
+          <p:nvPr>
+            <p:ph type="dt" sz="half" idx="10"/>
+          </p:nvPr>
+        </p:nvSpPr>
+        <p:spPr>
+          <a:xfrm>
+            <a:off x="457200" y="6356350"/>
+            <a:ext cx="2133600" cy="404246"/>
+          </a:xfrm>
+        </p:spPr>
+        <p:txBody>
+          <a:bodyPr/>
+          <a:lstStyle/>
+          <a:p>
+            <a:fld id="{A4F910E6-8D00-4BAF-8C48-9688E0B449D3}" type="datetime1">
+              <a:rPr lang="zh-TW" altLang="en-US" smtClean="0"/>
+              <a:pPr/>
+              <a:t>2019/6/28</a:t>
+            </a:fld>
+            <a:endParaRPr lang="zh-TW" altLang="en-US"/>
+          </a:p>
+        </p:txBody>
+      </p:sp>
+      <p:sp>
+        <p:nvSpPr>
+          <p:cNvPr id="6" name="投影片編號版面配置區 5"/>
+          <p:cNvSpPr>
+            <a:spLocks noGrp="1"/>
+          </p:cNvSpPr>
+          <p:nvPr>
+            <p:ph type="sldNum" sz="quarter" idx="12"/>
+          </p:nvPr>
+        </p:nvSpPr>
+        <p:spPr>
+          <a:xfrm>
+            <a:off x="6553200" y="6356350"/>
+            <a:ext cx="2133600" cy="404246"/>
+          </a:xfrm>
+        </p:spPr>
+        <p:txBody>
+          <a:bodyPr/>
+          <a:lstStyle/>
+          <a:p>
+            <a:fld id="{E4D7E63D-91F2-4366-A2C4-1B00C9E2590E}" type="slidenum">
+              <a:rPr lang="zh-TW" altLang="en-US" smtClean="0"/>
+              <a:pPr/>
+              <a:t>13</a:t>
+            </a:fld>
+            <a:endParaRPr lang="zh-TW" altLang="en-US"/>
+          </a:p>
+        </p:txBody>
+      </p:sp>
+      <p:pic>
+        <p:nvPicPr>
+          <p:cNvPr id="7" name="Picture 6">
+            <a:extLst>
+              <a:ext uri="{FF2B5EF4-FFF2-40B4-BE49-F238E27FC236}">
+                <a16:creationId xmlns:a16="http://schemas.microsoft.com/office/drawing/2014/main" id="{31B006CB-AEFA-406B-A3E9-44AF6C9C3D20}"/>
+              </a:ext>
+            </a:extLst>
+          </p:cNvPr>
+          <p:cNvPicPr>
+            <a:picLocks noChangeAspect="1"/>
+          </p:cNvPicPr>
+          <p:nvPr/>
+        </p:nvPicPr>
+        <p:blipFill>
+          <a:blip r:embed="rId3"/>
+          <a:stretch>
+            <a:fillRect/>
+          </a:stretch>
+        </p:blipFill>
+        <p:spPr>
+          <a:xfrm>
+            <a:off x="2843808" y="1372852"/>
+            <a:ext cx="5031568" cy="5166060"/>
+          </a:xfrm>
+          <a:prstGeom prst="rect">
+            <a:avLst/>
+          </a:prstGeom>
+          <a:ln>
+            <a:solidFill>
+              <a:srgbClr val="C00000"/>
+            </a:solidFill>
+          </a:ln>
+        </p:spPr>
+      </p:pic>
+    </p:spTree>
+    <p:extLst>
+      <p:ext uri="{BB962C8B-B14F-4D97-AF65-F5344CB8AC3E}">
+        <p14:creationId xmlns:p14="http://schemas.microsoft.com/office/powerpoint/2010/main" val="1477634841"/>
+      </p:ext>
+    </p:extLst>
+  </p:cSld>
+  <p:clrMapOvr>
+    <a:masterClrMapping/>
+  </p:clrMapOvr>
+</p:sld>
+</file>
+
+<file path=ppt/slides/slide14.xml><?xml version="1.0" encoding="utf-8"?>
+<p:sld xmlns:a="http://schemas.openxmlformats.org/drawingml/2006/main" xmlns:r="http://schemas.openxmlformats.org/officeDocument/2006/relationships" xmlns:p="http://schemas.openxmlformats.org/presentationml/2006/main">
+  <p:cSld>
+    <p:spTree>
+      <p:nvGrpSpPr>
+        <p:cNvPr id="1" name=""/>
+        <p:cNvGrpSpPr/>
+        <p:nvPr/>
+      </p:nvGrpSpPr>
+      <p:grpSpPr>
+        <a:xfrm>
+          <a:off x="0" y="0"/>
+          <a:ext cx="0" cy="0"/>
+          <a:chOff x="0" y="0"/>
+          <a:chExt cx="0" cy="0"/>
+        </a:xfrm>
+      </p:grpSpPr>
+      <p:sp>
+        <p:nvSpPr>
+          <p:cNvPr id="2" name="標題 1"/>
+          <p:cNvSpPr>
+            <a:spLocks noGrp="1"/>
+          </p:cNvSpPr>
+          <p:nvPr>
+            <p:ph type="ctrTitle"/>
+          </p:nvPr>
+        </p:nvSpPr>
+        <p:spPr>
+          <a:xfrm>
+            <a:off x="0" y="1"/>
+            <a:ext cx="9144000" cy="764704"/>
+          </a:xfrm>
+          <a:gradFill flip="none" rotWithShape="1">
+            <a:gsLst>
+              <a:gs pos="0">
+                <a:srgbClr val="C00000">
+                  <a:shade val="30000"/>
+                  <a:satMod val="115000"/>
+                </a:srgbClr>
+              </a:gs>
+              <a:gs pos="50000">
+                <a:srgbClr val="C00000">
+                  <a:shade val="67500"/>
+                  <a:satMod val="115000"/>
+                </a:srgbClr>
+              </a:gs>
+              <a:gs pos="100000">
+                <a:srgbClr val="C00000">
+                  <a:shade val="100000"/>
+                  <a:satMod val="115000"/>
+                </a:srgbClr>
+              </a:gs>
+            </a:gsLst>
+            <a:path path="circle">
+              <a:fillToRect t="100000" r="100000"/>
+            </a:path>
+            <a:tileRect l="-100000" b="-100000"/>
+          </a:gradFill>
+        </p:spPr>
+        <p:txBody>
+          <a:bodyPr/>
+          <a:lstStyle/>
+          <a:p>
+            <a:pPr algn="l"/>
+            <a:r>
+              <a:rPr lang="en-US" altLang="zh-TW" b="1" dirty="0">
+                <a:solidFill>
+                  <a:srgbClr val="FFFF00"/>
+                </a:solidFill>
+              </a:rPr>
+              <a:t>0802.04 Lab17_2.py</a:t>
+            </a:r>
+            <a:endParaRPr lang="zh-TW" altLang="en-US" b="1" dirty="0">
+              <a:solidFill>
+                <a:srgbClr val="FFFF00"/>
+              </a:solidFill>
+            </a:endParaRPr>
+          </a:p>
+        </p:txBody>
+      </p:sp>
+      <p:sp>
+        <p:nvSpPr>
+          <p:cNvPr id="3" name="副標題 2"/>
+          <p:cNvSpPr>
+            <a:spLocks noGrp="1"/>
+          </p:cNvSpPr>
+          <p:nvPr>
+            <p:ph type="subTitle" idx="1"/>
+          </p:nvPr>
+        </p:nvSpPr>
+        <p:spPr>
+          <a:xfrm>
+            <a:off x="501535" y="1372852"/>
+            <a:ext cx="1910226" cy="398616"/>
+          </a:xfrm>
+          <a:ln>
+            <a:solidFill>
+              <a:srgbClr val="C00000"/>
+            </a:solidFill>
+          </a:ln>
+        </p:spPr>
+        <p:txBody>
+          <a:bodyPr>
+            <a:noAutofit/>
+          </a:bodyPr>
+          <a:lstStyle/>
+          <a:p>
+            <a:pPr marL="342900" indent="-342900" algn="l">
+              <a:buClr>
+                <a:srgbClr val="0070C0"/>
+              </a:buClr>
+              <a:buSzPct val="80000"/>
+              <a:buFont typeface="Wingdings" pitchFamily="2" charset="2"/>
+              <a:buChar char="u"/>
+            </a:pPr>
+            <a:r>
+              <a:rPr lang="en-US" sz="1800" dirty="0">
+                <a:solidFill>
+                  <a:schemeClr val="tx1"/>
+                </a:solidFill>
+              </a:rPr>
+              <a:t>Lab17_2.py</a:t>
+            </a:r>
+          </a:p>
+        </p:txBody>
+      </p:sp>
+      <p:sp>
+        <p:nvSpPr>
+          <p:cNvPr id="4" name="標題 1"/>
+          <p:cNvSpPr txBox="1">
+            <a:spLocks/>
+          </p:cNvSpPr>
+          <p:nvPr/>
+        </p:nvSpPr>
+        <p:spPr>
+          <a:xfrm>
+            <a:off x="0" y="764704"/>
+            <a:ext cx="9144000" cy="398616"/>
+          </a:xfrm>
+          <a:prstGeom prst="rect">
+            <a:avLst/>
+          </a:prstGeom>
+          <a:gradFill flip="none" rotWithShape="1">
+            <a:gsLst>
+              <a:gs pos="0">
+                <a:srgbClr val="00B0F0">
+                  <a:shade val="30000"/>
+                  <a:satMod val="115000"/>
+                </a:srgbClr>
+              </a:gs>
+              <a:gs pos="50000">
+                <a:srgbClr val="00B0F0">
+                  <a:shade val="67500"/>
+                  <a:satMod val="115000"/>
+                </a:srgbClr>
+              </a:gs>
+              <a:gs pos="100000">
+                <a:srgbClr val="00B0F0">
+                  <a:shade val="100000"/>
+                  <a:satMod val="115000"/>
+                </a:srgbClr>
+              </a:gs>
+            </a:gsLst>
+            <a:path path="circle">
+              <a:fillToRect t="100000" r="100000"/>
+            </a:path>
+            <a:tileRect l="-100000" b="-100000"/>
+          </a:gradFill>
+        </p:spPr>
+        <p:txBody>
+          <a:bodyPr vert="horz" lIns="91440" tIns="45720" rIns="91440" bIns="45720" rtlCol="0" anchor="ctr">
+            <a:normAutofit/>
+          </a:bodyPr>
+          <a:lstStyle/>
+          <a:p>
+            <a:pPr marL="0" lvl="1"/>
+            <a:r>
+              <a:rPr lang="en-US" sz="1600" dirty="0">
+                <a:hlinkClick r:id="rId2"/>
+              </a:rPr>
+              <a:t>https://www.ucsc-extension.edu/certificate-program/offering/python-programmers</a:t>
+            </a:r>
+            <a:endParaRPr lang="en-US" sz="1600" dirty="0"/>
+          </a:p>
+        </p:txBody>
+      </p:sp>
+      <p:sp>
+        <p:nvSpPr>
+          <p:cNvPr id="5" name="日期版面配置區 4"/>
+          <p:cNvSpPr>
+            <a:spLocks noGrp="1"/>
+          </p:cNvSpPr>
+          <p:nvPr>
+            <p:ph type="dt" sz="half" idx="10"/>
+          </p:nvPr>
+        </p:nvSpPr>
+        <p:spPr>
+          <a:xfrm>
+            <a:off x="457200" y="6356350"/>
+            <a:ext cx="2133600" cy="404246"/>
+          </a:xfrm>
+        </p:spPr>
+        <p:txBody>
+          <a:bodyPr/>
+          <a:lstStyle/>
+          <a:p>
+            <a:fld id="{A4F910E6-8D00-4BAF-8C48-9688E0B449D3}" type="datetime1">
+              <a:rPr lang="zh-TW" altLang="en-US" smtClean="0"/>
+              <a:pPr/>
+              <a:t>2019/6/28</a:t>
+            </a:fld>
+            <a:endParaRPr lang="zh-TW" altLang="en-US"/>
+          </a:p>
+        </p:txBody>
+      </p:sp>
+      <p:sp>
+        <p:nvSpPr>
+          <p:cNvPr id="6" name="投影片編號版面配置區 5"/>
+          <p:cNvSpPr>
+            <a:spLocks noGrp="1"/>
+          </p:cNvSpPr>
+          <p:nvPr>
+            <p:ph type="sldNum" sz="quarter" idx="12"/>
+          </p:nvPr>
+        </p:nvSpPr>
+        <p:spPr>
+          <a:xfrm>
+            <a:off x="6553200" y="6356350"/>
+            <a:ext cx="2133600" cy="404246"/>
+          </a:xfrm>
+        </p:spPr>
+        <p:txBody>
+          <a:bodyPr/>
+          <a:lstStyle/>
+          <a:p>
+            <a:fld id="{E4D7E63D-91F2-4366-A2C4-1B00C9E2590E}" type="slidenum">
+              <a:rPr lang="zh-TW" altLang="en-US" smtClean="0"/>
+              <a:pPr/>
+              <a:t>14</a:t>
+            </a:fld>
+            <a:endParaRPr lang="zh-TW" altLang="en-US"/>
+          </a:p>
+        </p:txBody>
+      </p:sp>
+      <p:pic>
+        <p:nvPicPr>
+          <p:cNvPr id="8" name="Picture 7">
+            <a:extLst>
+              <a:ext uri="{FF2B5EF4-FFF2-40B4-BE49-F238E27FC236}">
+                <a16:creationId xmlns:a16="http://schemas.microsoft.com/office/drawing/2014/main" id="{6A6E5E26-0BD2-4B39-9018-064F21DAFECA}"/>
+              </a:ext>
+            </a:extLst>
+          </p:cNvPr>
+          <p:cNvPicPr>
+            <a:picLocks noChangeAspect="1"/>
+          </p:cNvPicPr>
+          <p:nvPr/>
+        </p:nvPicPr>
+        <p:blipFill>
+          <a:blip r:embed="rId3"/>
+          <a:stretch>
+            <a:fillRect/>
+          </a:stretch>
+        </p:blipFill>
+        <p:spPr>
+          <a:xfrm>
+            <a:off x="1456648" y="1926126"/>
+            <a:ext cx="6362700" cy="4057650"/>
+          </a:xfrm>
+          <a:prstGeom prst="rect">
+            <a:avLst/>
+          </a:prstGeom>
+          <a:ln>
+            <a:solidFill>
+              <a:srgbClr val="C00000"/>
+            </a:solidFill>
+          </a:ln>
+        </p:spPr>
+      </p:pic>
+    </p:spTree>
+    <p:extLst>
+      <p:ext uri="{BB962C8B-B14F-4D97-AF65-F5344CB8AC3E}">
+        <p14:creationId xmlns:p14="http://schemas.microsoft.com/office/powerpoint/2010/main" val="2556215759"/>
+      </p:ext>
+    </p:extLst>
+  </p:cSld>
+  <p:clrMapOvr>
+    <a:masterClrMapping/>
+  </p:clrMapOvr>
+</p:sld>
+</file>
+
+<file path=ppt/slides/slide15.xml><?xml version="1.0" encoding="utf-8"?>
+<p:sld xmlns:a="http://schemas.openxmlformats.org/drawingml/2006/main" xmlns:r="http://schemas.openxmlformats.org/officeDocument/2006/relationships" xmlns:p="http://schemas.openxmlformats.org/presentationml/2006/main">
+  <p:cSld>
+    <p:spTree>
+      <p:nvGrpSpPr>
+        <p:cNvPr id="1" name=""/>
+        <p:cNvGrpSpPr/>
+        <p:nvPr/>
+      </p:nvGrpSpPr>
+      <p:grpSpPr>
+        <a:xfrm>
+          <a:off x="0" y="0"/>
+          <a:ext cx="0" cy="0"/>
+          <a:chOff x="0" y="0"/>
+          <a:chExt cx="0" cy="0"/>
+        </a:xfrm>
+      </p:grpSpPr>
+      <p:sp>
+        <p:nvSpPr>
+          <p:cNvPr id="2" name="標題 1"/>
+          <p:cNvSpPr>
+            <a:spLocks noGrp="1"/>
+          </p:cNvSpPr>
+          <p:nvPr>
+            <p:ph type="ctrTitle"/>
+          </p:nvPr>
+        </p:nvSpPr>
+        <p:spPr>
+          <a:xfrm>
+            <a:off x="0" y="1"/>
+            <a:ext cx="9144000" cy="764704"/>
+          </a:xfrm>
+          <a:gradFill flip="none" rotWithShape="1">
+            <a:gsLst>
+              <a:gs pos="0">
+                <a:srgbClr val="C00000">
+                  <a:shade val="30000"/>
+                  <a:satMod val="115000"/>
+                </a:srgbClr>
+              </a:gs>
+              <a:gs pos="50000">
+                <a:srgbClr val="C00000">
+                  <a:shade val="67500"/>
+                  <a:satMod val="115000"/>
+                </a:srgbClr>
+              </a:gs>
+              <a:gs pos="100000">
+                <a:srgbClr val="C00000">
+                  <a:shade val="100000"/>
+                  <a:satMod val="115000"/>
+                </a:srgbClr>
+              </a:gs>
+            </a:gsLst>
+            <a:path path="circle">
+              <a:fillToRect t="100000" r="100000"/>
+            </a:path>
+            <a:tileRect l="-100000" b="-100000"/>
+          </a:gradFill>
+        </p:spPr>
+        <p:txBody>
+          <a:bodyPr/>
+          <a:lstStyle/>
+          <a:p>
+            <a:pPr algn="l"/>
+            <a:r>
+              <a:rPr lang="en-US" altLang="zh-TW" b="1" dirty="0">
+                <a:solidFill>
+                  <a:srgbClr val="FFFF00"/>
+                </a:solidFill>
+              </a:rPr>
+              <a:t>0802.04 Lab17_2.py</a:t>
+            </a:r>
+            <a:endParaRPr lang="zh-TW" altLang="en-US" b="1" dirty="0">
+              <a:solidFill>
+                <a:srgbClr val="FFFF00"/>
+              </a:solidFill>
+            </a:endParaRPr>
+          </a:p>
+        </p:txBody>
+      </p:sp>
+      <p:sp>
+        <p:nvSpPr>
+          <p:cNvPr id="3" name="副標題 2"/>
+          <p:cNvSpPr>
+            <a:spLocks noGrp="1"/>
+          </p:cNvSpPr>
+          <p:nvPr>
+            <p:ph type="subTitle" idx="1"/>
+          </p:nvPr>
+        </p:nvSpPr>
+        <p:spPr>
+          <a:xfrm>
+            <a:off x="501535" y="1372852"/>
+            <a:ext cx="1910226" cy="398616"/>
+          </a:xfrm>
+          <a:ln>
+            <a:solidFill>
+              <a:srgbClr val="C00000"/>
+            </a:solidFill>
+          </a:ln>
+        </p:spPr>
+        <p:txBody>
+          <a:bodyPr>
+            <a:noAutofit/>
+          </a:bodyPr>
+          <a:lstStyle/>
+          <a:p>
+            <a:pPr marL="342900" indent="-342900" algn="l">
+              <a:buClr>
+                <a:srgbClr val="0070C0"/>
+              </a:buClr>
+              <a:buSzPct val="80000"/>
+              <a:buFont typeface="Wingdings" pitchFamily="2" charset="2"/>
+              <a:buChar char="u"/>
+            </a:pPr>
+            <a:r>
+              <a:rPr lang="en-US" sz="1800" dirty="0">
+                <a:solidFill>
+                  <a:schemeClr val="tx1"/>
+                </a:solidFill>
+              </a:rPr>
+              <a:t>Lab17_2.py</a:t>
+            </a:r>
+          </a:p>
+        </p:txBody>
+      </p:sp>
+      <p:sp>
+        <p:nvSpPr>
+          <p:cNvPr id="4" name="標題 1"/>
+          <p:cNvSpPr txBox="1">
+            <a:spLocks/>
+          </p:cNvSpPr>
+          <p:nvPr/>
+        </p:nvSpPr>
+        <p:spPr>
+          <a:xfrm>
+            <a:off x="0" y="764704"/>
+            <a:ext cx="9144000" cy="398616"/>
+          </a:xfrm>
+          <a:prstGeom prst="rect">
+            <a:avLst/>
+          </a:prstGeom>
+          <a:gradFill flip="none" rotWithShape="1">
+            <a:gsLst>
+              <a:gs pos="0">
+                <a:srgbClr val="00B0F0">
+                  <a:shade val="30000"/>
+                  <a:satMod val="115000"/>
+                </a:srgbClr>
+              </a:gs>
+              <a:gs pos="50000">
+                <a:srgbClr val="00B0F0">
+                  <a:shade val="67500"/>
+                  <a:satMod val="115000"/>
+                </a:srgbClr>
+              </a:gs>
+              <a:gs pos="100000">
+                <a:srgbClr val="00B0F0">
+                  <a:shade val="100000"/>
+                  <a:satMod val="115000"/>
+                </a:srgbClr>
+              </a:gs>
+            </a:gsLst>
+            <a:path path="circle">
+              <a:fillToRect t="100000" r="100000"/>
+            </a:path>
+            <a:tileRect l="-100000" b="-100000"/>
+          </a:gradFill>
+        </p:spPr>
+        <p:txBody>
+          <a:bodyPr vert="horz" lIns="91440" tIns="45720" rIns="91440" bIns="45720" rtlCol="0" anchor="ctr">
+            <a:normAutofit/>
+          </a:bodyPr>
+          <a:lstStyle/>
+          <a:p>
+            <a:pPr marL="0" lvl="1"/>
+            <a:r>
+              <a:rPr lang="en-US" sz="1600" dirty="0">
+                <a:hlinkClick r:id="rId2"/>
+              </a:rPr>
+              <a:t>https://www.ucsc-extension.edu/certificate-program/offering/python-programmers</a:t>
+            </a:r>
+            <a:endParaRPr lang="en-US" sz="1600" dirty="0"/>
+          </a:p>
+        </p:txBody>
+      </p:sp>
+      <p:sp>
+        <p:nvSpPr>
+          <p:cNvPr id="5" name="日期版面配置區 4"/>
+          <p:cNvSpPr>
+            <a:spLocks noGrp="1"/>
+          </p:cNvSpPr>
+          <p:nvPr>
+            <p:ph type="dt" sz="half" idx="10"/>
+          </p:nvPr>
+        </p:nvSpPr>
+        <p:spPr>
+          <a:xfrm>
+            <a:off x="457200" y="6356350"/>
+            <a:ext cx="2133600" cy="404246"/>
+          </a:xfrm>
+        </p:spPr>
+        <p:txBody>
+          <a:bodyPr/>
+          <a:lstStyle/>
+          <a:p>
+            <a:fld id="{A4F910E6-8D00-4BAF-8C48-9688E0B449D3}" type="datetime1">
+              <a:rPr lang="zh-TW" altLang="en-US" smtClean="0"/>
+              <a:pPr/>
+              <a:t>2019/6/28</a:t>
+            </a:fld>
+            <a:endParaRPr lang="zh-TW" altLang="en-US"/>
+          </a:p>
+        </p:txBody>
+      </p:sp>
+      <p:sp>
+        <p:nvSpPr>
+          <p:cNvPr id="6" name="投影片編號版面配置區 5"/>
+          <p:cNvSpPr>
+            <a:spLocks noGrp="1"/>
+          </p:cNvSpPr>
+          <p:nvPr>
+            <p:ph type="sldNum" sz="quarter" idx="12"/>
+          </p:nvPr>
+        </p:nvSpPr>
+        <p:spPr>
+          <a:xfrm>
+            <a:off x="6553200" y="6356350"/>
+            <a:ext cx="2133600" cy="404246"/>
+          </a:xfrm>
+        </p:spPr>
+        <p:txBody>
+          <a:bodyPr/>
+          <a:lstStyle/>
+          <a:p>
+            <a:fld id="{E4D7E63D-91F2-4366-A2C4-1B00C9E2590E}" type="slidenum">
+              <a:rPr lang="zh-TW" altLang="en-US" smtClean="0"/>
+              <a:pPr/>
+              <a:t>15</a:t>
+            </a:fld>
+            <a:endParaRPr lang="zh-TW" altLang="en-US"/>
+          </a:p>
+        </p:txBody>
+      </p:sp>
+      <p:pic>
+        <p:nvPicPr>
+          <p:cNvPr id="9" name="Picture 8">
+            <a:extLst>
+              <a:ext uri="{FF2B5EF4-FFF2-40B4-BE49-F238E27FC236}">
+                <a16:creationId xmlns:a16="http://schemas.microsoft.com/office/drawing/2014/main" id="{A472E74D-C323-45E1-B3D0-30A254EE8260}"/>
+              </a:ext>
+            </a:extLst>
+          </p:cNvPr>
+          <p:cNvPicPr>
+            <a:picLocks noChangeAspect="1"/>
+          </p:cNvPicPr>
+          <p:nvPr/>
+        </p:nvPicPr>
+        <p:blipFill>
+          <a:blip r:embed="rId3"/>
+          <a:stretch>
+            <a:fillRect/>
+          </a:stretch>
+        </p:blipFill>
+        <p:spPr>
+          <a:xfrm>
+            <a:off x="2604229" y="1247919"/>
+            <a:ext cx="4369297" cy="5485148"/>
+          </a:xfrm>
+          <a:prstGeom prst="rect">
+            <a:avLst/>
+          </a:prstGeom>
+          <a:ln>
+            <a:solidFill>
+              <a:srgbClr val="C00000"/>
+            </a:solidFill>
+          </a:ln>
+        </p:spPr>
+      </p:pic>
+    </p:spTree>
+    <p:extLst>
+      <p:ext uri="{BB962C8B-B14F-4D97-AF65-F5344CB8AC3E}">
+        <p14:creationId xmlns:p14="http://schemas.microsoft.com/office/powerpoint/2010/main" val="2710694923"/>
+      </p:ext>
+    </p:extLst>
+  </p:cSld>
+  <p:clrMapOvr>
+    <a:masterClrMapping/>
+  </p:clrMapOvr>
+</p:sld>
+</file>
+
+<file path=ppt/slides/slide16.xml><?xml version="1.0" encoding="utf-8"?>
+<p:sld xmlns:a="http://schemas.openxmlformats.org/drawingml/2006/main" xmlns:r="http://schemas.openxmlformats.org/officeDocument/2006/relationships" xmlns:p="http://schemas.openxmlformats.org/presentationml/2006/main">
+  <p:cSld>
+    <p:spTree>
+      <p:nvGrpSpPr>
+        <p:cNvPr id="1" name=""/>
+        <p:cNvGrpSpPr/>
+        <p:nvPr/>
+      </p:nvGrpSpPr>
+      <p:grpSpPr>
+        <a:xfrm>
+          <a:off x="0" y="0"/>
+          <a:ext cx="0" cy="0"/>
+          <a:chOff x="0" y="0"/>
+          <a:chExt cx="0" cy="0"/>
+        </a:xfrm>
+      </p:grpSpPr>
+      <p:sp>
+        <p:nvSpPr>
+          <p:cNvPr id="2" name="標題 1"/>
+          <p:cNvSpPr>
+            <a:spLocks noGrp="1"/>
+          </p:cNvSpPr>
+          <p:nvPr>
+            <p:ph type="ctrTitle"/>
+          </p:nvPr>
+        </p:nvSpPr>
+        <p:spPr>
+          <a:xfrm>
+            <a:off x="0" y="2130425"/>
+            <a:ext cx="9144000" cy="1470025"/>
+          </a:xfrm>
+          <a:solidFill>
+            <a:srgbClr val="00B0F0"/>
+          </a:solidFill>
+        </p:spPr>
+        <p:txBody>
+          <a:bodyPr>
+            <a:normAutofit/>
+          </a:bodyPr>
+          <a:lstStyle/>
+          <a:p>
+            <a:r>
+              <a:rPr lang="en-US" altLang="zh-TW" sz="4800" b="1" dirty="0">
+                <a:solidFill>
+                  <a:srgbClr val="FFFF00"/>
+                </a:solidFill>
+              </a:rPr>
+              <a:t>0802.05 Lab17_3.py</a:t>
+            </a:r>
+            <a:endParaRPr lang="zh-TW" altLang="en-US" sz="4800" b="1" dirty="0">
+              <a:solidFill>
+                <a:srgbClr val="FFFF00"/>
+              </a:solidFill>
+            </a:endParaRPr>
+          </a:p>
+        </p:txBody>
+      </p:sp>
+      <p:sp>
+        <p:nvSpPr>
+          <p:cNvPr id="5" name="日期版面配置區 4"/>
+          <p:cNvSpPr>
+            <a:spLocks noGrp="1"/>
+          </p:cNvSpPr>
+          <p:nvPr>
+            <p:ph type="dt" sz="half" idx="10"/>
+          </p:nvPr>
+        </p:nvSpPr>
+        <p:spPr/>
+        <p:txBody>
+          <a:bodyPr/>
+          <a:lstStyle/>
+          <a:p>
+            <a:fld id="{C389EDC9-19E3-47AC-9C57-C6A24DEA81AD}" type="datetime1">
+              <a:rPr lang="zh-TW" altLang="en-US" smtClean="0"/>
+              <a:pPr/>
+              <a:t>2019/6/28</a:t>
+            </a:fld>
+            <a:endParaRPr lang="zh-TW" altLang="en-US"/>
+          </a:p>
+        </p:txBody>
+      </p:sp>
+      <p:sp>
+        <p:nvSpPr>
+          <p:cNvPr id="6" name="投影片編號版面配置區 5"/>
+          <p:cNvSpPr>
+            <a:spLocks noGrp="1"/>
+          </p:cNvSpPr>
+          <p:nvPr>
+            <p:ph type="sldNum" sz="quarter" idx="12"/>
+          </p:nvPr>
+        </p:nvSpPr>
+        <p:spPr/>
+        <p:txBody>
+          <a:bodyPr/>
+          <a:lstStyle/>
+          <a:p>
+            <a:fld id="{E4D7E63D-91F2-4366-A2C4-1B00C9E2590E}" type="slidenum">
+              <a:rPr lang="zh-TW" altLang="en-US" smtClean="0"/>
+              <a:pPr/>
+              <a:t>16</a:t>
+            </a:fld>
+            <a:endParaRPr lang="zh-TW" altLang="en-US"/>
+          </a:p>
+        </p:txBody>
+      </p:sp>
+      <p:pic>
+        <p:nvPicPr>
+          <p:cNvPr id="7" name="Picture 6">
+            <a:extLst>
+              <a:ext uri="{FF2B5EF4-FFF2-40B4-BE49-F238E27FC236}">
+                <a16:creationId xmlns:a16="http://schemas.microsoft.com/office/drawing/2014/main" id="{FCD4A087-E8B9-425C-A3D7-1F76A789463E}"/>
+              </a:ext>
+            </a:extLst>
+          </p:cNvPr>
+          <p:cNvPicPr>
+            <a:picLocks noChangeAspect="1"/>
+          </p:cNvPicPr>
+          <p:nvPr/>
+        </p:nvPicPr>
+        <p:blipFill>
+          <a:blip r:embed="rId2"/>
+          <a:stretch>
+            <a:fillRect/>
+          </a:stretch>
+        </p:blipFill>
+        <p:spPr>
+          <a:xfrm>
+            <a:off x="3923928" y="3695964"/>
+            <a:ext cx="1004960" cy="885164"/>
+          </a:xfrm>
+          <a:prstGeom prst="rect">
+            <a:avLst/>
+          </a:prstGeom>
+        </p:spPr>
+      </p:pic>
+    </p:spTree>
+    <p:extLst>
+      <p:ext uri="{BB962C8B-B14F-4D97-AF65-F5344CB8AC3E}">
+        <p14:creationId xmlns:p14="http://schemas.microsoft.com/office/powerpoint/2010/main" val="2277003457"/>
+      </p:ext>
+    </p:extLst>
+  </p:cSld>
+  <p:clrMapOvr>
+    <a:masterClrMapping/>
+  </p:clrMapOvr>
+</p:sld>
+</file>
+
+<file path=ppt/slides/slide17.xml><?xml version="1.0" encoding="utf-8"?>
+<p:sld xmlns:a="http://schemas.openxmlformats.org/drawingml/2006/main" xmlns:r="http://schemas.openxmlformats.org/officeDocument/2006/relationships" xmlns:p="http://schemas.openxmlformats.org/presentationml/2006/main">
+  <p:cSld>
+    <p:spTree>
+      <p:nvGrpSpPr>
+        <p:cNvPr id="1" name=""/>
+        <p:cNvGrpSpPr/>
+        <p:nvPr/>
+      </p:nvGrpSpPr>
+      <p:grpSpPr>
+        <a:xfrm>
+          <a:off x="0" y="0"/>
+          <a:ext cx="0" cy="0"/>
+          <a:chOff x="0" y="0"/>
+          <a:chExt cx="0" cy="0"/>
+        </a:xfrm>
+      </p:grpSpPr>
+      <p:sp>
+        <p:nvSpPr>
+          <p:cNvPr id="2" name="標題 1"/>
+          <p:cNvSpPr>
+            <a:spLocks noGrp="1"/>
+          </p:cNvSpPr>
+          <p:nvPr>
+            <p:ph type="ctrTitle"/>
+          </p:nvPr>
+        </p:nvSpPr>
+        <p:spPr>
+          <a:xfrm>
+            <a:off x="0" y="1"/>
+            <a:ext cx="9144000" cy="764704"/>
+          </a:xfrm>
+          <a:gradFill flip="none" rotWithShape="1">
+            <a:gsLst>
+              <a:gs pos="0">
+                <a:srgbClr val="C00000">
+                  <a:shade val="30000"/>
+                  <a:satMod val="115000"/>
+                </a:srgbClr>
+              </a:gs>
+              <a:gs pos="50000">
+                <a:srgbClr val="C00000">
+                  <a:shade val="67500"/>
+                  <a:satMod val="115000"/>
+                </a:srgbClr>
+              </a:gs>
+              <a:gs pos="100000">
+                <a:srgbClr val="C00000">
+                  <a:shade val="100000"/>
+                  <a:satMod val="115000"/>
+                </a:srgbClr>
+              </a:gs>
+            </a:gsLst>
+            <a:path path="circle">
+              <a:fillToRect t="100000" r="100000"/>
+            </a:path>
+            <a:tileRect l="-100000" b="-100000"/>
+          </a:gradFill>
+        </p:spPr>
+        <p:txBody>
+          <a:bodyPr/>
+          <a:lstStyle/>
+          <a:p>
+            <a:pPr algn="l"/>
+            <a:r>
+              <a:rPr lang="en-US" altLang="zh-TW" b="1" dirty="0">
+                <a:solidFill>
+                  <a:srgbClr val="FFFF00"/>
+                </a:solidFill>
+              </a:rPr>
+              <a:t>0802.05 Lab17_3.py</a:t>
+            </a:r>
+            <a:endParaRPr lang="zh-TW" altLang="en-US" b="1" dirty="0">
+              <a:solidFill>
+                <a:srgbClr val="FFFF00"/>
+              </a:solidFill>
+            </a:endParaRPr>
+          </a:p>
+        </p:txBody>
+      </p:sp>
+      <p:sp>
+        <p:nvSpPr>
+          <p:cNvPr id="3" name="副標題 2"/>
+          <p:cNvSpPr>
+            <a:spLocks noGrp="1"/>
+          </p:cNvSpPr>
+          <p:nvPr>
+            <p:ph type="subTitle" idx="1"/>
+          </p:nvPr>
+        </p:nvSpPr>
+        <p:spPr>
+          <a:xfrm>
+            <a:off x="501535" y="1372852"/>
+            <a:ext cx="1910226" cy="398616"/>
+          </a:xfrm>
+          <a:ln>
+            <a:solidFill>
+              <a:srgbClr val="C00000"/>
+            </a:solidFill>
+          </a:ln>
+        </p:spPr>
+        <p:txBody>
+          <a:bodyPr>
+            <a:noAutofit/>
+          </a:bodyPr>
+          <a:lstStyle/>
+          <a:p>
+            <a:pPr marL="342900" indent="-342900" algn="l">
+              <a:buClr>
+                <a:srgbClr val="0070C0"/>
+              </a:buClr>
+              <a:buSzPct val="80000"/>
+              <a:buFont typeface="Wingdings" pitchFamily="2" charset="2"/>
+              <a:buChar char="u"/>
+            </a:pPr>
+            <a:r>
+              <a:rPr lang="en-US" sz="1800" dirty="0">
+                <a:solidFill>
+                  <a:schemeClr val="tx1"/>
+                </a:solidFill>
+              </a:rPr>
+              <a:t>Lab17_3.py</a:t>
+            </a:r>
+          </a:p>
+        </p:txBody>
+      </p:sp>
+      <p:sp>
+        <p:nvSpPr>
+          <p:cNvPr id="4" name="標題 1"/>
+          <p:cNvSpPr txBox="1">
+            <a:spLocks/>
+          </p:cNvSpPr>
+          <p:nvPr/>
+        </p:nvSpPr>
+        <p:spPr>
+          <a:xfrm>
+            <a:off x="0" y="764704"/>
+            <a:ext cx="9144000" cy="398616"/>
+          </a:xfrm>
+          <a:prstGeom prst="rect">
+            <a:avLst/>
+          </a:prstGeom>
+          <a:gradFill flip="none" rotWithShape="1">
+            <a:gsLst>
+              <a:gs pos="0">
+                <a:srgbClr val="00B0F0">
+                  <a:shade val="30000"/>
+                  <a:satMod val="115000"/>
+                </a:srgbClr>
+              </a:gs>
+              <a:gs pos="50000">
+                <a:srgbClr val="00B0F0">
+                  <a:shade val="67500"/>
+                  <a:satMod val="115000"/>
+                </a:srgbClr>
+              </a:gs>
+              <a:gs pos="100000">
+                <a:srgbClr val="00B0F0">
+                  <a:shade val="100000"/>
+                  <a:satMod val="115000"/>
+                </a:srgbClr>
+              </a:gs>
+            </a:gsLst>
+            <a:path path="circle">
+              <a:fillToRect t="100000" r="100000"/>
+            </a:path>
+            <a:tileRect l="-100000" b="-100000"/>
+          </a:gradFill>
+        </p:spPr>
+        <p:txBody>
+          <a:bodyPr vert="horz" lIns="91440" tIns="45720" rIns="91440" bIns="45720" rtlCol="0" anchor="ctr">
+            <a:normAutofit/>
+          </a:bodyPr>
+          <a:lstStyle/>
+          <a:p>
+            <a:pPr marL="0" lvl="1"/>
+            <a:r>
+              <a:rPr lang="en-US" sz="1600" dirty="0">
+                <a:hlinkClick r:id="rId2"/>
+              </a:rPr>
+              <a:t>https://www.ucsc-extension.edu/certificate-program/offering/python-programmers</a:t>
+            </a:r>
+            <a:endParaRPr lang="en-US" sz="1600" dirty="0"/>
+          </a:p>
+        </p:txBody>
+      </p:sp>
+      <p:sp>
+        <p:nvSpPr>
+          <p:cNvPr id="5" name="日期版面配置區 4"/>
+          <p:cNvSpPr>
+            <a:spLocks noGrp="1"/>
+          </p:cNvSpPr>
+          <p:nvPr>
+            <p:ph type="dt" sz="half" idx="10"/>
+          </p:nvPr>
+        </p:nvSpPr>
+        <p:spPr>
+          <a:xfrm>
+            <a:off x="457200" y="6356350"/>
+            <a:ext cx="2133600" cy="404246"/>
+          </a:xfrm>
+        </p:spPr>
+        <p:txBody>
+          <a:bodyPr/>
+          <a:lstStyle/>
+          <a:p>
+            <a:fld id="{A4F910E6-8D00-4BAF-8C48-9688E0B449D3}" type="datetime1">
+              <a:rPr lang="zh-TW" altLang="en-US" smtClean="0"/>
+              <a:pPr/>
+              <a:t>2019/6/28</a:t>
+            </a:fld>
+            <a:endParaRPr lang="zh-TW" altLang="en-US"/>
+          </a:p>
+        </p:txBody>
+      </p:sp>
+      <p:sp>
+        <p:nvSpPr>
+          <p:cNvPr id="6" name="投影片編號版面配置區 5"/>
+          <p:cNvSpPr>
+            <a:spLocks noGrp="1"/>
+          </p:cNvSpPr>
+          <p:nvPr>
+            <p:ph type="sldNum" sz="quarter" idx="12"/>
+          </p:nvPr>
+        </p:nvSpPr>
+        <p:spPr>
+          <a:xfrm>
+            <a:off x="6553200" y="6356350"/>
+            <a:ext cx="2133600" cy="404246"/>
+          </a:xfrm>
+        </p:spPr>
+        <p:txBody>
+          <a:bodyPr/>
+          <a:lstStyle/>
+          <a:p>
+            <a:fld id="{E4D7E63D-91F2-4366-A2C4-1B00C9E2590E}" type="slidenum">
+              <a:rPr lang="zh-TW" altLang="en-US" smtClean="0"/>
+              <a:pPr/>
+              <a:t>17</a:t>
+            </a:fld>
+            <a:endParaRPr lang="zh-TW" altLang="en-US"/>
+          </a:p>
+        </p:txBody>
+      </p:sp>
+      <p:pic>
+        <p:nvPicPr>
+          <p:cNvPr id="7" name="Picture 6">
+            <a:extLst>
+              <a:ext uri="{FF2B5EF4-FFF2-40B4-BE49-F238E27FC236}">
+                <a16:creationId xmlns:a16="http://schemas.microsoft.com/office/drawing/2014/main" id="{8CF59045-7FED-48FB-AF69-E843ECFFB56D}"/>
+              </a:ext>
+            </a:extLst>
+          </p:cNvPr>
+          <p:cNvPicPr>
+            <a:picLocks noChangeAspect="1"/>
+          </p:cNvPicPr>
+          <p:nvPr/>
+        </p:nvPicPr>
+        <p:blipFill>
+          <a:blip r:embed="rId3"/>
+          <a:stretch>
+            <a:fillRect/>
+          </a:stretch>
+        </p:blipFill>
+        <p:spPr>
+          <a:xfrm>
+            <a:off x="2522615" y="1372852"/>
+            <a:ext cx="4935459" cy="4951748"/>
+          </a:xfrm>
+          <a:prstGeom prst="rect">
+            <a:avLst/>
+          </a:prstGeom>
+          <a:ln>
+            <a:solidFill>
+              <a:srgbClr val="C00000"/>
+            </a:solidFill>
+          </a:ln>
+        </p:spPr>
+      </p:pic>
+    </p:spTree>
+    <p:extLst>
+      <p:ext uri="{BB962C8B-B14F-4D97-AF65-F5344CB8AC3E}">
+        <p14:creationId xmlns:p14="http://schemas.microsoft.com/office/powerpoint/2010/main" val="2287143295"/>
+      </p:ext>
+    </p:extLst>
+  </p:cSld>
+  <p:clrMapOvr>
+    <a:masterClrMapping/>
+  </p:clrMapOvr>
+</p:sld>
+</file>
+
+<file path=ppt/slides/slide18.xml><?xml version="1.0" encoding="utf-8"?>
+<p:sld xmlns:a="http://schemas.openxmlformats.org/drawingml/2006/main" xmlns:r="http://schemas.openxmlformats.org/officeDocument/2006/relationships" xmlns:p="http://schemas.openxmlformats.org/presentationml/2006/main">
+  <p:cSld>
+    <p:spTree>
+      <p:nvGrpSpPr>
+        <p:cNvPr id="1" name=""/>
+        <p:cNvGrpSpPr/>
+        <p:nvPr/>
+      </p:nvGrpSpPr>
+      <p:grpSpPr>
+        <a:xfrm>
+          <a:off x="0" y="0"/>
+          <a:ext cx="0" cy="0"/>
+          <a:chOff x="0" y="0"/>
+          <a:chExt cx="0" cy="0"/>
+        </a:xfrm>
+      </p:grpSpPr>
+      <p:sp>
+        <p:nvSpPr>
+          <p:cNvPr id="2" name="標題 1"/>
+          <p:cNvSpPr>
+            <a:spLocks noGrp="1"/>
+          </p:cNvSpPr>
+          <p:nvPr>
+            <p:ph type="ctrTitle"/>
+          </p:nvPr>
+        </p:nvSpPr>
+        <p:spPr>
+          <a:xfrm>
+            <a:off x="0" y="1"/>
+            <a:ext cx="9144000" cy="764704"/>
+          </a:xfrm>
+          <a:gradFill flip="none" rotWithShape="1">
+            <a:gsLst>
+              <a:gs pos="0">
+                <a:srgbClr val="C00000">
+                  <a:shade val="30000"/>
+                  <a:satMod val="115000"/>
+                </a:srgbClr>
+              </a:gs>
+              <a:gs pos="50000">
+                <a:srgbClr val="C00000">
+                  <a:shade val="67500"/>
+                  <a:satMod val="115000"/>
+                </a:srgbClr>
+              </a:gs>
+              <a:gs pos="100000">
+                <a:srgbClr val="C00000">
+                  <a:shade val="100000"/>
+                  <a:satMod val="115000"/>
+                </a:srgbClr>
+              </a:gs>
+            </a:gsLst>
+            <a:path path="circle">
+              <a:fillToRect t="100000" r="100000"/>
+            </a:path>
+            <a:tileRect l="-100000" b="-100000"/>
+          </a:gradFill>
+        </p:spPr>
+        <p:txBody>
+          <a:bodyPr/>
+          <a:lstStyle/>
+          <a:p>
+            <a:pPr algn="l"/>
+            <a:r>
+              <a:rPr lang="en-US" altLang="zh-TW" b="1" dirty="0">
+                <a:solidFill>
+                  <a:srgbClr val="FFFF00"/>
+                </a:solidFill>
+              </a:rPr>
+              <a:t>0802.05 Lab17_3.py</a:t>
+            </a:r>
+            <a:endParaRPr lang="zh-TW" altLang="en-US" b="1" dirty="0">
+              <a:solidFill>
+                <a:srgbClr val="FFFF00"/>
+              </a:solidFill>
+            </a:endParaRPr>
+          </a:p>
+        </p:txBody>
+      </p:sp>
+      <p:sp>
+        <p:nvSpPr>
+          <p:cNvPr id="3" name="副標題 2"/>
+          <p:cNvSpPr>
+            <a:spLocks noGrp="1"/>
+          </p:cNvSpPr>
+          <p:nvPr>
+            <p:ph type="subTitle" idx="1"/>
+          </p:nvPr>
+        </p:nvSpPr>
+        <p:spPr>
+          <a:xfrm>
+            <a:off x="501535" y="1372852"/>
+            <a:ext cx="1910226" cy="398616"/>
+          </a:xfrm>
+          <a:ln>
+            <a:solidFill>
+              <a:srgbClr val="C00000"/>
+            </a:solidFill>
+          </a:ln>
+        </p:spPr>
+        <p:txBody>
+          <a:bodyPr>
+            <a:noAutofit/>
+          </a:bodyPr>
+          <a:lstStyle/>
+          <a:p>
+            <a:pPr marL="342900" indent="-342900" algn="l">
+              <a:buClr>
+                <a:srgbClr val="0070C0"/>
+              </a:buClr>
+              <a:buSzPct val="80000"/>
+              <a:buFont typeface="Wingdings" pitchFamily="2" charset="2"/>
+              <a:buChar char="u"/>
+            </a:pPr>
+            <a:r>
+              <a:rPr lang="en-US" sz="1800" dirty="0">
+                <a:solidFill>
+                  <a:schemeClr val="tx1"/>
+                </a:solidFill>
+              </a:rPr>
+              <a:t>Lab17_3.py</a:t>
+            </a:r>
+          </a:p>
+        </p:txBody>
+      </p:sp>
+      <p:sp>
+        <p:nvSpPr>
+          <p:cNvPr id="4" name="標題 1"/>
+          <p:cNvSpPr txBox="1">
+            <a:spLocks/>
+          </p:cNvSpPr>
+          <p:nvPr/>
+        </p:nvSpPr>
+        <p:spPr>
+          <a:xfrm>
+            <a:off x="0" y="764704"/>
+            <a:ext cx="9144000" cy="398616"/>
+          </a:xfrm>
+          <a:prstGeom prst="rect">
+            <a:avLst/>
+          </a:prstGeom>
+          <a:gradFill flip="none" rotWithShape="1">
+            <a:gsLst>
+              <a:gs pos="0">
+                <a:srgbClr val="00B0F0">
+                  <a:shade val="30000"/>
+                  <a:satMod val="115000"/>
+                </a:srgbClr>
+              </a:gs>
+              <a:gs pos="50000">
+                <a:srgbClr val="00B0F0">
+                  <a:shade val="67500"/>
+                  <a:satMod val="115000"/>
+                </a:srgbClr>
+              </a:gs>
+              <a:gs pos="100000">
+                <a:srgbClr val="00B0F0">
+                  <a:shade val="100000"/>
+                  <a:satMod val="115000"/>
+                </a:srgbClr>
+              </a:gs>
+            </a:gsLst>
+            <a:path path="circle">
+              <a:fillToRect t="100000" r="100000"/>
+            </a:path>
+            <a:tileRect l="-100000" b="-100000"/>
+          </a:gradFill>
+        </p:spPr>
+        <p:txBody>
+          <a:bodyPr vert="horz" lIns="91440" tIns="45720" rIns="91440" bIns="45720" rtlCol="0" anchor="ctr">
+            <a:normAutofit/>
+          </a:bodyPr>
+          <a:lstStyle/>
+          <a:p>
+            <a:pPr marL="0" lvl="1"/>
+            <a:r>
+              <a:rPr lang="en-US" sz="1600" dirty="0">
+                <a:hlinkClick r:id="rId2"/>
+              </a:rPr>
+              <a:t>https://www.ucsc-extension.edu/certificate-program/offering/python-programmers</a:t>
+            </a:r>
+            <a:endParaRPr lang="en-US" sz="1600" dirty="0"/>
+          </a:p>
+        </p:txBody>
+      </p:sp>
+      <p:sp>
+        <p:nvSpPr>
+          <p:cNvPr id="5" name="日期版面配置區 4"/>
+          <p:cNvSpPr>
+            <a:spLocks noGrp="1"/>
+          </p:cNvSpPr>
+          <p:nvPr>
+            <p:ph type="dt" sz="half" idx="10"/>
+          </p:nvPr>
+        </p:nvSpPr>
+        <p:spPr>
+          <a:xfrm>
+            <a:off x="457200" y="6356350"/>
+            <a:ext cx="2133600" cy="404246"/>
+          </a:xfrm>
+        </p:spPr>
+        <p:txBody>
+          <a:bodyPr/>
+          <a:lstStyle/>
+          <a:p>
+            <a:fld id="{A4F910E6-8D00-4BAF-8C48-9688E0B449D3}" type="datetime1">
+              <a:rPr lang="zh-TW" altLang="en-US" smtClean="0"/>
+              <a:pPr/>
+              <a:t>2019/6/28</a:t>
+            </a:fld>
+            <a:endParaRPr lang="zh-TW" altLang="en-US"/>
+          </a:p>
+        </p:txBody>
+      </p:sp>
+      <p:sp>
+        <p:nvSpPr>
+          <p:cNvPr id="6" name="投影片編號版面配置區 5"/>
+          <p:cNvSpPr>
+            <a:spLocks noGrp="1"/>
+          </p:cNvSpPr>
+          <p:nvPr>
+            <p:ph type="sldNum" sz="quarter" idx="12"/>
+          </p:nvPr>
+        </p:nvSpPr>
+        <p:spPr>
+          <a:xfrm>
+            <a:off x="6553200" y="6356350"/>
+            <a:ext cx="2133600" cy="404246"/>
+          </a:xfrm>
+        </p:spPr>
+        <p:txBody>
+          <a:bodyPr/>
+          <a:lstStyle/>
+          <a:p>
+            <a:fld id="{E4D7E63D-91F2-4366-A2C4-1B00C9E2590E}" type="slidenum">
+              <a:rPr lang="zh-TW" altLang="en-US" smtClean="0"/>
+              <a:pPr/>
+              <a:t>18</a:t>
+            </a:fld>
+            <a:endParaRPr lang="zh-TW" altLang="en-US"/>
+          </a:p>
+        </p:txBody>
+      </p:sp>
+      <p:pic>
+        <p:nvPicPr>
+          <p:cNvPr id="8" name="Picture 7">
+            <a:extLst>
+              <a:ext uri="{FF2B5EF4-FFF2-40B4-BE49-F238E27FC236}">
+                <a16:creationId xmlns:a16="http://schemas.microsoft.com/office/drawing/2014/main" id="{00BAB22D-B508-4F52-80E2-CB29DC0F422D}"/>
+              </a:ext>
+            </a:extLst>
+          </p:cNvPr>
+          <p:cNvPicPr>
+            <a:picLocks noChangeAspect="1"/>
+          </p:cNvPicPr>
+          <p:nvPr/>
+        </p:nvPicPr>
+        <p:blipFill>
+          <a:blip r:embed="rId3"/>
+          <a:stretch>
+            <a:fillRect/>
+          </a:stretch>
+        </p:blipFill>
+        <p:spPr>
+          <a:xfrm>
+            <a:off x="2771800" y="1372852"/>
+            <a:ext cx="4200525" cy="2590800"/>
+          </a:xfrm>
+          <a:prstGeom prst="rect">
+            <a:avLst/>
+          </a:prstGeom>
+          <a:ln>
+            <a:solidFill>
+              <a:srgbClr val="C00000"/>
+            </a:solidFill>
+          </a:ln>
+        </p:spPr>
+      </p:pic>
+    </p:spTree>
+    <p:extLst>
+      <p:ext uri="{BB962C8B-B14F-4D97-AF65-F5344CB8AC3E}">
+        <p14:creationId xmlns:p14="http://schemas.microsoft.com/office/powerpoint/2010/main" val="4033590911"/>
+      </p:ext>
+    </p:extLst>
+  </p:cSld>
+  <p:clrMapOvr>
+    <a:masterClrMapping/>
+  </p:clrMapOvr>
+</p:sld>
+</file>
+
+<file path=ppt/slides/slide19.xml><?xml version="1.0" encoding="utf-8"?>
+<p:sld xmlns:a="http://schemas.openxmlformats.org/drawingml/2006/main" xmlns:r="http://schemas.openxmlformats.org/officeDocument/2006/relationships" xmlns:p="http://schemas.openxmlformats.org/presentationml/2006/main">
+  <p:cSld>
+    <p:spTree>
+      <p:nvGrpSpPr>
+        <p:cNvPr id="1" name=""/>
+        <p:cNvGrpSpPr/>
+        <p:nvPr/>
+      </p:nvGrpSpPr>
+      <p:grpSpPr>
+        <a:xfrm>
+          <a:off x="0" y="0"/>
+          <a:ext cx="0" cy="0"/>
+          <a:chOff x="0" y="0"/>
+          <a:chExt cx="0" cy="0"/>
+        </a:xfrm>
+      </p:grpSpPr>
+      <p:sp>
+        <p:nvSpPr>
+          <p:cNvPr id="2" name="標題 1"/>
+          <p:cNvSpPr>
+            <a:spLocks noGrp="1"/>
+          </p:cNvSpPr>
+          <p:nvPr>
+            <p:ph type="ctrTitle"/>
+          </p:nvPr>
+        </p:nvSpPr>
+        <p:spPr>
+          <a:xfrm>
+            <a:off x="0" y="2130425"/>
+            <a:ext cx="9144000" cy="1470025"/>
+          </a:xfrm>
+          <a:solidFill>
+            <a:srgbClr val="00B0F0"/>
+          </a:solidFill>
+        </p:spPr>
+        <p:txBody>
+          <a:bodyPr>
+            <a:normAutofit/>
+          </a:bodyPr>
+          <a:lstStyle/>
+          <a:p>
+            <a:r>
+              <a:rPr lang="en-US" altLang="zh-TW" sz="4800" b="1" dirty="0">
+                <a:solidFill>
+                  <a:srgbClr val="FFFF00"/>
+                </a:solidFill>
+              </a:rPr>
+              <a:t>0802.06 raise1.py</a:t>
+            </a:r>
+            <a:endParaRPr lang="zh-TW" altLang="en-US" sz="4800" b="1" dirty="0">
+              <a:solidFill>
+                <a:srgbClr val="FFFF00"/>
+              </a:solidFill>
+            </a:endParaRPr>
+          </a:p>
+        </p:txBody>
+      </p:sp>
+      <p:sp>
+        <p:nvSpPr>
+          <p:cNvPr id="5" name="日期版面配置區 4"/>
+          <p:cNvSpPr>
+            <a:spLocks noGrp="1"/>
+          </p:cNvSpPr>
+          <p:nvPr>
+            <p:ph type="dt" sz="half" idx="10"/>
+          </p:nvPr>
+        </p:nvSpPr>
+        <p:spPr/>
+        <p:txBody>
+          <a:bodyPr/>
+          <a:lstStyle/>
+          <a:p>
+            <a:fld id="{C389EDC9-19E3-47AC-9C57-C6A24DEA81AD}" type="datetime1">
+              <a:rPr lang="zh-TW" altLang="en-US" smtClean="0"/>
+              <a:pPr/>
+              <a:t>2019/6/28</a:t>
+            </a:fld>
+            <a:endParaRPr lang="zh-TW" altLang="en-US"/>
+          </a:p>
+        </p:txBody>
+      </p:sp>
+      <p:sp>
+        <p:nvSpPr>
+          <p:cNvPr id="6" name="投影片編號版面配置區 5"/>
+          <p:cNvSpPr>
+            <a:spLocks noGrp="1"/>
+          </p:cNvSpPr>
+          <p:nvPr>
+            <p:ph type="sldNum" sz="quarter" idx="12"/>
+          </p:nvPr>
+        </p:nvSpPr>
+        <p:spPr/>
+        <p:txBody>
+          <a:bodyPr/>
+          <a:lstStyle/>
+          <a:p>
+            <a:fld id="{E4D7E63D-91F2-4366-A2C4-1B00C9E2590E}" type="slidenum">
+              <a:rPr lang="zh-TW" altLang="en-US" smtClean="0"/>
+              <a:pPr/>
+              <a:t>19</a:t>
+            </a:fld>
+            <a:endParaRPr lang="zh-TW" altLang="en-US"/>
+          </a:p>
+        </p:txBody>
+      </p:sp>
+      <p:pic>
+        <p:nvPicPr>
+          <p:cNvPr id="7" name="Picture 6">
+            <a:extLst>
+              <a:ext uri="{FF2B5EF4-FFF2-40B4-BE49-F238E27FC236}">
+                <a16:creationId xmlns:a16="http://schemas.microsoft.com/office/drawing/2014/main" id="{FCD4A087-E8B9-425C-A3D7-1F76A789463E}"/>
+              </a:ext>
+            </a:extLst>
+          </p:cNvPr>
+          <p:cNvPicPr>
+            <a:picLocks noChangeAspect="1"/>
+          </p:cNvPicPr>
+          <p:nvPr/>
+        </p:nvPicPr>
+        <p:blipFill>
+          <a:blip r:embed="rId2"/>
+          <a:stretch>
+            <a:fillRect/>
+          </a:stretch>
+        </p:blipFill>
+        <p:spPr>
+          <a:xfrm>
+            <a:off x="3923928" y="3695964"/>
+            <a:ext cx="1004960" cy="885164"/>
+          </a:xfrm>
+          <a:prstGeom prst="rect">
+            <a:avLst/>
+          </a:prstGeom>
+        </p:spPr>
+      </p:pic>
+    </p:spTree>
+    <p:extLst>
+      <p:ext uri="{BB962C8B-B14F-4D97-AF65-F5344CB8AC3E}">
+        <p14:creationId xmlns:p14="http://schemas.microsoft.com/office/powerpoint/2010/main" val="3635131169"/>
+      </p:ext>
+    </p:extLst>
   </p:cSld>
   <p:clrMapOvr>
     <a:masterClrMapping/>
@@ -3651,7 +6177,7 @@
                   <a:srgbClr val="FFFF00"/>
                 </a:solidFill>
               </a:rPr>
-              <a:t>0202 Scope</a:t>
+              <a:t>0802 Wrap Up</a:t>
             </a:r>
             <a:endParaRPr lang="zh-TW" altLang="en-US" b="1" dirty="0">
               <a:solidFill>
@@ -3674,7 +6200,7 @@
         <p:spPr>
           <a:xfrm>
             <a:off x="501534" y="1372852"/>
-            <a:ext cx="8185266" cy="1336068"/>
+            <a:ext cx="8185266" cy="2056148"/>
           </a:xfrm>
           <a:ln>
             <a:solidFill>
@@ -3715,20 +6241,12 @@
               <a:buChar char="u"/>
             </a:pPr>
             <a:r>
-              <a:rPr lang="en-US" sz="1800">
-                <a:solidFill>
-                  <a:schemeClr val="tx1"/>
-                </a:solidFill>
-              </a:rPr>
-              <a:t>Identifier </a:t>
-            </a:r>
-            <a:r>
               <a:rPr lang="en-US" sz="1800" dirty="0">
                 <a:solidFill>
                   <a:schemeClr val="tx1"/>
                 </a:solidFill>
               </a:rPr>
-              <a:t>Scope</a:t>
+              <a:t>Exceptions</a:t>
             </a:r>
           </a:p>
           <a:p>
@@ -3746,7 +6264,7 @@
                   <a:schemeClr val="tx1"/>
                 </a:solidFill>
               </a:rPr>
-              <a:t>Default Arguments</a:t>
+              <a:t>Namespaces</a:t>
             </a:r>
           </a:p>
           <a:p>
@@ -3764,7 +6282,43 @@
                   <a:schemeClr val="tx1"/>
                 </a:solidFill>
               </a:rPr>
-              <a:t>Key Arguments</a:t>
+              <a:t>Nests</a:t>
+            </a:r>
+          </a:p>
+          <a:p>
+            <a:pPr marL="342900" indent="-342900" algn="l">
+              <a:buClr>
+                <a:srgbClr val="0070C0"/>
+              </a:buClr>
+              <a:buSzPct val="80000"/>
+              <a:buFont typeface="Wingdings" pitchFamily="2" charset="2"/>
+              <a:buChar char="u"/>
+            </a:pPr>
+            <a:r>
+              <a:rPr lang="en-US" sz="1800" dirty="0">
+                <a:solidFill>
+                  <a:schemeClr val="tx1"/>
+                </a:solidFill>
+              </a:rPr>
+              <a:t>Pitfalls</a:t>
+            </a:r>
+          </a:p>
+          <a:p>
+            <a:pPr marL="342900" indent="-342900" algn="l">
+              <a:buClr>
+                <a:srgbClr val="0070C0"/>
+              </a:buClr>
+              <a:buSzPct val="80000"/>
+              <a:buFont typeface="Wingdings" pitchFamily="2" charset="2"/>
+              <a:buChar char="u"/>
+            </a:pPr>
+            <a:r>
+              <a:rPr lang="en-US" sz="1800" dirty="0">
+                <a:solidFill>
+                  <a:schemeClr val="tx1"/>
+                </a:solidFill>
+              </a:rPr>
+              <a:t>Finding Modules and Help</a:t>
             </a:r>
           </a:p>
         </p:txBody>
@@ -3852,7 +6406,7 @@
             <a:fld id="{A4F910E6-8D00-4BAF-8C48-9688E0B449D3}" type="datetime1">
               <a:rPr lang="zh-TW" altLang="en-US" smtClean="0"/>
               <a:pPr/>
-              <a:t>2019/6/15</a:t>
+              <a:t>2019/6/28</a:t>
             </a:fld>
             <a:endParaRPr lang="zh-TW" altLang="en-US"/>
           </a:p>
@@ -3888,6 +6442,2384 @@
         </p:txBody>
       </p:sp>
     </p:spTree>
+  </p:cSld>
+  <p:clrMapOvr>
+    <a:masterClrMapping/>
+  </p:clrMapOvr>
+</p:sld>
+</file>
+
+<file path=ppt/slides/slide20.xml><?xml version="1.0" encoding="utf-8"?>
+<p:sld xmlns:a="http://schemas.openxmlformats.org/drawingml/2006/main" xmlns:r="http://schemas.openxmlformats.org/officeDocument/2006/relationships" xmlns:p="http://schemas.openxmlformats.org/presentationml/2006/main">
+  <p:cSld>
+    <p:spTree>
+      <p:nvGrpSpPr>
+        <p:cNvPr id="1" name=""/>
+        <p:cNvGrpSpPr/>
+        <p:nvPr/>
+      </p:nvGrpSpPr>
+      <p:grpSpPr>
+        <a:xfrm>
+          <a:off x="0" y="0"/>
+          <a:ext cx="0" cy="0"/>
+          <a:chOff x="0" y="0"/>
+          <a:chExt cx="0" cy="0"/>
+        </a:xfrm>
+      </p:grpSpPr>
+      <p:sp>
+        <p:nvSpPr>
+          <p:cNvPr id="2" name="標題 1"/>
+          <p:cNvSpPr>
+            <a:spLocks noGrp="1"/>
+          </p:cNvSpPr>
+          <p:nvPr>
+            <p:ph type="ctrTitle"/>
+          </p:nvPr>
+        </p:nvSpPr>
+        <p:spPr>
+          <a:xfrm>
+            <a:off x="0" y="1"/>
+            <a:ext cx="9144000" cy="764704"/>
+          </a:xfrm>
+          <a:gradFill flip="none" rotWithShape="1">
+            <a:gsLst>
+              <a:gs pos="0">
+                <a:srgbClr val="C00000">
+                  <a:shade val="30000"/>
+                  <a:satMod val="115000"/>
+                </a:srgbClr>
+              </a:gs>
+              <a:gs pos="50000">
+                <a:srgbClr val="C00000">
+                  <a:shade val="67500"/>
+                  <a:satMod val="115000"/>
+                </a:srgbClr>
+              </a:gs>
+              <a:gs pos="100000">
+                <a:srgbClr val="C00000">
+                  <a:shade val="100000"/>
+                  <a:satMod val="115000"/>
+                </a:srgbClr>
+              </a:gs>
+            </a:gsLst>
+            <a:path path="circle">
+              <a:fillToRect t="100000" r="100000"/>
+            </a:path>
+            <a:tileRect l="-100000" b="-100000"/>
+          </a:gradFill>
+        </p:spPr>
+        <p:txBody>
+          <a:bodyPr/>
+          <a:lstStyle/>
+          <a:p>
+            <a:pPr algn="l"/>
+            <a:r>
+              <a:rPr lang="en-US" altLang="zh-TW" b="1" dirty="0">
+                <a:solidFill>
+                  <a:srgbClr val="FFFF00"/>
+                </a:solidFill>
+              </a:rPr>
+              <a:t>0802.06 raise1.py</a:t>
+            </a:r>
+            <a:endParaRPr lang="zh-TW" altLang="en-US" b="1" dirty="0">
+              <a:solidFill>
+                <a:srgbClr val="FFFF00"/>
+              </a:solidFill>
+            </a:endParaRPr>
+          </a:p>
+        </p:txBody>
+      </p:sp>
+      <p:sp>
+        <p:nvSpPr>
+          <p:cNvPr id="3" name="副標題 2"/>
+          <p:cNvSpPr>
+            <a:spLocks noGrp="1"/>
+          </p:cNvSpPr>
+          <p:nvPr>
+            <p:ph type="subTitle" idx="1"/>
+          </p:nvPr>
+        </p:nvSpPr>
+        <p:spPr>
+          <a:xfrm>
+            <a:off x="501535" y="1372852"/>
+            <a:ext cx="1910226" cy="398616"/>
+          </a:xfrm>
+          <a:ln>
+            <a:solidFill>
+              <a:srgbClr val="C00000"/>
+            </a:solidFill>
+          </a:ln>
+        </p:spPr>
+        <p:txBody>
+          <a:bodyPr>
+            <a:noAutofit/>
+          </a:bodyPr>
+          <a:lstStyle/>
+          <a:p>
+            <a:pPr marL="342900" indent="-342900" algn="l">
+              <a:buClr>
+                <a:srgbClr val="0070C0"/>
+              </a:buClr>
+              <a:buSzPct val="80000"/>
+              <a:buFont typeface="Wingdings" pitchFamily="2" charset="2"/>
+              <a:buChar char="u"/>
+            </a:pPr>
+            <a:r>
+              <a:rPr lang="en-US" sz="1800" dirty="0">
+                <a:solidFill>
+                  <a:schemeClr val="tx1"/>
+                </a:solidFill>
+              </a:rPr>
+              <a:t>raise1.py</a:t>
+            </a:r>
+          </a:p>
+        </p:txBody>
+      </p:sp>
+      <p:sp>
+        <p:nvSpPr>
+          <p:cNvPr id="4" name="標題 1"/>
+          <p:cNvSpPr txBox="1">
+            <a:spLocks/>
+          </p:cNvSpPr>
+          <p:nvPr/>
+        </p:nvSpPr>
+        <p:spPr>
+          <a:xfrm>
+            <a:off x="0" y="764704"/>
+            <a:ext cx="9144000" cy="398616"/>
+          </a:xfrm>
+          <a:prstGeom prst="rect">
+            <a:avLst/>
+          </a:prstGeom>
+          <a:gradFill flip="none" rotWithShape="1">
+            <a:gsLst>
+              <a:gs pos="0">
+                <a:srgbClr val="00B0F0">
+                  <a:shade val="30000"/>
+                  <a:satMod val="115000"/>
+                </a:srgbClr>
+              </a:gs>
+              <a:gs pos="50000">
+                <a:srgbClr val="00B0F0">
+                  <a:shade val="67500"/>
+                  <a:satMod val="115000"/>
+                </a:srgbClr>
+              </a:gs>
+              <a:gs pos="100000">
+                <a:srgbClr val="00B0F0">
+                  <a:shade val="100000"/>
+                  <a:satMod val="115000"/>
+                </a:srgbClr>
+              </a:gs>
+            </a:gsLst>
+            <a:path path="circle">
+              <a:fillToRect t="100000" r="100000"/>
+            </a:path>
+            <a:tileRect l="-100000" b="-100000"/>
+          </a:gradFill>
+        </p:spPr>
+        <p:txBody>
+          <a:bodyPr vert="horz" lIns="91440" tIns="45720" rIns="91440" bIns="45720" rtlCol="0" anchor="ctr">
+            <a:normAutofit/>
+          </a:bodyPr>
+          <a:lstStyle/>
+          <a:p>
+            <a:pPr marL="0" lvl="1"/>
+            <a:r>
+              <a:rPr lang="en-US" sz="1600" dirty="0">
+                <a:hlinkClick r:id="rId2"/>
+              </a:rPr>
+              <a:t>https://www.ucsc-extension.edu/certificate-program/offering/python-programmers</a:t>
+            </a:r>
+            <a:endParaRPr lang="en-US" sz="1600" dirty="0"/>
+          </a:p>
+        </p:txBody>
+      </p:sp>
+      <p:sp>
+        <p:nvSpPr>
+          <p:cNvPr id="5" name="日期版面配置區 4"/>
+          <p:cNvSpPr>
+            <a:spLocks noGrp="1"/>
+          </p:cNvSpPr>
+          <p:nvPr>
+            <p:ph type="dt" sz="half" idx="10"/>
+          </p:nvPr>
+        </p:nvSpPr>
+        <p:spPr>
+          <a:xfrm>
+            <a:off x="457200" y="6356350"/>
+            <a:ext cx="2133600" cy="404246"/>
+          </a:xfrm>
+        </p:spPr>
+        <p:txBody>
+          <a:bodyPr/>
+          <a:lstStyle/>
+          <a:p>
+            <a:fld id="{A4F910E6-8D00-4BAF-8C48-9688E0B449D3}" type="datetime1">
+              <a:rPr lang="zh-TW" altLang="en-US" smtClean="0"/>
+              <a:pPr/>
+              <a:t>2019/6/28</a:t>
+            </a:fld>
+            <a:endParaRPr lang="zh-TW" altLang="en-US"/>
+          </a:p>
+        </p:txBody>
+      </p:sp>
+      <p:sp>
+        <p:nvSpPr>
+          <p:cNvPr id="6" name="投影片編號版面配置區 5"/>
+          <p:cNvSpPr>
+            <a:spLocks noGrp="1"/>
+          </p:cNvSpPr>
+          <p:nvPr>
+            <p:ph type="sldNum" sz="quarter" idx="12"/>
+          </p:nvPr>
+        </p:nvSpPr>
+        <p:spPr>
+          <a:xfrm>
+            <a:off x="6553200" y="6356350"/>
+            <a:ext cx="2133600" cy="404246"/>
+          </a:xfrm>
+        </p:spPr>
+        <p:txBody>
+          <a:bodyPr/>
+          <a:lstStyle/>
+          <a:p>
+            <a:fld id="{E4D7E63D-91F2-4366-A2C4-1B00C9E2590E}" type="slidenum">
+              <a:rPr lang="zh-TW" altLang="en-US" smtClean="0"/>
+              <a:pPr/>
+              <a:t>20</a:t>
+            </a:fld>
+            <a:endParaRPr lang="zh-TW" altLang="en-US"/>
+          </a:p>
+        </p:txBody>
+      </p:sp>
+      <p:pic>
+        <p:nvPicPr>
+          <p:cNvPr id="8" name="Picture 7">
+            <a:extLst>
+              <a:ext uri="{FF2B5EF4-FFF2-40B4-BE49-F238E27FC236}">
+                <a16:creationId xmlns:a16="http://schemas.microsoft.com/office/drawing/2014/main" id="{00BAB22D-B508-4F52-80E2-CB29DC0F422D}"/>
+              </a:ext>
+            </a:extLst>
+          </p:cNvPr>
+          <p:cNvPicPr>
+            <a:picLocks noChangeAspect="1"/>
+          </p:cNvPicPr>
+          <p:nvPr/>
+        </p:nvPicPr>
+        <p:blipFill>
+          <a:blip r:embed="rId3"/>
+          <a:stretch>
+            <a:fillRect/>
+          </a:stretch>
+        </p:blipFill>
+        <p:spPr>
+          <a:xfrm>
+            <a:off x="2771800" y="1372852"/>
+            <a:ext cx="4200525" cy="2590800"/>
+          </a:xfrm>
+          <a:prstGeom prst="rect">
+            <a:avLst/>
+          </a:prstGeom>
+          <a:ln>
+            <a:solidFill>
+              <a:srgbClr val="C00000"/>
+            </a:solidFill>
+          </a:ln>
+        </p:spPr>
+      </p:pic>
+    </p:spTree>
+    <p:extLst>
+      <p:ext uri="{BB962C8B-B14F-4D97-AF65-F5344CB8AC3E}">
+        <p14:creationId xmlns:p14="http://schemas.microsoft.com/office/powerpoint/2010/main" val="1682772894"/>
+      </p:ext>
+    </p:extLst>
+  </p:cSld>
+  <p:clrMapOvr>
+    <a:masterClrMapping/>
+  </p:clrMapOvr>
+</p:sld>
+</file>
+
+<file path=ppt/slides/slide21.xml><?xml version="1.0" encoding="utf-8"?>
+<p:sld xmlns:a="http://schemas.openxmlformats.org/drawingml/2006/main" xmlns:r="http://schemas.openxmlformats.org/officeDocument/2006/relationships" xmlns:p="http://schemas.openxmlformats.org/presentationml/2006/main">
+  <p:cSld>
+    <p:spTree>
+      <p:nvGrpSpPr>
+        <p:cNvPr id="1" name=""/>
+        <p:cNvGrpSpPr/>
+        <p:nvPr/>
+      </p:nvGrpSpPr>
+      <p:grpSpPr>
+        <a:xfrm>
+          <a:off x="0" y="0"/>
+          <a:ext cx="0" cy="0"/>
+          <a:chOff x="0" y="0"/>
+          <a:chExt cx="0" cy="0"/>
+        </a:xfrm>
+      </p:grpSpPr>
+      <p:sp>
+        <p:nvSpPr>
+          <p:cNvPr id="2" name="標題 1"/>
+          <p:cNvSpPr>
+            <a:spLocks noGrp="1"/>
+          </p:cNvSpPr>
+          <p:nvPr>
+            <p:ph type="ctrTitle"/>
+          </p:nvPr>
+        </p:nvSpPr>
+        <p:spPr>
+          <a:xfrm>
+            <a:off x="0" y="2130425"/>
+            <a:ext cx="9144000" cy="1470025"/>
+          </a:xfrm>
+          <a:solidFill>
+            <a:srgbClr val="00B0F0"/>
+          </a:solidFill>
+        </p:spPr>
+        <p:txBody>
+          <a:bodyPr>
+            <a:normAutofit/>
+          </a:bodyPr>
+          <a:lstStyle/>
+          <a:p>
+            <a:r>
+              <a:rPr lang="en-US" altLang="zh-TW" sz="4800" b="1" dirty="0">
+                <a:solidFill>
+                  <a:srgbClr val="FFFF00"/>
+                </a:solidFill>
+              </a:rPr>
+              <a:t>0802.07 raise2.py</a:t>
+            </a:r>
+            <a:endParaRPr lang="zh-TW" altLang="en-US" sz="4800" b="1" dirty="0">
+              <a:solidFill>
+                <a:srgbClr val="FFFF00"/>
+              </a:solidFill>
+            </a:endParaRPr>
+          </a:p>
+        </p:txBody>
+      </p:sp>
+      <p:sp>
+        <p:nvSpPr>
+          <p:cNvPr id="3" name="副標題 2"/>
+          <p:cNvSpPr>
+            <a:spLocks noGrp="1"/>
+          </p:cNvSpPr>
+          <p:nvPr>
+            <p:ph type="subTitle" idx="1"/>
+          </p:nvPr>
+        </p:nvSpPr>
+        <p:spPr>
+          <a:xfrm>
+            <a:off x="1259632" y="4581128"/>
+            <a:ext cx="6400800" cy="694928"/>
+          </a:xfrm>
+        </p:spPr>
+        <p:txBody>
+          <a:bodyPr>
+            <a:normAutofit/>
+          </a:bodyPr>
+          <a:lstStyle/>
+          <a:p>
+            <a:r>
+              <a:rPr lang="en-US" altLang="zh-TW" dirty="0"/>
+              <a:t>Peter H. Chen</a:t>
+            </a:r>
+            <a:endParaRPr lang="zh-TW" altLang="en-US" dirty="0"/>
+          </a:p>
+        </p:txBody>
+      </p:sp>
+      <p:sp>
+        <p:nvSpPr>
+          <p:cNvPr id="5" name="日期版面配置區 4"/>
+          <p:cNvSpPr>
+            <a:spLocks noGrp="1"/>
+          </p:cNvSpPr>
+          <p:nvPr>
+            <p:ph type="dt" sz="half" idx="10"/>
+          </p:nvPr>
+        </p:nvSpPr>
+        <p:spPr/>
+        <p:txBody>
+          <a:bodyPr/>
+          <a:lstStyle/>
+          <a:p>
+            <a:fld id="{C389EDC9-19E3-47AC-9C57-C6A24DEA81AD}" type="datetime1">
+              <a:rPr lang="zh-TW" altLang="en-US" smtClean="0"/>
+              <a:pPr/>
+              <a:t>2019/6/28</a:t>
+            </a:fld>
+            <a:endParaRPr lang="zh-TW" altLang="en-US"/>
+          </a:p>
+        </p:txBody>
+      </p:sp>
+      <p:sp>
+        <p:nvSpPr>
+          <p:cNvPr id="6" name="投影片編號版面配置區 5"/>
+          <p:cNvSpPr>
+            <a:spLocks noGrp="1"/>
+          </p:cNvSpPr>
+          <p:nvPr>
+            <p:ph type="sldNum" sz="quarter" idx="12"/>
+          </p:nvPr>
+        </p:nvSpPr>
+        <p:spPr/>
+        <p:txBody>
+          <a:bodyPr/>
+          <a:lstStyle/>
+          <a:p>
+            <a:fld id="{E4D7E63D-91F2-4366-A2C4-1B00C9E2590E}" type="slidenum">
+              <a:rPr lang="zh-TW" altLang="en-US" smtClean="0"/>
+              <a:pPr/>
+              <a:t>21</a:t>
+            </a:fld>
+            <a:endParaRPr lang="zh-TW" altLang="en-US"/>
+          </a:p>
+        </p:txBody>
+      </p:sp>
+      <p:pic>
+        <p:nvPicPr>
+          <p:cNvPr id="7" name="Picture 6">
+            <a:extLst>
+              <a:ext uri="{FF2B5EF4-FFF2-40B4-BE49-F238E27FC236}">
+                <a16:creationId xmlns:a16="http://schemas.microsoft.com/office/drawing/2014/main" id="{FCD4A087-E8B9-425C-A3D7-1F76A789463E}"/>
+              </a:ext>
+            </a:extLst>
+          </p:cNvPr>
+          <p:cNvPicPr>
+            <a:picLocks noChangeAspect="1"/>
+          </p:cNvPicPr>
+          <p:nvPr/>
+        </p:nvPicPr>
+        <p:blipFill>
+          <a:blip r:embed="rId2"/>
+          <a:stretch>
+            <a:fillRect/>
+          </a:stretch>
+        </p:blipFill>
+        <p:spPr>
+          <a:xfrm>
+            <a:off x="3923928" y="3695964"/>
+            <a:ext cx="1004960" cy="885164"/>
+          </a:xfrm>
+          <a:prstGeom prst="rect">
+            <a:avLst/>
+          </a:prstGeom>
+        </p:spPr>
+      </p:pic>
+    </p:spTree>
+    <p:extLst>
+      <p:ext uri="{BB962C8B-B14F-4D97-AF65-F5344CB8AC3E}">
+        <p14:creationId xmlns:p14="http://schemas.microsoft.com/office/powerpoint/2010/main" val="598264038"/>
+      </p:ext>
+    </p:extLst>
+  </p:cSld>
+  <p:clrMapOvr>
+    <a:masterClrMapping/>
+  </p:clrMapOvr>
+</p:sld>
+</file>
+
+<file path=ppt/slides/slide22.xml><?xml version="1.0" encoding="utf-8"?>
+<p:sld xmlns:a="http://schemas.openxmlformats.org/drawingml/2006/main" xmlns:r="http://schemas.openxmlformats.org/officeDocument/2006/relationships" xmlns:p="http://schemas.openxmlformats.org/presentationml/2006/main">
+  <p:cSld>
+    <p:spTree>
+      <p:nvGrpSpPr>
+        <p:cNvPr id="1" name=""/>
+        <p:cNvGrpSpPr/>
+        <p:nvPr/>
+      </p:nvGrpSpPr>
+      <p:grpSpPr>
+        <a:xfrm>
+          <a:off x="0" y="0"/>
+          <a:ext cx="0" cy="0"/>
+          <a:chOff x="0" y="0"/>
+          <a:chExt cx="0" cy="0"/>
+        </a:xfrm>
+      </p:grpSpPr>
+      <p:sp>
+        <p:nvSpPr>
+          <p:cNvPr id="2" name="標題 1"/>
+          <p:cNvSpPr>
+            <a:spLocks noGrp="1"/>
+          </p:cNvSpPr>
+          <p:nvPr>
+            <p:ph type="ctrTitle"/>
+          </p:nvPr>
+        </p:nvSpPr>
+        <p:spPr>
+          <a:xfrm>
+            <a:off x="0" y="1"/>
+            <a:ext cx="9144000" cy="764704"/>
+          </a:xfrm>
+          <a:gradFill flip="none" rotWithShape="1">
+            <a:gsLst>
+              <a:gs pos="0">
+                <a:srgbClr val="C00000">
+                  <a:shade val="30000"/>
+                  <a:satMod val="115000"/>
+                </a:srgbClr>
+              </a:gs>
+              <a:gs pos="50000">
+                <a:srgbClr val="C00000">
+                  <a:shade val="67500"/>
+                  <a:satMod val="115000"/>
+                </a:srgbClr>
+              </a:gs>
+              <a:gs pos="100000">
+                <a:srgbClr val="C00000">
+                  <a:shade val="100000"/>
+                  <a:satMod val="115000"/>
+                </a:srgbClr>
+              </a:gs>
+            </a:gsLst>
+            <a:path path="circle">
+              <a:fillToRect t="100000" r="100000"/>
+            </a:path>
+            <a:tileRect l="-100000" b="-100000"/>
+          </a:gradFill>
+        </p:spPr>
+        <p:txBody>
+          <a:bodyPr/>
+          <a:lstStyle/>
+          <a:p>
+            <a:pPr algn="l"/>
+            <a:r>
+              <a:rPr lang="en-US" altLang="zh-TW" b="1" dirty="0">
+                <a:solidFill>
+                  <a:srgbClr val="FFFF00"/>
+                </a:solidFill>
+              </a:rPr>
+              <a:t>0802.07 raise2.py</a:t>
+            </a:r>
+            <a:endParaRPr lang="zh-TW" altLang="en-US" b="1" dirty="0">
+              <a:solidFill>
+                <a:srgbClr val="FFFF00"/>
+              </a:solidFill>
+            </a:endParaRPr>
+          </a:p>
+        </p:txBody>
+      </p:sp>
+      <p:sp>
+        <p:nvSpPr>
+          <p:cNvPr id="3" name="副標題 2"/>
+          <p:cNvSpPr>
+            <a:spLocks noGrp="1"/>
+          </p:cNvSpPr>
+          <p:nvPr>
+            <p:ph type="subTitle" idx="1"/>
+          </p:nvPr>
+        </p:nvSpPr>
+        <p:spPr>
+          <a:xfrm>
+            <a:off x="501535" y="1372852"/>
+            <a:ext cx="1910226" cy="398616"/>
+          </a:xfrm>
+          <a:ln>
+            <a:solidFill>
+              <a:srgbClr val="C00000"/>
+            </a:solidFill>
+          </a:ln>
+        </p:spPr>
+        <p:txBody>
+          <a:bodyPr>
+            <a:noAutofit/>
+          </a:bodyPr>
+          <a:lstStyle/>
+          <a:p>
+            <a:pPr marL="342900" indent="-342900" algn="l">
+              <a:buClr>
+                <a:srgbClr val="0070C0"/>
+              </a:buClr>
+              <a:buSzPct val="80000"/>
+              <a:buFont typeface="Wingdings" pitchFamily="2" charset="2"/>
+              <a:buChar char="u"/>
+            </a:pPr>
+            <a:r>
+              <a:rPr lang="en-US" sz="1800" dirty="0">
+                <a:solidFill>
+                  <a:schemeClr val="tx1"/>
+                </a:solidFill>
+              </a:rPr>
+              <a:t>raise2.py</a:t>
+            </a:r>
+          </a:p>
+        </p:txBody>
+      </p:sp>
+      <p:sp>
+        <p:nvSpPr>
+          <p:cNvPr id="4" name="標題 1"/>
+          <p:cNvSpPr txBox="1">
+            <a:spLocks/>
+          </p:cNvSpPr>
+          <p:nvPr/>
+        </p:nvSpPr>
+        <p:spPr>
+          <a:xfrm>
+            <a:off x="0" y="764704"/>
+            <a:ext cx="9144000" cy="398616"/>
+          </a:xfrm>
+          <a:prstGeom prst="rect">
+            <a:avLst/>
+          </a:prstGeom>
+          <a:gradFill flip="none" rotWithShape="1">
+            <a:gsLst>
+              <a:gs pos="0">
+                <a:srgbClr val="00B0F0">
+                  <a:shade val="30000"/>
+                  <a:satMod val="115000"/>
+                </a:srgbClr>
+              </a:gs>
+              <a:gs pos="50000">
+                <a:srgbClr val="00B0F0">
+                  <a:shade val="67500"/>
+                  <a:satMod val="115000"/>
+                </a:srgbClr>
+              </a:gs>
+              <a:gs pos="100000">
+                <a:srgbClr val="00B0F0">
+                  <a:shade val="100000"/>
+                  <a:satMod val="115000"/>
+                </a:srgbClr>
+              </a:gs>
+            </a:gsLst>
+            <a:path path="circle">
+              <a:fillToRect t="100000" r="100000"/>
+            </a:path>
+            <a:tileRect l="-100000" b="-100000"/>
+          </a:gradFill>
+        </p:spPr>
+        <p:txBody>
+          <a:bodyPr vert="horz" lIns="91440" tIns="45720" rIns="91440" bIns="45720" rtlCol="0" anchor="ctr">
+            <a:normAutofit/>
+          </a:bodyPr>
+          <a:lstStyle/>
+          <a:p>
+            <a:pPr marL="0" lvl="1"/>
+            <a:r>
+              <a:rPr lang="en-US" sz="1600" dirty="0">
+                <a:hlinkClick r:id="rId2"/>
+              </a:rPr>
+              <a:t>https://www.ucsc-extension.edu/certificate-program/offering/python-programmers</a:t>
+            </a:r>
+            <a:endParaRPr lang="en-US" sz="1600" dirty="0"/>
+          </a:p>
+        </p:txBody>
+      </p:sp>
+      <p:sp>
+        <p:nvSpPr>
+          <p:cNvPr id="5" name="日期版面配置區 4"/>
+          <p:cNvSpPr>
+            <a:spLocks noGrp="1"/>
+          </p:cNvSpPr>
+          <p:nvPr>
+            <p:ph type="dt" sz="half" idx="10"/>
+          </p:nvPr>
+        </p:nvSpPr>
+        <p:spPr>
+          <a:xfrm>
+            <a:off x="457200" y="6356350"/>
+            <a:ext cx="2133600" cy="404246"/>
+          </a:xfrm>
+        </p:spPr>
+        <p:txBody>
+          <a:bodyPr/>
+          <a:lstStyle/>
+          <a:p>
+            <a:fld id="{A4F910E6-8D00-4BAF-8C48-9688E0B449D3}" type="datetime1">
+              <a:rPr lang="zh-TW" altLang="en-US" smtClean="0"/>
+              <a:pPr/>
+              <a:t>2019/6/28</a:t>
+            </a:fld>
+            <a:endParaRPr lang="zh-TW" altLang="en-US"/>
+          </a:p>
+        </p:txBody>
+      </p:sp>
+      <p:sp>
+        <p:nvSpPr>
+          <p:cNvPr id="6" name="投影片編號版面配置區 5"/>
+          <p:cNvSpPr>
+            <a:spLocks noGrp="1"/>
+          </p:cNvSpPr>
+          <p:nvPr>
+            <p:ph type="sldNum" sz="quarter" idx="12"/>
+          </p:nvPr>
+        </p:nvSpPr>
+        <p:spPr>
+          <a:xfrm>
+            <a:off x="6553200" y="6356350"/>
+            <a:ext cx="2133600" cy="404246"/>
+          </a:xfrm>
+        </p:spPr>
+        <p:txBody>
+          <a:bodyPr/>
+          <a:lstStyle/>
+          <a:p>
+            <a:fld id="{E4D7E63D-91F2-4366-A2C4-1B00C9E2590E}" type="slidenum">
+              <a:rPr lang="zh-TW" altLang="en-US" smtClean="0"/>
+              <a:pPr/>
+              <a:t>22</a:t>
+            </a:fld>
+            <a:endParaRPr lang="zh-TW" altLang="en-US"/>
+          </a:p>
+        </p:txBody>
+      </p:sp>
+      <p:pic>
+        <p:nvPicPr>
+          <p:cNvPr id="7" name="Picture 6">
+            <a:extLst>
+              <a:ext uri="{FF2B5EF4-FFF2-40B4-BE49-F238E27FC236}">
+                <a16:creationId xmlns:a16="http://schemas.microsoft.com/office/drawing/2014/main" id="{949D91A9-4235-4A33-AD09-817960262E76}"/>
+              </a:ext>
+            </a:extLst>
+          </p:cNvPr>
+          <p:cNvPicPr>
+            <a:picLocks noChangeAspect="1"/>
+          </p:cNvPicPr>
+          <p:nvPr/>
+        </p:nvPicPr>
+        <p:blipFill>
+          <a:blip r:embed="rId3"/>
+          <a:stretch>
+            <a:fillRect/>
+          </a:stretch>
+        </p:blipFill>
+        <p:spPr>
+          <a:xfrm>
+            <a:off x="2590800" y="1388840"/>
+            <a:ext cx="5715000" cy="4800600"/>
+          </a:xfrm>
+          <a:prstGeom prst="rect">
+            <a:avLst/>
+          </a:prstGeom>
+          <a:ln>
+            <a:solidFill>
+              <a:srgbClr val="C00000"/>
+            </a:solidFill>
+          </a:ln>
+        </p:spPr>
+      </p:pic>
+    </p:spTree>
+    <p:extLst>
+      <p:ext uri="{BB962C8B-B14F-4D97-AF65-F5344CB8AC3E}">
+        <p14:creationId xmlns:p14="http://schemas.microsoft.com/office/powerpoint/2010/main" val="3779200720"/>
+      </p:ext>
+    </p:extLst>
+  </p:cSld>
+  <p:clrMapOvr>
+    <a:masterClrMapping/>
+  </p:clrMapOvr>
+</p:sld>
+</file>
+
+<file path=ppt/slides/slide23.xml><?xml version="1.0" encoding="utf-8"?>
+<p:sld xmlns:a="http://schemas.openxmlformats.org/drawingml/2006/main" xmlns:r="http://schemas.openxmlformats.org/officeDocument/2006/relationships" xmlns:p="http://schemas.openxmlformats.org/presentationml/2006/main">
+  <p:cSld>
+    <p:spTree>
+      <p:nvGrpSpPr>
+        <p:cNvPr id="1" name=""/>
+        <p:cNvGrpSpPr/>
+        <p:nvPr/>
+      </p:nvGrpSpPr>
+      <p:grpSpPr>
+        <a:xfrm>
+          <a:off x="0" y="0"/>
+          <a:ext cx="0" cy="0"/>
+          <a:chOff x="0" y="0"/>
+          <a:chExt cx="0" cy="0"/>
+        </a:xfrm>
+      </p:grpSpPr>
+      <p:sp>
+        <p:nvSpPr>
+          <p:cNvPr id="2" name="標題 1"/>
+          <p:cNvSpPr>
+            <a:spLocks noGrp="1"/>
+          </p:cNvSpPr>
+          <p:nvPr>
+            <p:ph type="ctrTitle"/>
+          </p:nvPr>
+        </p:nvSpPr>
+        <p:spPr>
+          <a:xfrm>
+            <a:off x="0" y="2130425"/>
+            <a:ext cx="9144000" cy="1470025"/>
+          </a:xfrm>
+          <a:solidFill>
+            <a:srgbClr val="00B0F0"/>
+          </a:solidFill>
+        </p:spPr>
+        <p:txBody>
+          <a:bodyPr>
+            <a:normAutofit/>
+          </a:bodyPr>
+          <a:lstStyle/>
+          <a:p>
+            <a:r>
+              <a:rPr lang="en-US" altLang="zh-TW" sz="4800" b="1" dirty="0">
+                <a:solidFill>
+                  <a:srgbClr val="FFFF00"/>
+                </a:solidFill>
+              </a:rPr>
+              <a:t>0802.08 raise3.py</a:t>
+            </a:r>
+            <a:endParaRPr lang="zh-TW" altLang="en-US" sz="4800" b="1" dirty="0">
+              <a:solidFill>
+                <a:srgbClr val="FFFF00"/>
+              </a:solidFill>
+            </a:endParaRPr>
+          </a:p>
+        </p:txBody>
+      </p:sp>
+      <p:sp>
+        <p:nvSpPr>
+          <p:cNvPr id="5" name="日期版面配置區 4"/>
+          <p:cNvSpPr>
+            <a:spLocks noGrp="1"/>
+          </p:cNvSpPr>
+          <p:nvPr>
+            <p:ph type="dt" sz="half" idx="10"/>
+          </p:nvPr>
+        </p:nvSpPr>
+        <p:spPr/>
+        <p:txBody>
+          <a:bodyPr/>
+          <a:lstStyle/>
+          <a:p>
+            <a:fld id="{C389EDC9-19E3-47AC-9C57-C6A24DEA81AD}" type="datetime1">
+              <a:rPr lang="zh-TW" altLang="en-US" smtClean="0"/>
+              <a:pPr/>
+              <a:t>2019/6/28</a:t>
+            </a:fld>
+            <a:endParaRPr lang="zh-TW" altLang="en-US"/>
+          </a:p>
+        </p:txBody>
+      </p:sp>
+      <p:sp>
+        <p:nvSpPr>
+          <p:cNvPr id="6" name="投影片編號版面配置區 5"/>
+          <p:cNvSpPr>
+            <a:spLocks noGrp="1"/>
+          </p:cNvSpPr>
+          <p:nvPr>
+            <p:ph type="sldNum" sz="quarter" idx="12"/>
+          </p:nvPr>
+        </p:nvSpPr>
+        <p:spPr/>
+        <p:txBody>
+          <a:bodyPr/>
+          <a:lstStyle/>
+          <a:p>
+            <a:fld id="{E4D7E63D-91F2-4366-A2C4-1B00C9E2590E}" type="slidenum">
+              <a:rPr lang="zh-TW" altLang="en-US" smtClean="0"/>
+              <a:pPr/>
+              <a:t>23</a:t>
+            </a:fld>
+            <a:endParaRPr lang="zh-TW" altLang="en-US"/>
+          </a:p>
+        </p:txBody>
+      </p:sp>
+      <p:pic>
+        <p:nvPicPr>
+          <p:cNvPr id="7" name="Picture 6">
+            <a:extLst>
+              <a:ext uri="{FF2B5EF4-FFF2-40B4-BE49-F238E27FC236}">
+                <a16:creationId xmlns:a16="http://schemas.microsoft.com/office/drawing/2014/main" id="{FCD4A087-E8B9-425C-A3D7-1F76A789463E}"/>
+              </a:ext>
+            </a:extLst>
+          </p:cNvPr>
+          <p:cNvPicPr>
+            <a:picLocks noChangeAspect="1"/>
+          </p:cNvPicPr>
+          <p:nvPr/>
+        </p:nvPicPr>
+        <p:blipFill>
+          <a:blip r:embed="rId2"/>
+          <a:stretch>
+            <a:fillRect/>
+          </a:stretch>
+        </p:blipFill>
+        <p:spPr>
+          <a:xfrm>
+            <a:off x="3923928" y="3695964"/>
+            <a:ext cx="1004960" cy="885164"/>
+          </a:xfrm>
+          <a:prstGeom prst="rect">
+            <a:avLst/>
+          </a:prstGeom>
+        </p:spPr>
+      </p:pic>
+    </p:spTree>
+    <p:extLst>
+      <p:ext uri="{BB962C8B-B14F-4D97-AF65-F5344CB8AC3E}">
+        <p14:creationId xmlns:p14="http://schemas.microsoft.com/office/powerpoint/2010/main" val="2255747211"/>
+      </p:ext>
+    </p:extLst>
+  </p:cSld>
+  <p:clrMapOvr>
+    <a:masterClrMapping/>
+  </p:clrMapOvr>
+</p:sld>
+</file>
+
+<file path=ppt/slides/slide24.xml><?xml version="1.0" encoding="utf-8"?>
+<p:sld xmlns:a="http://schemas.openxmlformats.org/drawingml/2006/main" xmlns:r="http://schemas.openxmlformats.org/officeDocument/2006/relationships" xmlns:p="http://schemas.openxmlformats.org/presentationml/2006/main">
+  <p:cSld>
+    <p:spTree>
+      <p:nvGrpSpPr>
+        <p:cNvPr id="1" name=""/>
+        <p:cNvGrpSpPr/>
+        <p:nvPr/>
+      </p:nvGrpSpPr>
+      <p:grpSpPr>
+        <a:xfrm>
+          <a:off x="0" y="0"/>
+          <a:ext cx="0" cy="0"/>
+          <a:chOff x="0" y="0"/>
+          <a:chExt cx="0" cy="0"/>
+        </a:xfrm>
+      </p:grpSpPr>
+      <p:sp>
+        <p:nvSpPr>
+          <p:cNvPr id="2" name="標題 1"/>
+          <p:cNvSpPr>
+            <a:spLocks noGrp="1"/>
+          </p:cNvSpPr>
+          <p:nvPr>
+            <p:ph type="ctrTitle"/>
+          </p:nvPr>
+        </p:nvSpPr>
+        <p:spPr>
+          <a:xfrm>
+            <a:off x="0" y="1"/>
+            <a:ext cx="9144000" cy="764704"/>
+          </a:xfrm>
+          <a:gradFill flip="none" rotWithShape="1">
+            <a:gsLst>
+              <a:gs pos="0">
+                <a:srgbClr val="C00000">
+                  <a:shade val="30000"/>
+                  <a:satMod val="115000"/>
+                </a:srgbClr>
+              </a:gs>
+              <a:gs pos="50000">
+                <a:srgbClr val="C00000">
+                  <a:shade val="67500"/>
+                  <a:satMod val="115000"/>
+                </a:srgbClr>
+              </a:gs>
+              <a:gs pos="100000">
+                <a:srgbClr val="C00000">
+                  <a:shade val="100000"/>
+                  <a:satMod val="115000"/>
+                </a:srgbClr>
+              </a:gs>
+            </a:gsLst>
+            <a:path path="circle">
+              <a:fillToRect t="100000" r="100000"/>
+            </a:path>
+            <a:tileRect l="-100000" b="-100000"/>
+          </a:gradFill>
+        </p:spPr>
+        <p:txBody>
+          <a:bodyPr/>
+          <a:lstStyle/>
+          <a:p>
+            <a:pPr algn="l"/>
+            <a:r>
+              <a:rPr lang="en-US" altLang="zh-TW" b="1" dirty="0">
+                <a:solidFill>
+                  <a:srgbClr val="FFFF00"/>
+                </a:solidFill>
+              </a:rPr>
+              <a:t>0802.08 raise3.py</a:t>
+            </a:r>
+            <a:endParaRPr lang="zh-TW" altLang="en-US" b="1" dirty="0">
+              <a:solidFill>
+                <a:srgbClr val="FFFF00"/>
+              </a:solidFill>
+            </a:endParaRPr>
+          </a:p>
+        </p:txBody>
+      </p:sp>
+      <p:sp>
+        <p:nvSpPr>
+          <p:cNvPr id="3" name="副標題 2"/>
+          <p:cNvSpPr>
+            <a:spLocks noGrp="1"/>
+          </p:cNvSpPr>
+          <p:nvPr>
+            <p:ph type="subTitle" idx="1"/>
+          </p:nvPr>
+        </p:nvSpPr>
+        <p:spPr>
+          <a:xfrm>
+            <a:off x="501535" y="1372852"/>
+            <a:ext cx="1910226" cy="398616"/>
+          </a:xfrm>
+          <a:ln>
+            <a:solidFill>
+              <a:srgbClr val="C00000"/>
+            </a:solidFill>
+          </a:ln>
+        </p:spPr>
+        <p:txBody>
+          <a:bodyPr>
+            <a:noAutofit/>
+          </a:bodyPr>
+          <a:lstStyle/>
+          <a:p>
+            <a:pPr marL="342900" indent="-342900" algn="l">
+              <a:buClr>
+                <a:srgbClr val="0070C0"/>
+              </a:buClr>
+              <a:buSzPct val="80000"/>
+              <a:buFont typeface="Wingdings" pitchFamily="2" charset="2"/>
+              <a:buChar char="u"/>
+            </a:pPr>
+            <a:r>
+              <a:rPr lang="en-US" sz="1800" dirty="0">
+                <a:solidFill>
+                  <a:schemeClr val="tx1"/>
+                </a:solidFill>
+              </a:rPr>
+              <a:t>raise3.py</a:t>
+            </a:r>
+          </a:p>
+        </p:txBody>
+      </p:sp>
+      <p:sp>
+        <p:nvSpPr>
+          <p:cNvPr id="4" name="標題 1"/>
+          <p:cNvSpPr txBox="1">
+            <a:spLocks/>
+          </p:cNvSpPr>
+          <p:nvPr/>
+        </p:nvSpPr>
+        <p:spPr>
+          <a:xfrm>
+            <a:off x="0" y="764704"/>
+            <a:ext cx="9144000" cy="398616"/>
+          </a:xfrm>
+          <a:prstGeom prst="rect">
+            <a:avLst/>
+          </a:prstGeom>
+          <a:gradFill flip="none" rotWithShape="1">
+            <a:gsLst>
+              <a:gs pos="0">
+                <a:srgbClr val="00B0F0">
+                  <a:shade val="30000"/>
+                  <a:satMod val="115000"/>
+                </a:srgbClr>
+              </a:gs>
+              <a:gs pos="50000">
+                <a:srgbClr val="00B0F0">
+                  <a:shade val="67500"/>
+                  <a:satMod val="115000"/>
+                </a:srgbClr>
+              </a:gs>
+              <a:gs pos="100000">
+                <a:srgbClr val="00B0F0">
+                  <a:shade val="100000"/>
+                  <a:satMod val="115000"/>
+                </a:srgbClr>
+              </a:gs>
+            </a:gsLst>
+            <a:path path="circle">
+              <a:fillToRect t="100000" r="100000"/>
+            </a:path>
+            <a:tileRect l="-100000" b="-100000"/>
+          </a:gradFill>
+        </p:spPr>
+        <p:txBody>
+          <a:bodyPr vert="horz" lIns="91440" tIns="45720" rIns="91440" bIns="45720" rtlCol="0" anchor="ctr">
+            <a:normAutofit/>
+          </a:bodyPr>
+          <a:lstStyle/>
+          <a:p>
+            <a:pPr marL="0" lvl="1"/>
+            <a:r>
+              <a:rPr lang="en-US" sz="1600" dirty="0">
+                <a:hlinkClick r:id="rId2"/>
+              </a:rPr>
+              <a:t>https://www.ucsc-extension.edu/certificate-program/offering/python-programmers</a:t>
+            </a:r>
+            <a:endParaRPr lang="en-US" sz="1600" dirty="0"/>
+          </a:p>
+        </p:txBody>
+      </p:sp>
+      <p:sp>
+        <p:nvSpPr>
+          <p:cNvPr id="5" name="日期版面配置區 4"/>
+          <p:cNvSpPr>
+            <a:spLocks noGrp="1"/>
+          </p:cNvSpPr>
+          <p:nvPr>
+            <p:ph type="dt" sz="half" idx="10"/>
+          </p:nvPr>
+        </p:nvSpPr>
+        <p:spPr>
+          <a:xfrm>
+            <a:off x="457200" y="6356350"/>
+            <a:ext cx="2133600" cy="404246"/>
+          </a:xfrm>
+        </p:spPr>
+        <p:txBody>
+          <a:bodyPr/>
+          <a:lstStyle/>
+          <a:p>
+            <a:fld id="{A4F910E6-8D00-4BAF-8C48-9688E0B449D3}" type="datetime1">
+              <a:rPr lang="zh-TW" altLang="en-US" smtClean="0"/>
+              <a:pPr/>
+              <a:t>2019/6/28</a:t>
+            </a:fld>
+            <a:endParaRPr lang="zh-TW" altLang="en-US"/>
+          </a:p>
+        </p:txBody>
+      </p:sp>
+      <p:sp>
+        <p:nvSpPr>
+          <p:cNvPr id="6" name="投影片編號版面配置區 5"/>
+          <p:cNvSpPr>
+            <a:spLocks noGrp="1"/>
+          </p:cNvSpPr>
+          <p:nvPr>
+            <p:ph type="sldNum" sz="quarter" idx="12"/>
+          </p:nvPr>
+        </p:nvSpPr>
+        <p:spPr>
+          <a:xfrm>
+            <a:off x="6553200" y="6356350"/>
+            <a:ext cx="2133600" cy="404246"/>
+          </a:xfrm>
+        </p:spPr>
+        <p:txBody>
+          <a:bodyPr/>
+          <a:lstStyle/>
+          <a:p>
+            <a:fld id="{E4D7E63D-91F2-4366-A2C4-1B00C9E2590E}" type="slidenum">
+              <a:rPr lang="zh-TW" altLang="en-US" smtClean="0"/>
+              <a:pPr/>
+              <a:t>24</a:t>
+            </a:fld>
+            <a:endParaRPr lang="zh-TW" altLang="en-US"/>
+          </a:p>
+        </p:txBody>
+      </p:sp>
+      <p:pic>
+        <p:nvPicPr>
+          <p:cNvPr id="8" name="Picture 7">
+            <a:extLst>
+              <a:ext uri="{FF2B5EF4-FFF2-40B4-BE49-F238E27FC236}">
+                <a16:creationId xmlns:a16="http://schemas.microsoft.com/office/drawing/2014/main" id="{36C6B6C5-27F3-4147-B4CC-2EA6EC524927}"/>
+              </a:ext>
+            </a:extLst>
+          </p:cNvPr>
+          <p:cNvPicPr>
+            <a:picLocks noChangeAspect="1"/>
+          </p:cNvPicPr>
+          <p:nvPr/>
+        </p:nvPicPr>
+        <p:blipFill>
+          <a:blip r:embed="rId3"/>
+          <a:stretch>
+            <a:fillRect/>
+          </a:stretch>
+        </p:blipFill>
+        <p:spPr>
+          <a:xfrm>
+            <a:off x="2584049" y="1372852"/>
+            <a:ext cx="5676900" cy="5095875"/>
+          </a:xfrm>
+          <a:prstGeom prst="rect">
+            <a:avLst/>
+          </a:prstGeom>
+          <a:ln>
+            <a:solidFill>
+              <a:srgbClr val="C00000"/>
+            </a:solidFill>
+          </a:ln>
+        </p:spPr>
+      </p:pic>
+    </p:spTree>
+    <p:extLst>
+      <p:ext uri="{BB962C8B-B14F-4D97-AF65-F5344CB8AC3E}">
+        <p14:creationId xmlns:p14="http://schemas.microsoft.com/office/powerpoint/2010/main" val="693504540"/>
+      </p:ext>
+    </p:extLst>
+  </p:cSld>
+  <p:clrMapOvr>
+    <a:masterClrMapping/>
+  </p:clrMapOvr>
+</p:sld>
+</file>
+
+<file path=ppt/slides/slide25.xml><?xml version="1.0" encoding="utf-8"?>
+<p:sld xmlns:a="http://schemas.openxmlformats.org/drawingml/2006/main" xmlns:r="http://schemas.openxmlformats.org/officeDocument/2006/relationships" xmlns:p="http://schemas.openxmlformats.org/presentationml/2006/main">
+  <p:cSld>
+    <p:spTree>
+      <p:nvGrpSpPr>
+        <p:cNvPr id="1" name=""/>
+        <p:cNvGrpSpPr/>
+        <p:nvPr/>
+      </p:nvGrpSpPr>
+      <p:grpSpPr>
+        <a:xfrm>
+          <a:off x="0" y="0"/>
+          <a:ext cx="0" cy="0"/>
+          <a:chOff x="0" y="0"/>
+          <a:chExt cx="0" cy="0"/>
+        </a:xfrm>
+      </p:grpSpPr>
+      <p:sp>
+        <p:nvSpPr>
+          <p:cNvPr id="2" name="標題 1"/>
+          <p:cNvSpPr>
+            <a:spLocks noGrp="1"/>
+          </p:cNvSpPr>
+          <p:nvPr>
+            <p:ph type="ctrTitle"/>
+          </p:nvPr>
+        </p:nvSpPr>
+        <p:spPr>
+          <a:xfrm>
+            <a:off x="0" y="2130425"/>
+            <a:ext cx="9144000" cy="1470025"/>
+          </a:xfrm>
+          <a:solidFill>
+            <a:srgbClr val="00B0F0"/>
+          </a:solidFill>
+        </p:spPr>
+        <p:txBody>
+          <a:bodyPr>
+            <a:normAutofit/>
+          </a:bodyPr>
+          <a:lstStyle/>
+          <a:p>
+            <a:r>
+              <a:rPr lang="en-US" altLang="zh-TW" sz="4800" b="1" dirty="0">
+                <a:solidFill>
+                  <a:srgbClr val="FFFF00"/>
+                </a:solidFill>
+              </a:rPr>
+              <a:t>0802.09 myexcept1.py</a:t>
+            </a:r>
+            <a:endParaRPr lang="zh-TW" altLang="en-US" sz="4800" b="1" dirty="0">
+              <a:solidFill>
+                <a:srgbClr val="FFFF00"/>
+              </a:solidFill>
+            </a:endParaRPr>
+          </a:p>
+        </p:txBody>
+      </p:sp>
+      <p:sp>
+        <p:nvSpPr>
+          <p:cNvPr id="5" name="日期版面配置區 4"/>
+          <p:cNvSpPr>
+            <a:spLocks noGrp="1"/>
+          </p:cNvSpPr>
+          <p:nvPr>
+            <p:ph type="dt" sz="half" idx="10"/>
+          </p:nvPr>
+        </p:nvSpPr>
+        <p:spPr/>
+        <p:txBody>
+          <a:bodyPr/>
+          <a:lstStyle/>
+          <a:p>
+            <a:fld id="{C389EDC9-19E3-47AC-9C57-C6A24DEA81AD}" type="datetime1">
+              <a:rPr lang="zh-TW" altLang="en-US" smtClean="0"/>
+              <a:pPr/>
+              <a:t>2019/6/28</a:t>
+            </a:fld>
+            <a:endParaRPr lang="zh-TW" altLang="en-US"/>
+          </a:p>
+        </p:txBody>
+      </p:sp>
+      <p:sp>
+        <p:nvSpPr>
+          <p:cNvPr id="6" name="投影片編號版面配置區 5"/>
+          <p:cNvSpPr>
+            <a:spLocks noGrp="1"/>
+          </p:cNvSpPr>
+          <p:nvPr>
+            <p:ph type="sldNum" sz="quarter" idx="12"/>
+          </p:nvPr>
+        </p:nvSpPr>
+        <p:spPr/>
+        <p:txBody>
+          <a:bodyPr/>
+          <a:lstStyle/>
+          <a:p>
+            <a:fld id="{E4D7E63D-91F2-4366-A2C4-1B00C9E2590E}" type="slidenum">
+              <a:rPr lang="zh-TW" altLang="en-US" smtClean="0"/>
+              <a:pPr/>
+              <a:t>25</a:t>
+            </a:fld>
+            <a:endParaRPr lang="zh-TW" altLang="en-US"/>
+          </a:p>
+        </p:txBody>
+      </p:sp>
+      <p:pic>
+        <p:nvPicPr>
+          <p:cNvPr id="7" name="Picture 6">
+            <a:extLst>
+              <a:ext uri="{FF2B5EF4-FFF2-40B4-BE49-F238E27FC236}">
+                <a16:creationId xmlns:a16="http://schemas.microsoft.com/office/drawing/2014/main" id="{FCD4A087-E8B9-425C-A3D7-1F76A789463E}"/>
+              </a:ext>
+            </a:extLst>
+          </p:cNvPr>
+          <p:cNvPicPr>
+            <a:picLocks noChangeAspect="1"/>
+          </p:cNvPicPr>
+          <p:nvPr/>
+        </p:nvPicPr>
+        <p:blipFill>
+          <a:blip r:embed="rId2"/>
+          <a:stretch>
+            <a:fillRect/>
+          </a:stretch>
+        </p:blipFill>
+        <p:spPr>
+          <a:xfrm>
+            <a:off x="3923928" y="3695964"/>
+            <a:ext cx="1004960" cy="885164"/>
+          </a:xfrm>
+          <a:prstGeom prst="rect">
+            <a:avLst/>
+          </a:prstGeom>
+        </p:spPr>
+      </p:pic>
+    </p:spTree>
+    <p:extLst>
+      <p:ext uri="{BB962C8B-B14F-4D97-AF65-F5344CB8AC3E}">
+        <p14:creationId xmlns:p14="http://schemas.microsoft.com/office/powerpoint/2010/main" val="4266793609"/>
+      </p:ext>
+    </p:extLst>
+  </p:cSld>
+  <p:clrMapOvr>
+    <a:masterClrMapping/>
+  </p:clrMapOvr>
+</p:sld>
+</file>
+
+<file path=ppt/slides/slide26.xml><?xml version="1.0" encoding="utf-8"?>
+<p:sld xmlns:a="http://schemas.openxmlformats.org/drawingml/2006/main" xmlns:r="http://schemas.openxmlformats.org/officeDocument/2006/relationships" xmlns:p="http://schemas.openxmlformats.org/presentationml/2006/main">
+  <p:cSld>
+    <p:spTree>
+      <p:nvGrpSpPr>
+        <p:cNvPr id="1" name=""/>
+        <p:cNvGrpSpPr/>
+        <p:nvPr/>
+      </p:nvGrpSpPr>
+      <p:grpSpPr>
+        <a:xfrm>
+          <a:off x="0" y="0"/>
+          <a:ext cx="0" cy="0"/>
+          <a:chOff x="0" y="0"/>
+          <a:chExt cx="0" cy="0"/>
+        </a:xfrm>
+      </p:grpSpPr>
+      <p:sp>
+        <p:nvSpPr>
+          <p:cNvPr id="2" name="標題 1"/>
+          <p:cNvSpPr>
+            <a:spLocks noGrp="1"/>
+          </p:cNvSpPr>
+          <p:nvPr>
+            <p:ph type="ctrTitle"/>
+          </p:nvPr>
+        </p:nvSpPr>
+        <p:spPr>
+          <a:xfrm>
+            <a:off x="0" y="1"/>
+            <a:ext cx="9144000" cy="764704"/>
+          </a:xfrm>
+          <a:gradFill flip="none" rotWithShape="1">
+            <a:gsLst>
+              <a:gs pos="0">
+                <a:srgbClr val="C00000">
+                  <a:shade val="30000"/>
+                  <a:satMod val="115000"/>
+                </a:srgbClr>
+              </a:gs>
+              <a:gs pos="50000">
+                <a:srgbClr val="C00000">
+                  <a:shade val="67500"/>
+                  <a:satMod val="115000"/>
+                </a:srgbClr>
+              </a:gs>
+              <a:gs pos="100000">
+                <a:srgbClr val="C00000">
+                  <a:shade val="100000"/>
+                  <a:satMod val="115000"/>
+                </a:srgbClr>
+              </a:gs>
+            </a:gsLst>
+            <a:path path="circle">
+              <a:fillToRect t="100000" r="100000"/>
+            </a:path>
+            <a:tileRect l="-100000" b="-100000"/>
+          </a:gradFill>
+        </p:spPr>
+        <p:txBody>
+          <a:bodyPr/>
+          <a:lstStyle/>
+          <a:p>
+            <a:pPr algn="l"/>
+            <a:r>
+              <a:rPr lang="en-US" altLang="zh-TW" b="1" dirty="0">
+                <a:solidFill>
+                  <a:srgbClr val="FFFF00"/>
+                </a:solidFill>
+              </a:rPr>
+              <a:t>0802.09 myexcept1.py</a:t>
+            </a:r>
+            <a:endParaRPr lang="zh-TW" altLang="en-US" b="1" dirty="0">
+              <a:solidFill>
+                <a:srgbClr val="FFFF00"/>
+              </a:solidFill>
+            </a:endParaRPr>
+          </a:p>
+        </p:txBody>
+      </p:sp>
+      <p:sp>
+        <p:nvSpPr>
+          <p:cNvPr id="3" name="副標題 2"/>
+          <p:cNvSpPr>
+            <a:spLocks noGrp="1"/>
+          </p:cNvSpPr>
+          <p:nvPr>
+            <p:ph type="subTitle" idx="1"/>
+          </p:nvPr>
+        </p:nvSpPr>
+        <p:spPr>
+          <a:xfrm>
+            <a:off x="501535" y="1372852"/>
+            <a:ext cx="1910226" cy="398616"/>
+          </a:xfrm>
+          <a:ln>
+            <a:solidFill>
+              <a:srgbClr val="C00000"/>
+            </a:solidFill>
+          </a:ln>
+        </p:spPr>
+        <p:txBody>
+          <a:bodyPr>
+            <a:noAutofit/>
+          </a:bodyPr>
+          <a:lstStyle/>
+          <a:p>
+            <a:pPr marL="342900" indent="-342900" algn="l">
+              <a:buClr>
+                <a:srgbClr val="0070C0"/>
+              </a:buClr>
+              <a:buSzPct val="80000"/>
+              <a:buFont typeface="Wingdings" pitchFamily="2" charset="2"/>
+              <a:buChar char="u"/>
+            </a:pPr>
+            <a:r>
+              <a:rPr lang="en-US" sz="1800" dirty="0">
+                <a:solidFill>
+                  <a:schemeClr val="tx1"/>
+                </a:solidFill>
+              </a:rPr>
+              <a:t>myexcept1.py</a:t>
+            </a:r>
+          </a:p>
+        </p:txBody>
+      </p:sp>
+      <p:sp>
+        <p:nvSpPr>
+          <p:cNvPr id="4" name="標題 1"/>
+          <p:cNvSpPr txBox="1">
+            <a:spLocks/>
+          </p:cNvSpPr>
+          <p:nvPr/>
+        </p:nvSpPr>
+        <p:spPr>
+          <a:xfrm>
+            <a:off x="0" y="764704"/>
+            <a:ext cx="9144000" cy="398616"/>
+          </a:xfrm>
+          <a:prstGeom prst="rect">
+            <a:avLst/>
+          </a:prstGeom>
+          <a:gradFill flip="none" rotWithShape="1">
+            <a:gsLst>
+              <a:gs pos="0">
+                <a:srgbClr val="00B0F0">
+                  <a:shade val="30000"/>
+                  <a:satMod val="115000"/>
+                </a:srgbClr>
+              </a:gs>
+              <a:gs pos="50000">
+                <a:srgbClr val="00B0F0">
+                  <a:shade val="67500"/>
+                  <a:satMod val="115000"/>
+                </a:srgbClr>
+              </a:gs>
+              <a:gs pos="100000">
+                <a:srgbClr val="00B0F0">
+                  <a:shade val="100000"/>
+                  <a:satMod val="115000"/>
+                </a:srgbClr>
+              </a:gs>
+            </a:gsLst>
+            <a:path path="circle">
+              <a:fillToRect t="100000" r="100000"/>
+            </a:path>
+            <a:tileRect l="-100000" b="-100000"/>
+          </a:gradFill>
+        </p:spPr>
+        <p:txBody>
+          <a:bodyPr vert="horz" lIns="91440" tIns="45720" rIns="91440" bIns="45720" rtlCol="0" anchor="ctr">
+            <a:normAutofit/>
+          </a:bodyPr>
+          <a:lstStyle/>
+          <a:p>
+            <a:pPr marL="0" lvl="1"/>
+            <a:r>
+              <a:rPr lang="en-US" sz="1600" dirty="0">
+                <a:hlinkClick r:id="rId2"/>
+              </a:rPr>
+              <a:t>https://www.ucsc-extension.edu/certificate-program/offering/python-programmers</a:t>
+            </a:r>
+            <a:endParaRPr lang="en-US" sz="1600" dirty="0"/>
+          </a:p>
+        </p:txBody>
+      </p:sp>
+      <p:sp>
+        <p:nvSpPr>
+          <p:cNvPr id="5" name="日期版面配置區 4"/>
+          <p:cNvSpPr>
+            <a:spLocks noGrp="1"/>
+          </p:cNvSpPr>
+          <p:nvPr>
+            <p:ph type="dt" sz="half" idx="10"/>
+          </p:nvPr>
+        </p:nvSpPr>
+        <p:spPr>
+          <a:xfrm>
+            <a:off x="457200" y="6356350"/>
+            <a:ext cx="2133600" cy="404246"/>
+          </a:xfrm>
+        </p:spPr>
+        <p:txBody>
+          <a:bodyPr/>
+          <a:lstStyle/>
+          <a:p>
+            <a:fld id="{A4F910E6-8D00-4BAF-8C48-9688E0B449D3}" type="datetime1">
+              <a:rPr lang="zh-TW" altLang="en-US" smtClean="0"/>
+              <a:pPr/>
+              <a:t>2019/6/28</a:t>
+            </a:fld>
+            <a:endParaRPr lang="zh-TW" altLang="en-US"/>
+          </a:p>
+        </p:txBody>
+      </p:sp>
+      <p:sp>
+        <p:nvSpPr>
+          <p:cNvPr id="6" name="投影片編號版面配置區 5"/>
+          <p:cNvSpPr>
+            <a:spLocks noGrp="1"/>
+          </p:cNvSpPr>
+          <p:nvPr>
+            <p:ph type="sldNum" sz="quarter" idx="12"/>
+          </p:nvPr>
+        </p:nvSpPr>
+        <p:spPr>
+          <a:xfrm>
+            <a:off x="6553200" y="6356350"/>
+            <a:ext cx="2133600" cy="404246"/>
+          </a:xfrm>
+        </p:spPr>
+        <p:txBody>
+          <a:bodyPr/>
+          <a:lstStyle/>
+          <a:p>
+            <a:fld id="{E4D7E63D-91F2-4366-A2C4-1B00C9E2590E}" type="slidenum">
+              <a:rPr lang="zh-TW" altLang="en-US" smtClean="0"/>
+              <a:pPr/>
+              <a:t>26</a:t>
+            </a:fld>
+            <a:endParaRPr lang="zh-TW" altLang="en-US"/>
+          </a:p>
+        </p:txBody>
+      </p:sp>
+      <p:pic>
+        <p:nvPicPr>
+          <p:cNvPr id="7" name="Picture 6">
+            <a:extLst>
+              <a:ext uri="{FF2B5EF4-FFF2-40B4-BE49-F238E27FC236}">
+                <a16:creationId xmlns:a16="http://schemas.microsoft.com/office/drawing/2014/main" id="{91312CF8-777A-4B65-ABD7-4E78764D694A}"/>
+              </a:ext>
+            </a:extLst>
+          </p:cNvPr>
+          <p:cNvPicPr>
+            <a:picLocks noChangeAspect="1"/>
+          </p:cNvPicPr>
+          <p:nvPr/>
+        </p:nvPicPr>
+        <p:blipFill>
+          <a:blip r:embed="rId3"/>
+          <a:stretch>
+            <a:fillRect/>
+          </a:stretch>
+        </p:blipFill>
+        <p:spPr>
+          <a:xfrm>
+            <a:off x="2699792" y="1292074"/>
+            <a:ext cx="5772150" cy="5191125"/>
+          </a:xfrm>
+          <a:prstGeom prst="rect">
+            <a:avLst/>
+          </a:prstGeom>
+          <a:ln>
+            <a:solidFill>
+              <a:srgbClr val="C00000"/>
+            </a:solidFill>
+          </a:ln>
+        </p:spPr>
+      </p:pic>
+    </p:spTree>
+    <p:extLst>
+      <p:ext uri="{BB962C8B-B14F-4D97-AF65-F5344CB8AC3E}">
+        <p14:creationId xmlns:p14="http://schemas.microsoft.com/office/powerpoint/2010/main" val="616901114"/>
+      </p:ext>
+    </p:extLst>
+  </p:cSld>
+  <p:clrMapOvr>
+    <a:masterClrMapping/>
+  </p:clrMapOvr>
+</p:sld>
+</file>
+
+<file path=ppt/slides/slide27.xml><?xml version="1.0" encoding="utf-8"?>
+<p:sld xmlns:a="http://schemas.openxmlformats.org/drawingml/2006/main" xmlns:r="http://schemas.openxmlformats.org/officeDocument/2006/relationships" xmlns:p="http://schemas.openxmlformats.org/presentationml/2006/main">
+  <p:cSld>
+    <p:spTree>
+      <p:nvGrpSpPr>
+        <p:cNvPr id="1" name=""/>
+        <p:cNvGrpSpPr/>
+        <p:nvPr/>
+      </p:nvGrpSpPr>
+      <p:grpSpPr>
+        <a:xfrm>
+          <a:off x="0" y="0"/>
+          <a:ext cx="0" cy="0"/>
+          <a:chOff x="0" y="0"/>
+          <a:chExt cx="0" cy="0"/>
+        </a:xfrm>
+      </p:grpSpPr>
+      <p:sp>
+        <p:nvSpPr>
+          <p:cNvPr id="2" name="標題 1"/>
+          <p:cNvSpPr>
+            <a:spLocks noGrp="1"/>
+          </p:cNvSpPr>
+          <p:nvPr>
+            <p:ph type="ctrTitle"/>
+          </p:nvPr>
+        </p:nvSpPr>
+        <p:spPr>
+          <a:xfrm>
+            <a:off x="0" y="2130425"/>
+            <a:ext cx="9144000" cy="1470025"/>
+          </a:xfrm>
+          <a:solidFill>
+            <a:srgbClr val="00B0F0"/>
+          </a:solidFill>
+        </p:spPr>
+        <p:txBody>
+          <a:bodyPr>
+            <a:normAutofit/>
+          </a:bodyPr>
+          <a:lstStyle/>
+          <a:p>
+            <a:r>
+              <a:rPr lang="en-US" altLang="zh-TW" sz="4800" b="1" dirty="0">
+                <a:solidFill>
+                  <a:srgbClr val="FFFF00"/>
+                </a:solidFill>
+              </a:rPr>
+              <a:t>0802.10 myexcept2.py</a:t>
+            </a:r>
+            <a:endParaRPr lang="zh-TW" altLang="en-US" sz="4800" b="1" dirty="0">
+              <a:solidFill>
+                <a:srgbClr val="FFFF00"/>
+              </a:solidFill>
+            </a:endParaRPr>
+          </a:p>
+        </p:txBody>
+      </p:sp>
+      <p:sp>
+        <p:nvSpPr>
+          <p:cNvPr id="5" name="日期版面配置區 4"/>
+          <p:cNvSpPr>
+            <a:spLocks noGrp="1"/>
+          </p:cNvSpPr>
+          <p:nvPr>
+            <p:ph type="dt" sz="half" idx="10"/>
+          </p:nvPr>
+        </p:nvSpPr>
+        <p:spPr/>
+        <p:txBody>
+          <a:bodyPr/>
+          <a:lstStyle/>
+          <a:p>
+            <a:fld id="{C389EDC9-19E3-47AC-9C57-C6A24DEA81AD}" type="datetime1">
+              <a:rPr lang="zh-TW" altLang="en-US" smtClean="0"/>
+              <a:pPr/>
+              <a:t>2019/6/28</a:t>
+            </a:fld>
+            <a:endParaRPr lang="zh-TW" altLang="en-US"/>
+          </a:p>
+        </p:txBody>
+      </p:sp>
+      <p:sp>
+        <p:nvSpPr>
+          <p:cNvPr id="6" name="投影片編號版面配置區 5"/>
+          <p:cNvSpPr>
+            <a:spLocks noGrp="1"/>
+          </p:cNvSpPr>
+          <p:nvPr>
+            <p:ph type="sldNum" sz="quarter" idx="12"/>
+          </p:nvPr>
+        </p:nvSpPr>
+        <p:spPr/>
+        <p:txBody>
+          <a:bodyPr/>
+          <a:lstStyle/>
+          <a:p>
+            <a:fld id="{E4D7E63D-91F2-4366-A2C4-1B00C9E2590E}" type="slidenum">
+              <a:rPr lang="zh-TW" altLang="en-US" smtClean="0"/>
+              <a:pPr/>
+              <a:t>27</a:t>
+            </a:fld>
+            <a:endParaRPr lang="zh-TW" altLang="en-US"/>
+          </a:p>
+        </p:txBody>
+      </p:sp>
+      <p:pic>
+        <p:nvPicPr>
+          <p:cNvPr id="7" name="Picture 6">
+            <a:extLst>
+              <a:ext uri="{FF2B5EF4-FFF2-40B4-BE49-F238E27FC236}">
+                <a16:creationId xmlns:a16="http://schemas.microsoft.com/office/drawing/2014/main" id="{FCD4A087-E8B9-425C-A3D7-1F76A789463E}"/>
+              </a:ext>
+            </a:extLst>
+          </p:cNvPr>
+          <p:cNvPicPr>
+            <a:picLocks noChangeAspect="1"/>
+          </p:cNvPicPr>
+          <p:nvPr/>
+        </p:nvPicPr>
+        <p:blipFill>
+          <a:blip r:embed="rId2"/>
+          <a:stretch>
+            <a:fillRect/>
+          </a:stretch>
+        </p:blipFill>
+        <p:spPr>
+          <a:xfrm>
+            <a:off x="3923928" y="3695964"/>
+            <a:ext cx="1004960" cy="885164"/>
+          </a:xfrm>
+          <a:prstGeom prst="rect">
+            <a:avLst/>
+          </a:prstGeom>
+        </p:spPr>
+      </p:pic>
+    </p:spTree>
+    <p:extLst>
+      <p:ext uri="{BB962C8B-B14F-4D97-AF65-F5344CB8AC3E}">
+        <p14:creationId xmlns:p14="http://schemas.microsoft.com/office/powerpoint/2010/main" val="26531506"/>
+      </p:ext>
+    </p:extLst>
+  </p:cSld>
+  <p:clrMapOvr>
+    <a:masterClrMapping/>
+  </p:clrMapOvr>
+</p:sld>
+</file>
+
+<file path=ppt/slides/slide28.xml><?xml version="1.0" encoding="utf-8"?>
+<p:sld xmlns:a="http://schemas.openxmlformats.org/drawingml/2006/main" xmlns:r="http://schemas.openxmlformats.org/officeDocument/2006/relationships" xmlns:p="http://schemas.openxmlformats.org/presentationml/2006/main">
+  <p:cSld>
+    <p:spTree>
+      <p:nvGrpSpPr>
+        <p:cNvPr id="1" name=""/>
+        <p:cNvGrpSpPr/>
+        <p:nvPr/>
+      </p:nvGrpSpPr>
+      <p:grpSpPr>
+        <a:xfrm>
+          <a:off x="0" y="0"/>
+          <a:ext cx="0" cy="0"/>
+          <a:chOff x="0" y="0"/>
+          <a:chExt cx="0" cy="0"/>
+        </a:xfrm>
+      </p:grpSpPr>
+      <p:sp>
+        <p:nvSpPr>
+          <p:cNvPr id="2" name="標題 1"/>
+          <p:cNvSpPr>
+            <a:spLocks noGrp="1"/>
+          </p:cNvSpPr>
+          <p:nvPr>
+            <p:ph type="ctrTitle"/>
+          </p:nvPr>
+        </p:nvSpPr>
+        <p:spPr>
+          <a:xfrm>
+            <a:off x="0" y="1"/>
+            <a:ext cx="9144000" cy="764704"/>
+          </a:xfrm>
+          <a:gradFill flip="none" rotWithShape="1">
+            <a:gsLst>
+              <a:gs pos="0">
+                <a:srgbClr val="C00000">
+                  <a:shade val="30000"/>
+                  <a:satMod val="115000"/>
+                </a:srgbClr>
+              </a:gs>
+              <a:gs pos="50000">
+                <a:srgbClr val="C00000">
+                  <a:shade val="67500"/>
+                  <a:satMod val="115000"/>
+                </a:srgbClr>
+              </a:gs>
+              <a:gs pos="100000">
+                <a:srgbClr val="C00000">
+                  <a:shade val="100000"/>
+                  <a:satMod val="115000"/>
+                </a:srgbClr>
+              </a:gs>
+            </a:gsLst>
+            <a:path path="circle">
+              <a:fillToRect t="100000" r="100000"/>
+            </a:path>
+            <a:tileRect l="-100000" b="-100000"/>
+          </a:gradFill>
+        </p:spPr>
+        <p:txBody>
+          <a:bodyPr/>
+          <a:lstStyle/>
+          <a:p>
+            <a:pPr algn="l"/>
+            <a:r>
+              <a:rPr lang="en-US" altLang="zh-TW" b="1" dirty="0">
+                <a:solidFill>
+                  <a:srgbClr val="FFFF00"/>
+                </a:solidFill>
+              </a:rPr>
+              <a:t>0802.10 myexcept2.py</a:t>
+            </a:r>
+            <a:endParaRPr lang="zh-TW" altLang="en-US" b="1" dirty="0">
+              <a:solidFill>
+                <a:srgbClr val="FFFF00"/>
+              </a:solidFill>
+            </a:endParaRPr>
+          </a:p>
+        </p:txBody>
+      </p:sp>
+      <p:sp>
+        <p:nvSpPr>
+          <p:cNvPr id="3" name="副標題 2"/>
+          <p:cNvSpPr>
+            <a:spLocks noGrp="1"/>
+          </p:cNvSpPr>
+          <p:nvPr>
+            <p:ph type="subTitle" idx="1"/>
+          </p:nvPr>
+        </p:nvSpPr>
+        <p:spPr>
+          <a:xfrm>
+            <a:off x="501535" y="1372852"/>
+            <a:ext cx="1910226" cy="398616"/>
+          </a:xfrm>
+          <a:ln>
+            <a:solidFill>
+              <a:srgbClr val="C00000"/>
+            </a:solidFill>
+          </a:ln>
+        </p:spPr>
+        <p:txBody>
+          <a:bodyPr>
+            <a:noAutofit/>
+          </a:bodyPr>
+          <a:lstStyle/>
+          <a:p>
+            <a:pPr marL="342900" indent="-342900" algn="l">
+              <a:buClr>
+                <a:srgbClr val="0070C0"/>
+              </a:buClr>
+              <a:buSzPct val="80000"/>
+              <a:buFont typeface="Wingdings" pitchFamily="2" charset="2"/>
+              <a:buChar char="u"/>
+            </a:pPr>
+            <a:r>
+              <a:rPr lang="en-US" sz="1800" dirty="0">
+                <a:solidFill>
+                  <a:schemeClr val="tx1"/>
+                </a:solidFill>
+              </a:rPr>
+              <a:t>myexcept2.py</a:t>
+            </a:r>
+          </a:p>
+        </p:txBody>
+      </p:sp>
+      <p:sp>
+        <p:nvSpPr>
+          <p:cNvPr id="4" name="標題 1"/>
+          <p:cNvSpPr txBox="1">
+            <a:spLocks/>
+          </p:cNvSpPr>
+          <p:nvPr/>
+        </p:nvSpPr>
+        <p:spPr>
+          <a:xfrm>
+            <a:off x="0" y="764704"/>
+            <a:ext cx="9144000" cy="398616"/>
+          </a:xfrm>
+          <a:prstGeom prst="rect">
+            <a:avLst/>
+          </a:prstGeom>
+          <a:gradFill flip="none" rotWithShape="1">
+            <a:gsLst>
+              <a:gs pos="0">
+                <a:srgbClr val="00B0F0">
+                  <a:shade val="30000"/>
+                  <a:satMod val="115000"/>
+                </a:srgbClr>
+              </a:gs>
+              <a:gs pos="50000">
+                <a:srgbClr val="00B0F0">
+                  <a:shade val="67500"/>
+                  <a:satMod val="115000"/>
+                </a:srgbClr>
+              </a:gs>
+              <a:gs pos="100000">
+                <a:srgbClr val="00B0F0">
+                  <a:shade val="100000"/>
+                  <a:satMod val="115000"/>
+                </a:srgbClr>
+              </a:gs>
+            </a:gsLst>
+            <a:path path="circle">
+              <a:fillToRect t="100000" r="100000"/>
+            </a:path>
+            <a:tileRect l="-100000" b="-100000"/>
+          </a:gradFill>
+        </p:spPr>
+        <p:txBody>
+          <a:bodyPr vert="horz" lIns="91440" tIns="45720" rIns="91440" bIns="45720" rtlCol="0" anchor="ctr">
+            <a:normAutofit/>
+          </a:bodyPr>
+          <a:lstStyle/>
+          <a:p>
+            <a:pPr marL="0" lvl="1"/>
+            <a:r>
+              <a:rPr lang="en-US" sz="1600" dirty="0">
+                <a:hlinkClick r:id="rId2"/>
+              </a:rPr>
+              <a:t>https://www.ucsc-extension.edu/certificate-program/offering/python-programmers</a:t>
+            </a:r>
+            <a:endParaRPr lang="en-US" sz="1600" dirty="0"/>
+          </a:p>
+        </p:txBody>
+      </p:sp>
+      <p:sp>
+        <p:nvSpPr>
+          <p:cNvPr id="5" name="日期版面配置區 4"/>
+          <p:cNvSpPr>
+            <a:spLocks noGrp="1"/>
+          </p:cNvSpPr>
+          <p:nvPr>
+            <p:ph type="dt" sz="half" idx="10"/>
+          </p:nvPr>
+        </p:nvSpPr>
+        <p:spPr>
+          <a:xfrm>
+            <a:off x="457200" y="6356350"/>
+            <a:ext cx="2133600" cy="404246"/>
+          </a:xfrm>
+        </p:spPr>
+        <p:txBody>
+          <a:bodyPr/>
+          <a:lstStyle/>
+          <a:p>
+            <a:fld id="{A4F910E6-8D00-4BAF-8C48-9688E0B449D3}" type="datetime1">
+              <a:rPr lang="zh-TW" altLang="en-US" smtClean="0"/>
+              <a:pPr/>
+              <a:t>2019/6/28</a:t>
+            </a:fld>
+            <a:endParaRPr lang="zh-TW" altLang="en-US"/>
+          </a:p>
+        </p:txBody>
+      </p:sp>
+      <p:sp>
+        <p:nvSpPr>
+          <p:cNvPr id="6" name="投影片編號版面配置區 5"/>
+          <p:cNvSpPr>
+            <a:spLocks noGrp="1"/>
+          </p:cNvSpPr>
+          <p:nvPr>
+            <p:ph type="sldNum" sz="quarter" idx="12"/>
+          </p:nvPr>
+        </p:nvSpPr>
+        <p:spPr>
+          <a:xfrm>
+            <a:off x="6553200" y="6356350"/>
+            <a:ext cx="2133600" cy="404246"/>
+          </a:xfrm>
+        </p:spPr>
+        <p:txBody>
+          <a:bodyPr/>
+          <a:lstStyle/>
+          <a:p>
+            <a:fld id="{E4D7E63D-91F2-4366-A2C4-1B00C9E2590E}" type="slidenum">
+              <a:rPr lang="zh-TW" altLang="en-US" smtClean="0"/>
+              <a:pPr/>
+              <a:t>28</a:t>
+            </a:fld>
+            <a:endParaRPr lang="zh-TW" altLang="en-US"/>
+          </a:p>
+        </p:txBody>
+      </p:sp>
+      <p:pic>
+        <p:nvPicPr>
+          <p:cNvPr id="8" name="Picture 7">
+            <a:extLst>
+              <a:ext uri="{FF2B5EF4-FFF2-40B4-BE49-F238E27FC236}">
+                <a16:creationId xmlns:a16="http://schemas.microsoft.com/office/drawing/2014/main" id="{875A0EAB-5976-47A7-8B05-EA5E2C86D53C}"/>
+              </a:ext>
+            </a:extLst>
+          </p:cNvPr>
+          <p:cNvPicPr>
+            <a:picLocks noChangeAspect="1"/>
+          </p:cNvPicPr>
+          <p:nvPr/>
+        </p:nvPicPr>
+        <p:blipFill>
+          <a:blip r:embed="rId3"/>
+          <a:stretch>
+            <a:fillRect/>
+          </a:stretch>
+        </p:blipFill>
+        <p:spPr>
+          <a:xfrm>
+            <a:off x="2604265" y="1301827"/>
+            <a:ext cx="5365075" cy="4916016"/>
+          </a:xfrm>
+          <a:prstGeom prst="rect">
+            <a:avLst/>
+          </a:prstGeom>
+          <a:ln>
+            <a:solidFill>
+              <a:srgbClr val="C00000"/>
+            </a:solidFill>
+          </a:ln>
+        </p:spPr>
+      </p:pic>
+    </p:spTree>
+    <p:extLst>
+      <p:ext uri="{BB962C8B-B14F-4D97-AF65-F5344CB8AC3E}">
+        <p14:creationId xmlns:p14="http://schemas.microsoft.com/office/powerpoint/2010/main" val="811606601"/>
+      </p:ext>
+    </p:extLst>
+  </p:cSld>
+  <p:clrMapOvr>
+    <a:masterClrMapping/>
+  </p:clrMapOvr>
+</p:sld>
+</file>
+
+<file path=ppt/slides/slide29.xml><?xml version="1.0" encoding="utf-8"?>
+<p:sld xmlns:a="http://schemas.openxmlformats.org/drawingml/2006/main" xmlns:r="http://schemas.openxmlformats.org/officeDocument/2006/relationships" xmlns:p="http://schemas.openxmlformats.org/presentationml/2006/main">
+  <p:cSld>
+    <p:spTree>
+      <p:nvGrpSpPr>
+        <p:cNvPr id="1" name=""/>
+        <p:cNvGrpSpPr/>
+        <p:nvPr/>
+      </p:nvGrpSpPr>
+      <p:grpSpPr>
+        <a:xfrm>
+          <a:off x="0" y="0"/>
+          <a:ext cx="0" cy="0"/>
+          <a:chOff x="0" y="0"/>
+          <a:chExt cx="0" cy="0"/>
+        </a:xfrm>
+      </p:grpSpPr>
+      <p:sp>
+        <p:nvSpPr>
+          <p:cNvPr id="2" name="標題 1"/>
+          <p:cNvSpPr>
+            <a:spLocks noGrp="1"/>
+          </p:cNvSpPr>
+          <p:nvPr>
+            <p:ph type="ctrTitle"/>
+          </p:nvPr>
+        </p:nvSpPr>
+        <p:spPr>
+          <a:xfrm>
+            <a:off x="0" y="1"/>
+            <a:ext cx="9144000" cy="764704"/>
+          </a:xfrm>
+          <a:gradFill flip="none" rotWithShape="1">
+            <a:gsLst>
+              <a:gs pos="0">
+                <a:srgbClr val="C00000">
+                  <a:shade val="30000"/>
+                  <a:satMod val="115000"/>
+                </a:srgbClr>
+              </a:gs>
+              <a:gs pos="50000">
+                <a:srgbClr val="C00000">
+                  <a:shade val="67500"/>
+                  <a:satMod val="115000"/>
+                </a:srgbClr>
+              </a:gs>
+              <a:gs pos="100000">
+                <a:srgbClr val="C00000">
+                  <a:shade val="100000"/>
+                  <a:satMod val="115000"/>
+                </a:srgbClr>
+              </a:gs>
+            </a:gsLst>
+            <a:path path="circle">
+              <a:fillToRect t="100000" r="100000"/>
+            </a:path>
+            <a:tileRect l="-100000" b="-100000"/>
+          </a:gradFill>
+        </p:spPr>
+        <p:txBody>
+          <a:bodyPr/>
+          <a:lstStyle/>
+          <a:p>
+            <a:pPr algn="l"/>
+            <a:r>
+              <a:rPr lang="en-US" altLang="zh-TW" b="1" dirty="0">
+                <a:solidFill>
+                  <a:srgbClr val="FFFF00"/>
+                </a:solidFill>
+              </a:rPr>
+              <a:t>0802.10 myexcept2.py</a:t>
+            </a:r>
+            <a:endParaRPr lang="zh-TW" altLang="en-US" b="1" dirty="0">
+              <a:solidFill>
+                <a:srgbClr val="FFFF00"/>
+              </a:solidFill>
+            </a:endParaRPr>
+          </a:p>
+        </p:txBody>
+      </p:sp>
+      <p:sp>
+        <p:nvSpPr>
+          <p:cNvPr id="3" name="副標題 2"/>
+          <p:cNvSpPr>
+            <a:spLocks noGrp="1"/>
+          </p:cNvSpPr>
+          <p:nvPr>
+            <p:ph type="subTitle" idx="1"/>
+          </p:nvPr>
+        </p:nvSpPr>
+        <p:spPr>
+          <a:xfrm>
+            <a:off x="501535" y="1372852"/>
+            <a:ext cx="1910226" cy="398616"/>
+          </a:xfrm>
+          <a:ln>
+            <a:solidFill>
+              <a:srgbClr val="C00000"/>
+            </a:solidFill>
+          </a:ln>
+        </p:spPr>
+        <p:txBody>
+          <a:bodyPr>
+            <a:noAutofit/>
+          </a:bodyPr>
+          <a:lstStyle/>
+          <a:p>
+            <a:pPr marL="342900" indent="-342900" algn="l">
+              <a:buClr>
+                <a:srgbClr val="0070C0"/>
+              </a:buClr>
+              <a:buSzPct val="80000"/>
+              <a:buFont typeface="Wingdings" pitchFamily="2" charset="2"/>
+              <a:buChar char="u"/>
+            </a:pPr>
+            <a:r>
+              <a:rPr lang="en-US" sz="1800" dirty="0">
+                <a:solidFill>
+                  <a:schemeClr val="tx1"/>
+                </a:solidFill>
+              </a:rPr>
+              <a:t>myexcept2.py</a:t>
+            </a:r>
+          </a:p>
+        </p:txBody>
+      </p:sp>
+      <p:sp>
+        <p:nvSpPr>
+          <p:cNvPr id="4" name="標題 1"/>
+          <p:cNvSpPr txBox="1">
+            <a:spLocks/>
+          </p:cNvSpPr>
+          <p:nvPr/>
+        </p:nvSpPr>
+        <p:spPr>
+          <a:xfrm>
+            <a:off x="0" y="764704"/>
+            <a:ext cx="9144000" cy="398616"/>
+          </a:xfrm>
+          <a:prstGeom prst="rect">
+            <a:avLst/>
+          </a:prstGeom>
+          <a:gradFill flip="none" rotWithShape="1">
+            <a:gsLst>
+              <a:gs pos="0">
+                <a:srgbClr val="00B0F0">
+                  <a:shade val="30000"/>
+                  <a:satMod val="115000"/>
+                </a:srgbClr>
+              </a:gs>
+              <a:gs pos="50000">
+                <a:srgbClr val="00B0F0">
+                  <a:shade val="67500"/>
+                  <a:satMod val="115000"/>
+                </a:srgbClr>
+              </a:gs>
+              <a:gs pos="100000">
+                <a:srgbClr val="00B0F0">
+                  <a:shade val="100000"/>
+                  <a:satMod val="115000"/>
+                </a:srgbClr>
+              </a:gs>
+            </a:gsLst>
+            <a:path path="circle">
+              <a:fillToRect t="100000" r="100000"/>
+            </a:path>
+            <a:tileRect l="-100000" b="-100000"/>
+          </a:gradFill>
+        </p:spPr>
+        <p:txBody>
+          <a:bodyPr vert="horz" lIns="91440" tIns="45720" rIns="91440" bIns="45720" rtlCol="0" anchor="ctr">
+            <a:normAutofit/>
+          </a:bodyPr>
+          <a:lstStyle/>
+          <a:p>
+            <a:pPr marL="0" lvl="1"/>
+            <a:r>
+              <a:rPr lang="en-US" sz="1600" dirty="0">
+                <a:hlinkClick r:id="rId2"/>
+              </a:rPr>
+              <a:t>https://www.ucsc-extension.edu/certificate-program/offering/python-programmers</a:t>
+            </a:r>
+            <a:endParaRPr lang="en-US" sz="1600" dirty="0"/>
+          </a:p>
+        </p:txBody>
+      </p:sp>
+      <p:sp>
+        <p:nvSpPr>
+          <p:cNvPr id="5" name="日期版面配置區 4"/>
+          <p:cNvSpPr>
+            <a:spLocks noGrp="1"/>
+          </p:cNvSpPr>
+          <p:nvPr>
+            <p:ph type="dt" sz="half" idx="10"/>
+          </p:nvPr>
+        </p:nvSpPr>
+        <p:spPr>
+          <a:xfrm>
+            <a:off x="457200" y="6356350"/>
+            <a:ext cx="2133600" cy="404246"/>
+          </a:xfrm>
+        </p:spPr>
+        <p:txBody>
+          <a:bodyPr/>
+          <a:lstStyle/>
+          <a:p>
+            <a:fld id="{A4F910E6-8D00-4BAF-8C48-9688E0B449D3}" type="datetime1">
+              <a:rPr lang="zh-TW" altLang="en-US" smtClean="0"/>
+              <a:pPr/>
+              <a:t>2019/6/28</a:t>
+            </a:fld>
+            <a:endParaRPr lang="zh-TW" altLang="en-US"/>
+          </a:p>
+        </p:txBody>
+      </p:sp>
+      <p:sp>
+        <p:nvSpPr>
+          <p:cNvPr id="6" name="投影片編號版面配置區 5"/>
+          <p:cNvSpPr>
+            <a:spLocks noGrp="1"/>
+          </p:cNvSpPr>
+          <p:nvPr>
+            <p:ph type="sldNum" sz="quarter" idx="12"/>
+          </p:nvPr>
+        </p:nvSpPr>
+        <p:spPr>
+          <a:xfrm>
+            <a:off x="6553200" y="6356350"/>
+            <a:ext cx="2133600" cy="404246"/>
+          </a:xfrm>
+        </p:spPr>
+        <p:txBody>
+          <a:bodyPr/>
+          <a:lstStyle/>
+          <a:p>
+            <a:fld id="{E4D7E63D-91F2-4366-A2C4-1B00C9E2590E}" type="slidenum">
+              <a:rPr lang="zh-TW" altLang="en-US" smtClean="0"/>
+              <a:pPr/>
+              <a:t>29</a:t>
+            </a:fld>
+            <a:endParaRPr lang="zh-TW" altLang="en-US"/>
+          </a:p>
+        </p:txBody>
+      </p:sp>
+      <p:pic>
+        <p:nvPicPr>
+          <p:cNvPr id="7" name="Picture 6">
+            <a:extLst>
+              <a:ext uri="{FF2B5EF4-FFF2-40B4-BE49-F238E27FC236}">
+                <a16:creationId xmlns:a16="http://schemas.microsoft.com/office/drawing/2014/main" id="{DFD1F4FC-6FE0-4942-A75A-870D9D82CBFB}"/>
+              </a:ext>
+            </a:extLst>
+          </p:cNvPr>
+          <p:cNvPicPr>
+            <a:picLocks noChangeAspect="1"/>
+          </p:cNvPicPr>
+          <p:nvPr/>
+        </p:nvPicPr>
+        <p:blipFill>
+          <a:blip r:embed="rId3"/>
+          <a:stretch>
+            <a:fillRect/>
+          </a:stretch>
+        </p:blipFill>
+        <p:spPr>
+          <a:xfrm>
+            <a:off x="2133600" y="2181225"/>
+            <a:ext cx="4876800" cy="2495550"/>
+          </a:xfrm>
+          <a:prstGeom prst="rect">
+            <a:avLst/>
+          </a:prstGeom>
+          <a:ln>
+            <a:solidFill>
+              <a:srgbClr val="C00000"/>
+            </a:solidFill>
+          </a:ln>
+        </p:spPr>
+      </p:pic>
+    </p:spTree>
+    <p:extLst>
+      <p:ext uri="{BB962C8B-B14F-4D97-AF65-F5344CB8AC3E}">
+        <p14:creationId xmlns:p14="http://schemas.microsoft.com/office/powerpoint/2010/main" val="366523484"/>
+      </p:ext>
+    </p:extLst>
   </p:cSld>
   <p:clrMapOvr>
     <a:masterClrMapping/>
@@ -3927,22 +8859,350 @@
             <a:off x="0" y="2130425"/>
             <a:ext cx="9144000" cy="1470025"/>
           </a:xfrm>
+          <a:solidFill>
+            <a:srgbClr val="00B0F0"/>
+          </a:solidFill>
+        </p:spPr>
+        <p:txBody>
+          <a:bodyPr>
+            <a:normAutofit/>
+          </a:bodyPr>
+          <a:lstStyle/>
+          <a:p>
+            <a:r>
+              <a:rPr lang="en-US" altLang="zh-TW" sz="4800" b="1" dirty="0">
+                <a:solidFill>
+                  <a:srgbClr val="FFFF00"/>
+                </a:solidFill>
+              </a:rPr>
+              <a:t>0802.01 Lab17_1_1.py</a:t>
+            </a:r>
+            <a:endParaRPr lang="zh-TW" altLang="en-US" sz="4800" b="1" dirty="0">
+              <a:solidFill>
+                <a:srgbClr val="FFFF00"/>
+              </a:solidFill>
+            </a:endParaRPr>
+          </a:p>
+        </p:txBody>
+      </p:sp>
+      <p:sp>
+        <p:nvSpPr>
+          <p:cNvPr id="5" name="日期版面配置區 4"/>
+          <p:cNvSpPr>
+            <a:spLocks noGrp="1"/>
+          </p:cNvSpPr>
+          <p:nvPr>
+            <p:ph type="dt" sz="half" idx="10"/>
+          </p:nvPr>
+        </p:nvSpPr>
+        <p:spPr/>
+        <p:txBody>
+          <a:bodyPr/>
+          <a:lstStyle/>
+          <a:p>
+            <a:fld id="{C389EDC9-19E3-47AC-9C57-C6A24DEA81AD}" type="datetime1">
+              <a:rPr lang="zh-TW" altLang="en-US" smtClean="0"/>
+              <a:pPr/>
+              <a:t>2019/6/28</a:t>
+            </a:fld>
+            <a:endParaRPr lang="zh-TW" altLang="en-US"/>
+          </a:p>
+        </p:txBody>
+      </p:sp>
+      <p:sp>
+        <p:nvSpPr>
+          <p:cNvPr id="6" name="投影片編號版面配置區 5"/>
+          <p:cNvSpPr>
+            <a:spLocks noGrp="1"/>
+          </p:cNvSpPr>
+          <p:nvPr>
+            <p:ph type="sldNum" sz="quarter" idx="12"/>
+          </p:nvPr>
+        </p:nvSpPr>
+        <p:spPr/>
+        <p:txBody>
+          <a:bodyPr/>
+          <a:lstStyle/>
+          <a:p>
+            <a:fld id="{E4D7E63D-91F2-4366-A2C4-1B00C9E2590E}" type="slidenum">
+              <a:rPr lang="zh-TW" altLang="en-US" smtClean="0"/>
+              <a:pPr/>
+              <a:t>3</a:t>
+            </a:fld>
+            <a:endParaRPr lang="zh-TW" altLang="en-US"/>
+          </a:p>
+        </p:txBody>
+      </p:sp>
+      <p:pic>
+        <p:nvPicPr>
+          <p:cNvPr id="7" name="Picture 6">
+            <a:extLst>
+              <a:ext uri="{FF2B5EF4-FFF2-40B4-BE49-F238E27FC236}">
+                <a16:creationId xmlns:a16="http://schemas.microsoft.com/office/drawing/2014/main" id="{FCD4A087-E8B9-425C-A3D7-1F76A789463E}"/>
+              </a:ext>
+            </a:extLst>
+          </p:cNvPr>
+          <p:cNvPicPr>
+            <a:picLocks noChangeAspect="1"/>
+          </p:cNvPicPr>
+          <p:nvPr/>
+        </p:nvPicPr>
+        <p:blipFill>
+          <a:blip r:embed="rId2"/>
+          <a:stretch>
+            <a:fillRect/>
+          </a:stretch>
+        </p:blipFill>
+        <p:spPr>
+          <a:xfrm>
+            <a:off x="3923928" y="3695964"/>
+            <a:ext cx="1004960" cy="885164"/>
+          </a:xfrm>
+          <a:prstGeom prst="rect">
+            <a:avLst/>
+          </a:prstGeom>
+        </p:spPr>
+      </p:pic>
+    </p:spTree>
+    <p:extLst>
+      <p:ext uri="{BB962C8B-B14F-4D97-AF65-F5344CB8AC3E}">
+        <p14:creationId xmlns:p14="http://schemas.microsoft.com/office/powerpoint/2010/main" val="3512025984"/>
+      </p:ext>
+    </p:extLst>
+  </p:cSld>
+  <p:clrMapOvr>
+    <a:masterClrMapping/>
+  </p:clrMapOvr>
+</p:sld>
+</file>
+
+<file path=ppt/slides/slide30.xml><?xml version="1.0" encoding="utf-8"?>
+<p:sld xmlns:a="http://schemas.openxmlformats.org/drawingml/2006/main" xmlns:r="http://schemas.openxmlformats.org/officeDocument/2006/relationships" xmlns:p="http://schemas.openxmlformats.org/presentationml/2006/main">
+  <p:cSld>
+    <p:spTree>
+      <p:nvGrpSpPr>
+        <p:cNvPr id="1" name=""/>
+        <p:cNvGrpSpPr/>
+        <p:nvPr/>
+      </p:nvGrpSpPr>
+      <p:grpSpPr>
+        <a:xfrm>
+          <a:off x="0" y="0"/>
+          <a:ext cx="0" cy="0"/>
+          <a:chOff x="0" y="0"/>
+          <a:chExt cx="0" cy="0"/>
+        </a:xfrm>
+      </p:grpSpPr>
+      <p:sp>
+        <p:nvSpPr>
+          <p:cNvPr id="2" name="標題 1"/>
+          <p:cNvSpPr>
+            <a:spLocks noGrp="1"/>
+          </p:cNvSpPr>
+          <p:nvPr>
+            <p:ph type="ctrTitle"/>
+          </p:nvPr>
+        </p:nvSpPr>
+        <p:spPr>
+          <a:xfrm>
+            <a:off x="0" y="2130425"/>
+            <a:ext cx="9144000" cy="1470025"/>
+          </a:xfrm>
+          <a:solidFill>
+            <a:srgbClr val="00B0F0"/>
+          </a:solidFill>
+        </p:spPr>
+        <p:txBody>
+          <a:bodyPr>
+            <a:normAutofit/>
+          </a:bodyPr>
+          <a:lstStyle/>
+          <a:p>
+            <a:r>
+              <a:rPr lang="en-US" altLang="zh-TW" sz="4800" b="1" dirty="0">
+                <a:solidFill>
+                  <a:srgbClr val="FFFF00"/>
+                </a:solidFill>
+              </a:rPr>
+              <a:t>0802.11 myexcept3.py</a:t>
+            </a:r>
+            <a:endParaRPr lang="zh-TW" altLang="en-US" sz="4800" b="1" dirty="0">
+              <a:solidFill>
+                <a:srgbClr val="FFFF00"/>
+              </a:solidFill>
+            </a:endParaRPr>
+          </a:p>
+        </p:txBody>
+      </p:sp>
+      <p:sp>
+        <p:nvSpPr>
+          <p:cNvPr id="3" name="副標題 2"/>
+          <p:cNvSpPr>
+            <a:spLocks noGrp="1"/>
+          </p:cNvSpPr>
+          <p:nvPr>
+            <p:ph type="subTitle" idx="1"/>
+          </p:nvPr>
+        </p:nvSpPr>
+        <p:spPr>
+          <a:xfrm>
+            <a:off x="1259632" y="4581128"/>
+            <a:ext cx="6400800" cy="694928"/>
+          </a:xfrm>
+        </p:spPr>
+        <p:txBody>
+          <a:bodyPr>
+            <a:normAutofit/>
+          </a:bodyPr>
+          <a:lstStyle/>
+          <a:p>
+            <a:r>
+              <a:rPr lang="en-US" altLang="zh-TW" dirty="0"/>
+              <a:t>Peter H. Chen</a:t>
+            </a:r>
+            <a:endParaRPr lang="zh-TW" altLang="en-US" dirty="0"/>
+          </a:p>
+        </p:txBody>
+      </p:sp>
+      <p:sp>
+        <p:nvSpPr>
+          <p:cNvPr id="5" name="日期版面配置區 4"/>
+          <p:cNvSpPr>
+            <a:spLocks noGrp="1"/>
+          </p:cNvSpPr>
+          <p:nvPr>
+            <p:ph type="dt" sz="half" idx="10"/>
+          </p:nvPr>
+        </p:nvSpPr>
+        <p:spPr/>
+        <p:txBody>
+          <a:bodyPr/>
+          <a:lstStyle/>
+          <a:p>
+            <a:fld id="{C389EDC9-19E3-47AC-9C57-C6A24DEA81AD}" type="datetime1">
+              <a:rPr lang="zh-TW" altLang="en-US" smtClean="0"/>
+              <a:pPr/>
+              <a:t>2019/6/28</a:t>
+            </a:fld>
+            <a:endParaRPr lang="zh-TW" altLang="en-US"/>
+          </a:p>
+        </p:txBody>
+      </p:sp>
+      <p:sp>
+        <p:nvSpPr>
+          <p:cNvPr id="6" name="投影片編號版面配置區 5"/>
+          <p:cNvSpPr>
+            <a:spLocks noGrp="1"/>
+          </p:cNvSpPr>
+          <p:nvPr>
+            <p:ph type="sldNum" sz="quarter" idx="12"/>
+          </p:nvPr>
+        </p:nvSpPr>
+        <p:spPr/>
+        <p:txBody>
+          <a:bodyPr/>
+          <a:lstStyle/>
+          <a:p>
+            <a:fld id="{E4D7E63D-91F2-4366-A2C4-1B00C9E2590E}" type="slidenum">
+              <a:rPr lang="zh-TW" altLang="en-US" smtClean="0"/>
+              <a:pPr/>
+              <a:t>30</a:t>
+            </a:fld>
+            <a:endParaRPr lang="zh-TW" altLang="en-US"/>
+          </a:p>
+        </p:txBody>
+      </p:sp>
+      <p:pic>
+        <p:nvPicPr>
+          <p:cNvPr id="7" name="Picture 6">
+            <a:extLst>
+              <a:ext uri="{FF2B5EF4-FFF2-40B4-BE49-F238E27FC236}">
+                <a16:creationId xmlns:a16="http://schemas.microsoft.com/office/drawing/2014/main" id="{FCD4A087-E8B9-425C-A3D7-1F76A789463E}"/>
+              </a:ext>
+            </a:extLst>
+          </p:cNvPr>
+          <p:cNvPicPr>
+            <a:picLocks noChangeAspect="1"/>
+          </p:cNvPicPr>
+          <p:nvPr/>
+        </p:nvPicPr>
+        <p:blipFill>
+          <a:blip r:embed="rId2"/>
+          <a:stretch>
+            <a:fillRect/>
+          </a:stretch>
+        </p:blipFill>
+        <p:spPr>
+          <a:xfrm>
+            <a:off x="3923928" y="3695964"/>
+            <a:ext cx="1004960" cy="885164"/>
+          </a:xfrm>
+          <a:prstGeom prst="rect">
+            <a:avLst/>
+          </a:prstGeom>
+        </p:spPr>
+      </p:pic>
+    </p:spTree>
+    <p:extLst>
+      <p:ext uri="{BB962C8B-B14F-4D97-AF65-F5344CB8AC3E}">
+        <p14:creationId xmlns:p14="http://schemas.microsoft.com/office/powerpoint/2010/main" val="1785659139"/>
+      </p:ext>
+    </p:extLst>
+  </p:cSld>
+  <p:clrMapOvr>
+    <a:masterClrMapping/>
+  </p:clrMapOvr>
+</p:sld>
+</file>
+
+<file path=ppt/slides/slide31.xml><?xml version="1.0" encoding="utf-8"?>
+<p:sld xmlns:a="http://schemas.openxmlformats.org/drawingml/2006/main" xmlns:r="http://schemas.openxmlformats.org/officeDocument/2006/relationships" xmlns:p="http://schemas.openxmlformats.org/presentationml/2006/main">
+  <p:cSld>
+    <p:spTree>
+      <p:nvGrpSpPr>
+        <p:cNvPr id="1" name=""/>
+        <p:cNvGrpSpPr/>
+        <p:nvPr/>
+      </p:nvGrpSpPr>
+      <p:grpSpPr>
+        <a:xfrm>
+          <a:off x="0" y="0"/>
+          <a:ext cx="0" cy="0"/>
+          <a:chOff x="0" y="0"/>
+          <a:chExt cx="0" cy="0"/>
+        </a:xfrm>
+      </p:grpSpPr>
+      <p:sp>
+        <p:nvSpPr>
+          <p:cNvPr id="2" name="標題 1"/>
+          <p:cNvSpPr>
+            <a:spLocks noGrp="1"/>
+          </p:cNvSpPr>
+          <p:nvPr>
+            <p:ph type="ctrTitle"/>
+          </p:nvPr>
+        </p:nvSpPr>
+        <p:spPr>
+          <a:xfrm>
+            <a:off x="0" y="1"/>
+            <a:ext cx="9144000" cy="764704"/>
+          </a:xfrm>
           <a:gradFill flip="none" rotWithShape="1">
             <a:gsLst>
               <a:gs pos="0">
-                <a:srgbClr val="00B0F0">
+                <a:srgbClr val="C00000">
                   <a:shade val="30000"/>
                   <a:satMod val="115000"/>
                 </a:srgbClr>
               </a:gs>
               <a:gs pos="50000">
-                <a:srgbClr val="00B0F0">
+                <a:srgbClr val="C00000">
                   <a:shade val="67500"/>
                   <a:satMod val="115000"/>
                 </a:srgbClr>
               </a:gs>
               <a:gs pos="100000">
-                <a:srgbClr val="00B0F0">
+                <a:srgbClr val="C00000">
                   <a:shade val="100000"/>
                   <a:satMod val="115000"/>
                 </a:srgbClr>
@@ -3955,6 +9215,1621 @@
           </a:gradFill>
         </p:spPr>
         <p:txBody>
+          <a:bodyPr/>
+          <a:lstStyle/>
+          <a:p>
+            <a:pPr algn="l"/>
+            <a:r>
+              <a:rPr lang="en-US" altLang="zh-TW" b="1" dirty="0">
+                <a:solidFill>
+                  <a:srgbClr val="FFFF00"/>
+                </a:solidFill>
+              </a:rPr>
+              <a:t>0802.11 myexcept3.py</a:t>
+            </a:r>
+            <a:endParaRPr lang="zh-TW" altLang="en-US" b="1" dirty="0">
+              <a:solidFill>
+                <a:srgbClr val="FFFF00"/>
+              </a:solidFill>
+            </a:endParaRPr>
+          </a:p>
+        </p:txBody>
+      </p:sp>
+      <p:sp>
+        <p:nvSpPr>
+          <p:cNvPr id="3" name="副標題 2"/>
+          <p:cNvSpPr>
+            <a:spLocks noGrp="1"/>
+          </p:cNvSpPr>
+          <p:nvPr>
+            <p:ph type="subTitle" idx="1"/>
+          </p:nvPr>
+        </p:nvSpPr>
+        <p:spPr>
+          <a:xfrm>
+            <a:off x="501535" y="1372852"/>
+            <a:ext cx="1910226" cy="398616"/>
+          </a:xfrm>
+          <a:ln>
+            <a:solidFill>
+              <a:srgbClr val="C00000"/>
+            </a:solidFill>
+          </a:ln>
+        </p:spPr>
+        <p:txBody>
+          <a:bodyPr>
+            <a:noAutofit/>
+          </a:bodyPr>
+          <a:lstStyle/>
+          <a:p>
+            <a:pPr marL="342900" indent="-342900" algn="l">
+              <a:buClr>
+                <a:srgbClr val="0070C0"/>
+              </a:buClr>
+              <a:buSzPct val="80000"/>
+              <a:buFont typeface="Wingdings" pitchFamily="2" charset="2"/>
+              <a:buChar char="u"/>
+            </a:pPr>
+            <a:r>
+              <a:rPr lang="en-US" sz="1800" dirty="0">
+                <a:solidFill>
+                  <a:schemeClr val="tx1"/>
+                </a:solidFill>
+              </a:rPr>
+              <a:t>myexcept3.py</a:t>
+            </a:r>
+          </a:p>
+        </p:txBody>
+      </p:sp>
+      <p:sp>
+        <p:nvSpPr>
+          <p:cNvPr id="4" name="標題 1"/>
+          <p:cNvSpPr txBox="1">
+            <a:spLocks/>
+          </p:cNvSpPr>
+          <p:nvPr/>
+        </p:nvSpPr>
+        <p:spPr>
+          <a:xfrm>
+            <a:off x="0" y="764704"/>
+            <a:ext cx="9144000" cy="398616"/>
+          </a:xfrm>
+          <a:prstGeom prst="rect">
+            <a:avLst/>
+          </a:prstGeom>
+          <a:gradFill flip="none" rotWithShape="1">
+            <a:gsLst>
+              <a:gs pos="0">
+                <a:srgbClr val="00B0F0">
+                  <a:shade val="30000"/>
+                  <a:satMod val="115000"/>
+                </a:srgbClr>
+              </a:gs>
+              <a:gs pos="50000">
+                <a:srgbClr val="00B0F0">
+                  <a:shade val="67500"/>
+                  <a:satMod val="115000"/>
+                </a:srgbClr>
+              </a:gs>
+              <a:gs pos="100000">
+                <a:srgbClr val="00B0F0">
+                  <a:shade val="100000"/>
+                  <a:satMod val="115000"/>
+                </a:srgbClr>
+              </a:gs>
+            </a:gsLst>
+            <a:path path="circle">
+              <a:fillToRect t="100000" r="100000"/>
+            </a:path>
+            <a:tileRect l="-100000" b="-100000"/>
+          </a:gradFill>
+        </p:spPr>
+        <p:txBody>
+          <a:bodyPr vert="horz" lIns="91440" tIns="45720" rIns="91440" bIns="45720" rtlCol="0" anchor="ctr">
+            <a:normAutofit/>
+          </a:bodyPr>
+          <a:lstStyle/>
+          <a:p>
+            <a:pPr marL="0" lvl="1"/>
+            <a:r>
+              <a:rPr lang="en-US" sz="1600" dirty="0">
+                <a:hlinkClick r:id="rId2"/>
+              </a:rPr>
+              <a:t>https://www.ucsc-extension.edu/certificate-program/offering/python-programmers</a:t>
+            </a:r>
+            <a:endParaRPr lang="en-US" sz="1600" dirty="0"/>
+          </a:p>
+        </p:txBody>
+      </p:sp>
+      <p:sp>
+        <p:nvSpPr>
+          <p:cNvPr id="5" name="日期版面配置區 4"/>
+          <p:cNvSpPr>
+            <a:spLocks noGrp="1"/>
+          </p:cNvSpPr>
+          <p:nvPr>
+            <p:ph type="dt" sz="half" idx="10"/>
+          </p:nvPr>
+        </p:nvSpPr>
+        <p:spPr>
+          <a:xfrm>
+            <a:off x="457200" y="6356350"/>
+            <a:ext cx="2133600" cy="404246"/>
+          </a:xfrm>
+        </p:spPr>
+        <p:txBody>
+          <a:bodyPr/>
+          <a:lstStyle/>
+          <a:p>
+            <a:fld id="{A4F910E6-8D00-4BAF-8C48-9688E0B449D3}" type="datetime1">
+              <a:rPr lang="zh-TW" altLang="en-US" smtClean="0"/>
+              <a:pPr/>
+              <a:t>2019/6/28</a:t>
+            </a:fld>
+            <a:endParaRPr lang="zh-TW" altLang="en-US"/>
+          </a:p>
+        </p:txBody>
+      </p:sp>
+      <p:sp>
+        <p:nvSpPr>
+          <p:cNvPr id="6" name="投影片編號版面配置區 5"/>
+          <p:cNvSpPr>
+            <a:spLocks noGrp="1"/>
+          </p:cNvSpPr>
+          <p:nvPr>
+            <p:ph type="sldNum" sz="quarter" idx="12"/>
+          </p:nvPr>
+        </p:nvSpPr>
+        <p:spPr>
+          <a:xfrm>
+            <a:off x="6553200" y="6356350"/>
+            <a:ext cx="2133600" cy="404246"/>
+          </a:xfrm>
+        </p:spPr>
+        <p:txBody>
+          <a:bodyPr/>
+          <a:lstStyle/>
+          <a:p>
+            <a:fld id="{E4D7E63D-91F2-4366-A2C4-1B00C9E2590E}" type="slidenum">
+              <a:rPr lang="zh-TW" altLang="en-US" smtClean="0"/>
+              <a:pPr/>
+              <a:t>31</a:t>
+            </a:fld>
+            <a:endParaRPr lang="zh-TW" altLang="en-US"/>
+          </a:p>
+        </p:txBody>
+      </p:sp>
+      <p:pic>
+        <p:nvPicPr>
+          <p:cNvPr id="7" name="Picture 6">
+            <a:extLst>
+              <a:ext uri="{FF2B5EF4-FFF2-40B4-BE49-F238E27FC236}">
+                <a16:creationId xmlns:a16="http://schemas.microsoft.com/office/drawing/2014/main" id="{B66C243C-C180-469E-BE58-0C04B9009E46}"/>
+              </a:ext>
+            </a:extLst>
+          </p:cNvPr>
+          <p:cNvPicPr>
+            <a:picLocks noChangeAspect="1"/>
+          </p:cNvPicPr>
+          <p:nvPr/>
+        </p:nvPicPr>
+        <p:blipFill>
+          <a:blip r:embed="rId3"/>
+          <a:stretch>
+            <a:fillRect/>
+          </a:stretch>
+        </p:blipFill>
+        <p:spPr>
+          <a:xfrm>
+            <a:off x="2843808" y="1226923"/>
+            <a:ext cx="3964406" cy="5345832"/>
+          </a:xfrm>
+          <a:prstGeom prst="rect">
+            <a:avLst/>
+          </a:prstGeom>
+          <a:ln>
+            <a:solidFill>
+              <a:srgbClr val="C00000"/>
+            </a:solidFill>
+          </a:ln>
+        </p:spPr>
+      </p:pic>
+    </p:spTree>
+    <p:extLst>
+      <p:ext uri="{BB962C8B-B14F-4D97-AF65-F5344CB8AC3E}">
+        <p14:creationId xmlns:p14="http://schemas.microsoft.com/office/powerpoint/2010/main" val="1749896600"/>
+      </p:ext>
+    </p:extLst>
+  </p:cSld>
+  <p:clrMapOvr>
+    <a:masterClrMapping/>
+  </p:clrMapOvr>
+</p:sld>
+</file>
+
+<file path=ppt/slides/slide32.xml><?xml version="1.0" encoding="utf-8"?>
+<p:sld xmlns:a="http://schemas.openxmlformats.org/drawingml/2006/main" xmlns:r="http://schemas.openxmlformats.org/officeDocument/2006/relationships" xmlns:p="http://schemas.openxmlformats.org/presentationml/2006/main">
+  <p:cSld>
+    <p:spTree>
+      <p:nvGrpSpPr>
+        <p:cNvPr id="1" name=""/>
+        <p:cNvGrpSpPr/>
+        <p:nvPr/>
+      </p:nvGrpSpPr>
+      <p:grpSpPr>
+        <a:xfrm>
+          <a:off x="0" y="0"/>
+          <a:ext cx="0" cy="0"/>
+          <a:chOff x="0" y="0"/>
+          <a:chExt cx="0" cy="0"/>
+        </a:xfrm>
+      </p:grpSpPr>
+      <p:sp>
+        <p:nvSpPr>
+          <p:cNvPr id="2" name="標題 1"/>
+          <p:cNvSpPr>
+            <a:spLocks noGrp="1"/>
+          </p:cNvSpPr>
+          <p:nvPr>
+            <p:ph type="ctrTitle"/>
+          </p:nvPr>
+        </p:nvSpPr>
+        <p:spPr>
+          <a:xfrm>
+            <a:off x="0" y="2130425"/>
+            <a:ext cx="9144000" cy="1470025"/>
+          </a:xfrm>
+          <a:solidFill>
+            <a:srgbClr val="00B0F0"/>
+          </a:solidFill>
+        </p:spPr>
+        <p:txBody>
+          <a:bodyPr>
+            <a:normAutofit/>
+          </a:bodyPr>
+          <a:lstStyle/>
+          <a:p>
+            <a:r>
+              <a:rPr lang="en-US" altLang="zh-TW" sz="4800" b="1" dirty="0">
+                <a:solidFill>
+                  <a:srgbClr val="FFFF00"/>
+                </a:solidFill>
+              </a:rPr>
+              <a:t>0802.12 manynames.py</a:t>
+            </a:r>
+            <a:endParaRPr lang="zh-TW" altLang="en-US" sz="4800" b="1" dirty="0">
+              <a:solidFill>
+                <a:srgbClr val="FFFF00"/>
+              </a:solidFill>
+            </a:endParaRPr>
+          </a:p>
+        </p:txBody>
+      </p:sp>
+      <p:sp>
+        <p:nvSpPr>
+          <p:cNvPr id="5" name="日期版面配置區 4"/>
+          <p:cNvSpPr>
+            <a:spLocks noGrp="1"/>
+          </p:cNvSpPr>
+          <p:nvPr>
+            <p:ph type="dt" sz="half" idx="10"/>
+          </p:nvPr>
+        </p:nvSpPr>
+        <p:spPr/>
+        <p:txBody>
+          <a:bodyPr/>
+          <a:lstStyle/>
+          <a:p>
+            <a:fld id="{C389EDC9-19E3-47AC-9C57-C6A24DEA81AD}" type="datetime1">
+              <a:rPr lang="zh-TW" altLang="en-US" smtClean="0"/>
+              <a:pPr/>
+              <a:t>2019/6/28</a:t>
+            </a:fld>
+            <a:endParaRPr lang="zh-TW" altLang="en-US"/>
+          </a:p>
+        </p:txBody>
+      </p:sp>
+      <p:sp>
+        <p:nvSpPr>
+          <p:cNvPr id="6" name="投影片編號版面配置區 5"/>
+          <p:cNvSpPr>
+            <a:spLocks noGrp="1"/>
+          </p:cNvSpPr>
+          <p:nvPr>
+            <p:ph type="sldNum" sz="quarter" idx="12"/>
+          </p:nvPr>
+        </p:nvSpPr>
+        <p:spPr/>
+        <p:txBody>
+          <a:bodyPr/>
+          <a:lstStyle/>
+          <a:p>
+            <a:fld id="{E4D7E63D-91F2-4366-A2C4-1B00C9E2590E}" type="slidenum">
+              <a:rPr lang="zh-TW" altLang="en-US" smtClean="0"/>
+              <a:pPr/>
+              <a:t>32</a:t>
+            </a:fld>
+            <a:endParaRPr lang="zh-TW" altLang="en-US"/>
+          </a:p>
+        </p:txBody>
+      </p:sp>
+      <p:pic>
+        <p:nvPicPr>
+          <p:cNvPr id="7" name="Picture 6">
+            <a:extLst>
+              <a:ext uri="{FF2B5EF4-FFF2-40B4-BE49-F238E27FC236}">
+                <a16:creationId xmlns:a16="http://schemas.microsoft.com/office/drawing/2014/main" id="{FCD4A087-E8B9-425C-A3D7-1F76A789463E}"/>
+              </a:ext>
+            </a:extLst>
+          </p:cNvPr>
+          <p:cNvPicPr>
+            <a:picLocks noChangeAspect="1"/>
+          </p:cNvPicPr>
+          <p:nvPr/>
+        </p:nvPicPr>
+        <p:blipFill>
+          <a:blip r:embed="rId2"/>
+          <a:stretch>
+            <a:fillRect/>
+          </a:stretch>
+        </p:blipFill>
+        <p:spPr>
+          <a:xfrm>
+            <a:off x="3923928" y="3695964"/>
+            <a:ext cx="1004960" cy="885164"/>
+          </a:xfrm>
+          <a:prstGeom prst="rect">
+            <a:avLst/>
+          </a:prstGeom>
+        </p:spPr>
+      </p:pic>
+    </p:spTree>
+    <p:extLst>
+      <p:ext uri="{BB962C8B-B14F-4D97-AF65-F5344CB8AC3E}">
+        <p14:creationId xmlns:p14="http://schemas.microsoft.com/office/powerpoint/2010/main" val="3453483308"/>
+      </p:ext>
+    </p:extLst>
+  </p:cSld>
+  <p:clrMapOvr>
+    <a:masterClrMapping/>
+  </p:clrMapOvr>
+</p:sld>
+</file>
+
+<file path=ppt/slides/slide33.xml><?xml version="1.0" encoding="utf-8"?>
+<p:sld xmlns:a="http://schemas.openxmlformats.org/drawingml/2006/main" xmlns:r="http://schemas.openxmlformats.org/officeDocument/2006/relationships" xmlns:p="http://schemas.openxmlformats.org/presentationml/2006/main">
+  <p:cSld>
+    <p:spTree>
+      <p:nvGrpSpPr>
+        <p:cNvPr id="1" name=""/>
+        <p:cNvGrpSpPr/>
+        <p:nvPr/>
+      </p:nvGrpSpPr>
+      <p:grpSpPr>
+        <a:xfrm>
+          <a:off x="0" y="0"/>
+          <a:ext cx="0" cy="0"/>
+          <a:chOff x="0" y="0"/>
+          <a:chExt cx="0" cy="0"/>
+        </a:xfrm>
+      </p:grpSpPr>
+      <p:sp>
+        <p:nvSpPr>
+          <p:cNvPr id="2" name="標題 1"/>
+          <p:cNvSpPr>
+            <a:spLocks noGrp="1"/>
+          </p:cNvSpPr>
+          <p:nvPr>
+            <p:ph type="ctrTitle"/>
+          </p:nvPr>
+        </p:nvSpPr>
+        <p:spPr>
+          <a:xfrm>
+            <a:off x="0" y="1"/>
+            <a:ext cx="9144000" cy="764704"/>
+          </a:xfrm>
+          <a:gradFill flip="none" rotWithShape="1">
+            <a:gsLst>
+              <a:gs pos="0">
+                <a:srgbClr val="C00000">
+                  <a:shade val="30000"/>
+                  <a:satMod val="115000"/>
+                </a:srgbClr>
+              </a:gs>
+              <a:gs pos="50000">
+                <a:srgbClr val="C00000">
+                  <a:shade val="67500"/>
+                  <a:satMod val="115000"/>
+                </a:srgbClr>
+              </a:gs>
+              <a:gs pos="100000">
+                <a:srgbClr val="C00000">
+                  <a:shade val="100000"/>
+                  <a:satMod val="115000"/>
+                </a:srgbClr>
+              </a:gs>
+            </a:gsLst>
+            <a:path path="circle">
+              <a:fillToRect t="100000" r="100000"/>
+            </a:path>
+            <a:tileRect l="-100000" b="-100000"/>
+          </a:gradFill>
+        </p:spPr>
+        <p:txBody>
+          <a:bodyPr/>
+          <a:lstStyle/>
+          <a:p>
+            <a:pPr algn="l"/>
+            <a:r>
+              <a:rPr lang="en-US" altLang="zh-TW" b="1" dirty="0">
+                <a:solidFill>
+                  <a:srgbClr val="FFFF00"/>
+                </a:solidFill>
+              </a:rPr>
+              <a:t>0802.12 manaynames.py</a:t>
+            </a:r>
+            <a:endParaRPr lang="zh-TW" altLang="en-US" b="1" dirty="0">
+              <a:solidFill>
+                <a:srgbClr val="FFFF00"/>
+              </a:solidFill>
+            </a:endParaRPr>
+          </a:p>
+        </p:txBody>
+      </p:sp>
+      <p:sp>
+        <p:nvSpPr>
+          <p:cNvPr id="3" name="副標題 2"/>
+          <p:cNvSpPr>
+            <a:spLocks noGrp="1"/>
+          </p:cNvSpPr>
+          <p:nvPr>
+            <p:ph type="subTitle" idx="1"/>
+          </p:nvPr>
+        </p:nvSpPr>
+        <p:spPr>
+          <a:xfrm>
+            <a:off x="501534" y="1372852"/>
+            <a:ext cx="2133599" cy="398616"/>
+          </a:xfrm>
+          <a:ln>
+            <a:solidFill>
+              <a:srgbClr val="C00000"/>
+            </a:solidFill>
+          </a:ln>
+        </p:spPr>
+        <p:txBody>
+          <a:bodyPr>
+            <a:noAutofit/>
+          </a:bodyPr>
+          <a:lstStyle/>
+          <a:p>
+            <a:pPr marL="342900" indent="-342900" algn="l">
+              <a:buClr>
+                <a:srgbClr val="0070C0"/>
+              </a:buClr>
+              <a:buSzPct val="80000"/>
+              <a:buFont typeface="Wingdings" pitchFamily="2" charset="2"/>
+              <a:buChar char="u"/>
+            </a:pPr>
+            <a:r>
+              <a:rPr lang="en-US" sz="1800" dirty="0">
+                <a:solidFill>
+                  <a:schemeClr val="tx1"/>
+                </a:solidFill>
+              </a:rPr>
+              <a:t>manynames.py</a:t>
+            </a:r>
+          </a:p>
+        </p:txBody>
+      </p:sp>
+      <p:sp>
+        <p:nvSpPr>
+          <p:cNvPr id="4" name="標題 1"/>
+          <p:cNvSpPr txBox="1">
+            <a:spLocks/>
+          </p:cNvSpPr>
+          <p:nvPr/>
+        </p:nvSpPr>
+        <p:spPr>
+          <a:xfrm>
+            <a:off x="0" y="764704"/>
+            <a:ext cx="9144000" cy="398616"/>
+          </a:xfrm>
+          <a:prstGeom prst="rect">
+            <a:avLst/>
+          </a:prstGeom>
+          <a:gradFill flip="none" rotWithShape="1">
+            <a:gsLst>
+              <a:gs pos="0">
+                <a:srgbClr val="00B0F0">
+                  <a:shade val="30000"/>
+                  <a:satMod val="115000"/>
+                </a:srgbClr>
+              </a:gs>
+              <a:gs pos="50000">
+                <a:srgbClr val="00B0F0">
+                  <a:shade val="67500"/>
+                  <a:satMod val="115000"/>
+                </a:srgbClr>
+              </a:gs>
+              <a:gs pos="100000">
+                <a:srgbClr val="00B0F0">
+                  <a:shade val="100000"/>
+                  <a:satMod val="115000"/>
+                </a:srgbClr>
+              </a:gs>
+            </a:gsLst>
+            <a:path path="circle">
+              <a:fillToRect t="100000" r="100000"/>
+            </a:path>
+            <a:tileRect l="-100000" b="-100000"/>
+          </a:gradFill>
+        </p:spPr>
+        <p:txBody>
+          <a:bodyPr vert="horz" lIns="91440" tIns="45720" rIns="91440" bIns="45720" rtlCol="0" anchor="ctr">
+            <a:normAutofit/>
+          </a:bodyPr>
+          <a:lstStyle/>
+          <a:p>
+            <a:pPr marL="0" lvl="1"/>
+            <a:r>
+              <a:rPr lang="en-US" sz="1600" dirty="0">
+                <a:hlinkClick r:id="rId2"/>
+              </a:rPr>
+              <a:t>https://www.ucsc-extension.edu/certificate-program/offering/python-programmers</a:t>
+            </a:r>
+            <a:endParaRPr lang="en-US" sz="1600" dirty="0"/>
+          </a:p>
+        </p:txBody>
+      </p:sp>
+      <p:sp>
+        <p:nvSpPr>
+          <p:cNvPr id="5" name="日期版面配置區 4"/>
+          <p:cNvSpPr>
+            <a:spLocks noGrp="1"/>
+          </p:cNvSpPr>
+          <p:nvPr>
+            <p:ph type="dt" sz="half" idx="10"/>
+          </p:nvPr>
+        </p:nvSpPr>
+        <p:spPr>
+          <a:xfrm>
+            <a:off x="457200" y="6356350"/>
+            <a:ext cx="2133600" cy="404246"/>
+          </a:xfrm>
+        </p:spPr>
+        <p:txBody>
+          <a:bodyPr/>
+          <a:lstStyle/>
+          <a:p>
+            <a:fld id="{A4F910E6-8D00-4BAF-8C48-9688E0B449D3}" type="datetime1">
+              <a:rPr lang="zh-TW" altLang="en-US" smtClean="0"/>
+              <a:pPr/>
+              <a:t>2019/6/28</a:t>
+            </a:fld>
+            <a:endParaRPr lang="zh-TW" altLang="en-US"/>
+          </a:p>
+        </p:txBody>
+      </p:sp>
+      <p:sp>
+        <p:nvSpPr>
+          <p:cNvPr id="6" name="投影片編號版面配置區 5"/>
+          <p:cNvSpPr>
+            <a:spLocks noGrp="1"/>
+          </p:cNvSpPr>
+          <p:nvPr>
+            <p:ph type="sldNum" sz="quarter" idx="12"/>
+          </p:nvPr>
+        </p:nvSpPr>
+        <p:spPr>
+          <a:xfrm>
+            <a:off x="6553200" y="6356350"/>
+            <a:ext cx="2133600" cy="404246"/>
+          </a:xfrm>
+        </p:spPr>
+        <p:txBody>
+          <a:bodyPr/>
+          <a:lstStyle/>
+          <a:p>
+            <a:fld id="{E4D7E63D-91F2-4366-A2C4-1B00C9E2590E}" type="slidenum">
+              <a:rPr lang="zh-TW" altLang="en-US" smtClean="0"/>
+              <a:pPr/>
+              <a:t>33</a:t>
+            </a:fld>
+            <a:endParaRPr lang="zh-TW" altLang="en-US"/>
+          </a:p>
+        </p:txBody>
+      </p:sp>
+      <p:pic>
+        <p:nvPicPr>
+          <p:cNvPr id="8" name="Picture 7">
+            <a:extLst>
+              <a:ext uri="{FF2B5EF4-FFF2-40B4-BE49-F238E27FC236}">
+                <a16:creationId xmlns:a16="http://schemas.microsoft.com/office/drawing/2014/main" id="{CE944B86-6489-4103-99D7-32959DA40747}"/>
+              </a:ext>
+            </a:extLst>
+          </p:cNvPr>
+          <p:cNvPicPr>
+            <a:picLocks noChangeAspect="1"/>
+          </p:cNvPicPr>
+          <p:nvPr/>
+        </p:nvPicPr>
+        <p:blipFill>
+          <a:blip r:embed="rId3"/>
+          <a:stretch>
+            <a:fillRect/>
+          </a:stretch>
+        </p:blipFill>
+        <p:spPr>
+          <a:xfrm>
+            <a:off x="3059832" y="1150779"/>
+            <a:ext cx="3793967" cy="5707220"/>
+          </a:xfrm>
+          <a:prstGeom prst="rect">
+            <a:avLst/>
+          </a:prstGeom>
+          <a:ln>
+            <a:solidFill>
+              <a:srgbClr val="C00000"/>
+            </a:solidFill>
+          </a:ln>
+        </p:spPr>
+      </p:pic>
+    </p:spTree>
+    <p:extLst>
+      <p:ext uri="{BB962C8B-B14F-4D97-AF65-F5344CB8AC3E}">
+        <p14:creationId xmlns:p14="http://schemas.microsoft.com/office/powerpoint/2010/main" val="3032282094"/>
+      </p:ext>
+    </p:extLst>
+  </p:cSld>
+  <p:clrMapOvr>
+    <a:masterClrMapping/>
+  </p:clrMapOvr>
+</p:sld>
+</file>
+
+<file path=ppt/slides/slide34.xml><?xml version="1.0" encoding="utf-8"?>
+<p:sld xmlns:a="http://schemas.openxmlformats.org/drawingml/2006/main" xmlns:r="http://schemas.openxmlformats.org/officeDocument/2006/relationships" xmlns:p="http://schemas.openxmlformats.org/presentationml/2006/main">
+  <p:cSld>
+    <p:spTree>
+      <p:nvGrpSpPr>
+        <p:cNvPr id="1" name=""/>
+        <p:cNvGrpSpPr/>
+        <p:nvPr/>
+      </p:nvGrpSpPr>
+      <p:grpSpPr>
+        <a:xfrm>
+          <a:off x="0" y="0"/>
+          <a:ext cx="0" cy="0"/>
+          <a:chOff x="0" y="0"/>
+          <a:chExt cx="0" cy="0"/>
+        </a:xfrm>
+      </p:grpSpPr>
+      <p:sp>
+        <p:nvSpPr>
+          <p:cNvPr id="2" name="標題 1"/>
+          <p:cNvSpPr>
+            <a:spLocks noGrp="1"/>
+          </p:cNvSpPr>
+          <p:nvPr>
+            <p:ph type="ctrTitle"/>
+          </p:nvPr>
+        </p:nvSpPr>
+        <p:spPr>
+          <a:xfrm>
+            <a:off x="0" y="2130425"/>
+            <a:ext cx="9144000" cy="1470025"/>
+          </a:xfrm>
+          <a:solidFill>
+            <a:srgbClr val="00B0F0"/>
+          </a:solidFill>
+        </p:spPr>
+        <p:txBody>
+          <a:bodyPr>
+            <a:normAutofit/>
+          </a:bodyPr>
+          <a:lstStyle/>
+          <a:p>
+            <a:r>
+              <a:rPr lang="en-US" altLang="zh-TW" sz="4800" b="1" dirty="0">
+                <a:solidFill>
+                  <a:srgbClr val="FFFF00"/>
+                </a:solidFill>
+              </a:rPr>
+              <a:t>0802.13 function_nest.py</a:t>
+            </a:r>
+            <a:endParaRPr lang="zh-TW" altLang="en-US" sz="4800" b="1" dirty="0">
+              <a:solidFill>
+                <a:srgbClr val="FFFF00"/>
+              </a:solidFill>
+            </a:endParaRPr>
+          </a:p>
+        </p:txBody>
+      </p:sp>
+      <p:sp>
+        <p:nvSpPr>
+          <p:cNvPr id="5" name="日期版面配置區 4"/>
+          <p:cNvSpPr>
+            <a:spLocks noGrp="1"/>
+          </p:cNvSpPr>
+          <p:nvPr>
+            <p:ph type="dt" sz="half" idx="10"/>
+          </p:nvPr>
+        </p:nvSpPr>
+        <p:spPr/>
+        <p:txBody>
+          <a:bodyPr/>
+          <a:lstStyle/>
+          <a:p>
+            <a:fld id="{C389EDC9-19E3-47AC-9C57-C6A24DEA81AD}" type="datetime1">
+              <a:rPr lang="zh-TW" altLang="en-US" smtClean="0"/>
+              <a:pPr/>
+              <a:t>2019/6/28</a:t>
+            </a:fld>
+            <a:endParaRPr lang="zh-TW" altLang="en-US"/>
+          </a:p>
+        </p:txBody>
+      </p:sp>
+      <p:sp>
+        <p:nvSpPr>
+          <p:cNvPr id="6" name="投影片編號版面配置區 5"/>
+          <p:cNvSpPr>
+            <a:spLocks noGrp="1"/>
+          </p:cNvSpPr>
+          <p:nvPr>
+            <p:ph type="sldNum" sz="quarter" idx="12"/>
+          </p:nvPr>
+        </p:nvSpPr>
+        <p:spPr/>
+        <p:txBody>
+          <a:bodyPr/>
+          <a:lstStyle/>
+          <a:p>
+            <a:fld id="{E4D7E63D-91F2-4366-A2C4-1B00C9E2590E}" type="slidenum">
+              <a:rPr lang="zh-TW" altLang="en-US" smtClean="0"/>
+              <a:pPr/>
+              <a:t>34</a:t>
+            </a:fld>
+            <a:endParaRPr lang="zh-TW" altLang="en-US"/>
+          </a:p>
+        </p:txBody>
+      </p:sp>
+      <p:pic>
+        <p:nvPicPr>
+          <p:cNvPr id="7" name="Picture 6">
+            <a:extLst>
+              <a:ext uri="{FF2B5EF4-FFF2-40B4-BE49-F238E27FC236}">
+                <a16:creationId xmlns:a16="http://schemas.microsoft.com/office/drawing/2014/main" id="{FCD4A087-E8B9-425C-A3D7-1F76A789463E}"/>
+              </a:ext>
+            </a:extLst>
+          </p:cNvPr>
+          <p:cNvPicPr>
+            <a:picLocks noChangeAspect="1"/>
+          </p:cNvPicPr>
+          <p:nvPr/>
+        </p:nvPicPr>
+        <p:blipFill>
+          <a:blip r:embed="rId2"/>
+          <a:stretch>
+            <a:fillRect/>
+          </a:stretch>
+        </p:blipFill>
+        <p:spPr>
+          <a:xfrm>
+            <a:off x="3923928" y="3695964"/>
+            <a:ext cx="1004960" cy="885164"/>
+          </a:xfrm>
+          <a:prstGeom prst="rect">
+            <a:avLst/>
+          </a:prstGeom>
+        </p:spPr>
+      </p:pic>
+    </p:spTree>
+    <p:extLst>
+      <p:ext uri="{BB962C8B-B14F-4D97-AF65-F5344CB8AC3E}">
+        <p14:creationId xmlns:p14="http://schemas.microsoft.com/office/powerpoint/2010/main" val="283823692"/>
+      </p:ext>
+    </p:extLst>
+  </p:cSld>
+  <p:clrMapOvr>
+    <a:masterClrMapping/>
+  </p:clrMapOvr>
+</p:sld>
+</file>
+
+<file path=ppt/slides/slide35.xml><?xml version="1.0" encoding="utf-8"?>
+<p:sld xmlns:a="http://schemas.openxmlformats.org/drawingml/2006/main" xmlns:r="http://schemas.openxmlformats.org/officeDocument/2006/relationships" xmlns:p="http://schemas.openxmlformats.org/presentationml/2006/main">
+  <p:cSld>
+    <p:spTree>
+      <p:nvGrpSpPr>
+        <p:cNvPr id="1" name=""/>
+        <p:cNvGrpSpPr/>
+        <p:nvPr/>
+      </p:nvGrpSpPr>
+      <p:grpSpPr>
+        <a:xfrm>
+          <a:off x="0" y="0"/>
+          <a:ext cx="0" cy="0"/>
+          <a:chOff x="0" y="0"/>
+          <a:chExt cx="0" cy="0"/>
+        </a:xfrm>
+      </p:grpSpPr>
+      <p:sp>
+        <p:nvSpPr>
+          <p:cNvPr id="2" name="標題 1"/>
+          <p:cNvSpPr>
+            <a:spLocks noGrp="1"/>
+          </p:cNvSpPr>
+          <p:nvPr>
+            <p:ph type="ctrTitle"/>
+          </p:nvPr>
+        </p:nvSpPr>
+        <p:spPr>
+          <a:xfrm>
+            <a:off x="0" y="1"/>
+            <a:ext cx="9144000" cy="764704"/>
+          </a:xfrm>
+          <a:gradFill flip="none" rotWithShape="1">
+            <a:gsLst>
+              <a:gs pos="0">
+                <a:srgbClr val="C00000">
+                  <a:shade val="30000"/>
+                  <a:satMod val="115000"/>
+                </a:srgbClr>
+              </a:gs>
+              <a:gs pos="50000">
+                <a:srgbClr val="C00000">
+                  <a:shade val="67500"/>
+                  <a:satMod val="115000"/>
+                </a:srgbClr>
+              </a:gs>
+              <a:gs pos="100000">
+                <a:srgbClr val="C00000">
+                  <a:shade val="100000"/>
+                  <a:satMod val="115000"/>
+                </a:srgbClr>
+              </a:gs>
+            </a:gsLst>
+            <a:path path="circle">
+              <a:fillToRect t="100000" r="100000"/>
+            </a:path>
+            <a:tileRect l="-100000" b="-100000"/>
+          </a:gradFill>
+        </p:spPr>
+        <p:txBody>
+          <a:bodyPr/>
+          <a:lstStyle/>
+          <a:p>
+            <a:pPr algn="l"/>
+            <a:r>
+              <a:rPr lang="en-US" altLang="zh-TW" b="1" dirty="0">
+                <a:solidFill>
+                  <a:srgbClr val="FFFF00"/>
+                </a:solidFill>
+              </a:rPr>
+              <a:t>0802.13 function_nest.py</a:t>
+            </a:r>
+            <a:endParaRPr lang="zh-TW" altLang="en-US" b="1" dirty="0">
+              <a:solidFill>
+                <a:srgbClr val="FFFF00"/>
+              </a:solidFill>
+            </a:endParaRPr>
+          </a:p>
+        </p:txBody>
+      </p:sp>
+      <p:sp>
+        <p:nvSpPr>
+          <p:cNvPr id="3" name="副標題 2"/>
+          <p:cNvSpPr>
+            <a:spLocks noGrp="1"/>
+          </p:cNvSpPr>
+          <p:nvPr>
+            <p:ph type="subTitle" idx="1"/>
+          </p:nvPr>
+        </p:nvSpPr>
+        <p:spPr>
+          <a:xfrm>
+            <a:off x="501534" y="1372852"/>
+            <a:ext cx="2133599" cy="398616"/>
+          </a:xfrm>
+          <a:ln>
+            <a:solidFill>
+              <a:srgbClr val="C00000"/>
+            </a:solidFill>
+          </a:ln>
+        </p:spPr>
+        <p:txBody>
+          <a:bodyPr>
+            <a:noAutofit/>
+          </a:bodyPr>
+          <a:lstStyle/>
+          <a:p>
+            <a:pPr marL="342900" indent="-342900" algn="l">
+              <a:buClr>
+                <a:srgbClr val="0070C0"/>
+              </a:buClr>
+              <a:buSzPct val="80000"/>
+              <a:buFont typeface="Wingdings" pitchFamily="2" charset="2"/>
+              <a:buChar char="u"/>
+            </a:pPr>
+            <a:r>
+              <a:rPr lang="en-US" sz="1800" dirty="0">
+                <a:solidFill>
+                  <a:schemeClr val="tx1"/>
+                </a:solidFill>
+              </a:rPr>
+              <a:t>Function_nest.py</a:t>
+            </a:r>
+          </a:p>
+        </p:txBody>
+      </p:sp>
+      <p:sp>
+        <p:nvSpPr>
+          <p:cNvPr id="4" name="標題 1"/>
+          <p:cNvSpPr txBox="1">
+            <a:spLocks/>
+          </p:cNvSpPr>
+          <p:nvPr/>
+        </p:nvSpPr>
+        <p:spPr>
+          <a:xfrm>
+            <a:off x="0" y="764704"/>
+            <a:ext cx="9144000" cy="398616"/>
+          </a:xfrm>
+          <a:prstGeom prst="rect">
+            <a:avLst/>
+          </a:prstGeom>
+          <a:gradFill flip="none" rotWithShape="1">
+            <a:gsLst>
+              <a:gs pos="0">
+                <a:srgbClr val="00B0F0">
+                  <a:shade val="30000"/>
+                  <a:satMod val="115000"/>
+                </a:srgbClr>
+              </a:gs>
+              <a:gs pos="50000">
+                <a:srgbClr val="00B0F0">
+                  <a:shade val="67500"/>
+                  <a:satMod val="115000"/>
+                </a:srgbClr>
+              </a:gs>
+              <a:gs pos="100000">
+                <a:srgbClr val="00B0F0">
+                  <a:shade val="100000"/>
+                  <a:satMod val="115000"/>
+                </a:srgbClr>
+              </a:gs>
+            </a:gsLst>
+            <a:path path="circle">
+              <a:fillToRect t="100000" r="100000"/>
+            </a:path>
+            <a:tileRect l="-100000" b="-100000"/>
+          </a:gradFill>
+        </p:spPr>
+        <p:txBody>
+          <a:bodyPr vert="horz" lIns="91440" tIns="45720" rIns="91440" bIns="45720" rtlCol="0" anchor="ctr">
+            <a:normAutofit/>
+          </a:bodyPr>
+          <a:lstStyle/>
+          <a:p>
+            <a:pPr marL="0" lvl="1"/>
+            <a:r>
+              <a:rPr lang="en-US" sz="1600" dirty="0">
+                <a:hlinkClick r:id="rId2"/>
+              </a:rPr>
+              <a:t>https://www.ucsc-extension.edu/certificate-program/offering/python-programmers</a:t>
+            </a:r>
+            <a:endParaRPr lang="en-US" sz="1600" dirty="0"/>
+          </a:p>
+        </p:txBody>
+      </p:sp>
+      <p:sp>
+        <p:nvSpPr>
+          <p:cNvPr id="5" name="日期版面配置區 4"/>
+          <p:cNvSpPr>
+            <a:spLocks noGrp="1"/>
+          </p:cNvSpPr>
+          <p:nvPr>
+            <p:ph type="dt" sz="half" idx="10"/>
+          </p:nvPr>
+        </p:nvSpPr>
+        <p:spPr>
+          <a:xfrm>
+            <a:off x="457200" y="6356350"/>
+            <a:ext cx="2133600" cy="404246"/>
+          </a:xfrm>
+        </p:spPr>
+        <p:txBody>
+          <a:bodyPr/>
+          <a:lstStyle/>
+          <a:p>
+            <a:fld id="{A4F910E6-8D00-4BAF-8C48-9688E0B449D3}" type="datetime1">
+              <a:rPr lang="zh-TW" altLang="en-US" smtClean="0"/>
+              <a:pPr/>
+              <a:t>2019/6/28</a:t>
+            </a:fld>
+            <a:endParaRPr lang="zh-TW" altLang="en-US"/>
+          </a:p>
+        </p:txBody>
+      </p:sp>
+      <p:sp>
+        <p:nvSpPr>
+          <p:cNvPr id="6" name="投影片編號版面配置區 5"/>
+          <p:cNvSpPr>
+            <a:spLocks noGrp="1"/>
+          </p:cNvSpPr>
+          <p:nvPr>
+            <p:ph type="sldNum" sz="quarter" idx="12"/>
+          </p:nvPr>
+        </p:nvSpPr>
+        <p:spPr>
+          <a:xfrm>
+            <a:off x="6553200" y="6356350"/>
+            <a:ext cx="2133600" cy="404246"/>
+          </a:xfrm>
+        </p:spPr>
+        <p:txBody>
+          <a:bodyPr/>
+          <a:lstStyle/>
+          <a:p>
+            <a:fld id="{E4D7E63D-91F2-4366-A2C4-1B00C9E2590E}" type="slidenum">
+              <a:rPr lang="zh-TW" altLang="en-US" smtClean="0"/>
+              <a:pPr/>
+              <a:t>35</a:t>
+            </a:fld>
+            <a:endParaRPr lang="zh-TW" altLang="en-US"/>
+          </a:p>
+        </p:txBody>
+      </p:sp>
+      <p:pic>
+        <p:nvPicPr>
+          <p:cNvPr id="7" name="Picture 6">
+            <a:extLst>
+              <a:ext uri="{FF2B5EF4-FFF2-40B4-BE49-F238E27FC236}">
+                <a16:creationId xmlns:a16="http://schemas.microsoft.com/office/drawing/2014/main" id="{DB97AC1C-5B31-4411-B9AA-8A058A61D16E}"/>
+              </a:ext>
+            </a:extLst>
+          </p:cNvPr>
+          <p:cNvPicPr>
+            <a:picLocks noChangeAspect="1"/>
+          </p:cNvPicPr>
+          <p:nvPr/>
+        </p:nvPicPr>
+        <p:blipFill>
+          <a:blip r:embed="rId3"/>
+          <a:stretch>
+            <a:fillRect/>
+          </a:stretch>
+        </p:blipFill>
+        <p:spPr>
+          <a:xfrm>
+            <a:off x="2845332" y="1293155"/>
+            <a:ext cx="4788024" cy="4933360"/>
+          </a:xfrm>
+          <a:prstGeom prst="rect">
+            <a:avLst/>
+          </a:prstGeom>
+          <a:ln>
+            <a:solidFill>
+              <a:srgbClr val="C00000"/>
+            </a:solidFill>
+          </a:ln>
+        </p:spPr>
+      </p:pic>
+    </p:spTree>
+    <p:extLst>
+      <p:ext uri="{BB962C8B-B14F-4D97-AF65-F5344CB8AC3E}">
+        <p14:creationId xmlns:p14="http://schemas.microsoft.com/office/powerpoint/2010/main" val="2154914563"/>
+      </p:ext>
+    </p:extLst>
+  </p:cSld>
+  <p:clrMapOvr>
+    <a:masterClrMapping/>
+  </p:clrMapOvr>
+</p:sld>
+</file>
+
+<file path=ppt/slides/slide36.xml><?xml version="1.0" encoding="utf-8"?>
+<p:sld xmlns:a="http://schemas.openxmlformats.org/drawingml/2006/main" xmlns:r="http://schemas.openxmlformats.org/officeDocument/2006/relationships" xmlns:p="http://schemas.openxmlformats.org/presentationml/2006/main">
+  <p:cSld>
+    <p:spTree>
+      <p:nvGrpSpPr>
+        <p:cNvPr id="1" name=""/>
+        <p:cNvGrpSpPr/>
+        <p:nvPr/>
+      </p:nvGrpSpPr>
+      <p:grpSpPr>
+        <a:xfrm>
+          <a:off x="0" y="0"/>
+          <a:ext cx="0" cy="0"/>
+          <a:chOff x="0" y="0"/>
+          <a:chExt cx="0" cy="0"/>
+        </a:xfrm>
+      </p:grpSpPr>
+      <p:sp>
+        <p:nvSpPr>
+          <p:cNvPr id="2" name="標題 1"/>
+          <p:cNvSpPr>
+            <a:spLocks noGrp="1"/>
+          </p:cNvSpPr>
+          <p:nvPr>
+            <p:ph type="ctrTitle"/>
+          </p:nvPr>
+        </p:nvSpPr>
+        <p:spPr>
+          <a:xfrm>
+            <a:off x="0" y="2130425"/>
+            <a:ext cx="9144000" cy="1470025"/>
+          </a:xfrm>
+          <a:solidFill>
+            <a:srgbClr val="00B0F0"/>
+          </a:solidFill>
+        </p:spPr>
+        <p:txBody>
+          <a:bodyPr>
+            <a:normAutofit/>
+          </a:bodyPr>
+          <a:lstStyle/>
+          <a:p>
+            <a:r>
+              <a:rPr lang="en-US" altLang="zh-TW" sz="4800" b="1" dirty="0">
+                <a:solidFill>
+                  <a:srgbClr val="FFFF00"/>
+                </a:solidFill>
+              </a:rPr>
+              <a:t>0802.14 class_nest.py</a:t>
+            </a:r>
+            <a:endParaRPr lang="zh-TW" altLang="en-US" sz="4800" b="1" dirty="0">
+              <a:solidFill>
+                <a:srgbClr val="FFFF00"/>
+              </a:solidFill>
+            </a:endParaRPr>
+          </a:p>
+        </p:txBody>
+      </p:sp>
+      <p:sp>
+        <p:nvSpPr>
+          <p:cNvPr id="5" name="日期版面配置區 4"/>
+          <p:cNvSpPr>
+            <a:spLocks noGrp="1"/>
+          </p:cNvSpPr>
+          <p:nvPr>
+            <p:ph type="dt" sz="half" idx="10"/>
+          </p:nvPr>
+        </p:nvSpPr>
+        <p:spPr/>
+        <p:txBody>
+          <a:bodyPr/>
+          <a:lstStyle/>
+          <a:p>
+            <a:fld id="{C389EDC9-19E3-47AC-9C57-C6A24DEA81AD}" type="datetime1">
+              <a:rPr lang="zh-TW" altLang="en-US" smtClean="0"/>
+              <a:pPr/>
+              <a:t>2019/6/28</a:t>
+            </a:fld>
+            <a:endParaRPr lang="zh-TW" altLang="en-US"/>
+          </a:p>
+        </p:txBody>
+      </p:sp>
+      <p:sp>
+        <p:nvSpPr>
+          <p:cNvPr id="6" name="投影片編號版面配置區 5"/>
+          <p:cNvSpPr>
+            <a:spLocks noGrp="1"/>
+          </p:cNvSpPr>
+          <p:nvPr>
+            <p:ph type="sldNum" sz="quarter" idx="12"/>
+          </p:nvPr>
+        </p:nvSpPr>
+        <p:spPr/>
+        <p:txBody>
+          <a:bodyPr/>
+          <a:lstStyle/>
+          <a:p>
+            <a:fld id="{E4D7E63D-91F2-4366-A2C4-1B00C9E2590E}" type="slidenum">
+              <a:rPr lang="zh-TW" altLang="en-US" smtClean="0"/>
+              <a:pPr/>
+              <a:t>36</a:t>
+            </a:fld>
+            <a:endParaRPr lang="zh-TW" altLang="en-US"/>
+          </a:p>
+        </p:txBody>
+      </p:sp>
+      <p:pic>
+        <p:nvPicPr>
+          <p:cNvPr id="7" name="Picture 6">
+            <a:extLst>
+              <a:ext uri="{FF2B5EF4-FFF2-40B4-BE49-F238E27FC236}">
+                <a16:creationId xmlns:a16="http://schemas.microsoft.com/office/drawing/2014/main" id="{FCD4A087-E8B9-425C-A3D7-1F76A789463E}"/>
+              </a:ext>
+            </a:extLst>
+          </p:cNvPr>
+          <p:cNvPicPr>
+            <a:picLocks noChangeAspect="1"/>
+          </p:cNvPicPr>
+          <p:nvPr/>
+        </p:nvPicPr>
+        <p:blipFill>
+          <a:blip r:embed="rId2"/>
+          <a:stretch>
+            <a:fillRect/>
+          </a:stretch>
+        </p:blipFill>
+        <p:spPr>
+          <a:xfrm>
+            <a:off x="3923928" y="3695964"/>
+            <a:ext cx="1004960" cy="885164"/>
+          </a:xfrm>
+          <a:prstGeom prst="rect">
+            <a:avLst/>
+          </a:prstGeom>
+        </p:spPr>
+      </p:pic>
+    </p:spTree>
+    <p:extLst>
+      <p:ext uri="{BB962C8B-B14F-4D97-AF65-F5344CB8AC3E}">
+        <p14:creationId xmlns:p14="http://schemas.microsoft.com/office/powerpoint/2010/main" val="1972006347"/>
+      </p:ext>
+    </p:extLst>
+  </p:cSld>
+  <p:clrMapOvr>
+    <a:masterClrMapping/>
+  </p:clrMapOvr>
+</p:sld>
+</file>
+
+<file path=ppt/slides/slide37.xml><?xml version="1.0" encoding="utf-8"?>
+<p:sld xmlns:a="http://schemas.openxmlformats.org/drawingml/2006/main" xmlns:r="http://schemas.openxmlformats.org/officeDocument/2006/relationships" xmlns:p="http://schemas.openxmlformats.org/presentationml/2006/main">
+  <p:cSld>
+    <p:spTree>
+      <p:nvGrpSpPr>
+        <p:cNvPr id="1" name=""/>
+        <p:cNvGrpSpPr/>
+        <p:nvPr/>
+      </p:nvGrpSpPr>
+      <p:grpSpPr>
+        <a:xfrm>
+          <a:off x="0" y="0"/>
+          <a:ext cx="0" cy="0"/>
+          <a:chOff x="0" y="0"/>
+          <a:chExt cx="0" cy="0"/>
+        </a:xfrm>
+      </p:grpSpPr>
+      <p:sp>
+        <p:nvSpPr>
+          <p:cNvPr id="2" name="標題 1"/>
+          <p:cNvSpPr>
+            <a:spLocks noGrp="1"/>
+          </p:cNvSpPr>
+          <p:nvPr>
+            <p:ph type="ctrTitle"/>
+          </p:nvPr>
+        </p:nvSpPr>
+        <p:spPr>
+          <a:xfrm>
+            <a:off x="0" y="1"/>
+            <a:ext cx="9144000" cy="764704"/>
+          </a:xfrm>
+          <a:gradFill flip="none" rotWithShape="1">
+            <a:gsLst>
+              <a:gs pos="0">
+                <a:srgbClr val="C00000">
+                  <a:shade val="30000"/>
+                  <a:satMod val="115000"/>
+                </a:srgbClr>
+              </a:gs>
+              <a:gs pos="50000">
+                <a:srgbClr val="C00000">
+                  <a:shade val="67500"/>
+                  <a:satMod val="115000"/>
+                </a:srgbClr>
+              </a:gs>
+              <a:gs pos="100000">
+                <a:srgbClr val="C00000">
+                  <a:shade val="100000"/>
+                  <a:satMod val="115000"/>
+                </a:srgbClr>
+              </a:gs>
+            </a:gsLst>
+            <a:path path="circle">
+              <a:fillToRect t="100000" r="100000"/>
+            </a:path>
+            <a:tileRect l="-100000" b="-100000"/>
+          </a:gradFill>
+        </p:spPr>
+        <p:txBody>
+          <a:bodyPr/>
+          <a:lstStyle/>
+          <a:p>
+            <a:pPr algn="l"/>
+            <a:r>
+              <a:rPr lang="en-US" altLang="zh-TW" b="1" dirty="0">
+                <a:solidFill>
+                  <a:srgbClr val="FFFF00"/>
+                </a:solidFill>
+              </a:rPr>
+              <a:t>0802.14 class_nest.py</a:t>
+            </a:r>
+            <a:endParaRPr lang="zh-TW" altLang="en-US" b="1" dirty="0">
+              <a:solidFill>
+                <a:srgbClr val="FFFF00"/>
+              </a:solidFill>
+            </a:endParaRPr>
+          </a:p>
+        </p:txBody>
+      </p:sp>
+      <p:sp>
+        <p:nvSpPr>
+          <p:cNvPr id="3" name="副標題 2"/>
+          <p:cNvSpPr>
+            <a:spLocks noGrp="1"/>
+          </p:cNvSpPr>
+          <p:nvPr>
+            <p:ph type="subTitle" idx="1"/>
+          </p:nvPr>
+        </p:nvSpPr>
+        <p:spPr>
+          <a:xfrm>
+            <a:off x="501534" y="1372852"/>
+            <a:ext cx="2133599" cy="398616"/>
+          </a:xfrm>
+          <a:ln>
+            <a:solidFill>
+              <a:srgbClr val="C00000"/>
+            </a:solidFill>
+          </a:ln>
+        </p:spPr>
+        <p:txBody>
+          <a:bodyPr>
+            <a:noAutofit/>
+          </a:bodyPr>
+          <a:lstStyle/>
+          <a:p>
+            <a:pPr marL="342900" indent="-342900" algn="l">
+              <a:buClr>
+                <a:srgbClr val="0070C0"/>
+              </a:buClr>
+              <a:buSzPct val="80000"/>
+              <a:buFont typeface="Wingdings" pitchFamily="2" charset="2"/>
+              <a:buChar char="u"/>
+            </a:pPr>
+            <a:r>
+              <a:rPr lang="en-US" sz="1800" dirty="0">
+                <a:solidFill>
+                  <a:schemeClr val="tx1"/>
+                </a:solidFill>
+              </a:rPr>
+              <a:t>class_nest.py</a:t>
+            </a:r>
+          </a:p>
+        </p:txBody>
+      </p:sp>
+      <p:sp>
+        <p:nvSpPr>
+          <p:cNvPr id="4" name="標題 1"/>
+          <p:cNvSpPr txBox="1">
+            <a:spLocks/>
+          </p:cNvSpPr>
+          <p:nvPr/>
+        </p:nvSpPr>
+        <p:spPr>
+          <a:xfrm>
+            <a:off x="0" y="764704"/>
+            <a:ext cx="9144000" cy="398616"/>
+          </a:xfrm>
+          <a:prstGeom prst="rect">
+            <a:avLst/>
+          </a:prstGeom>
+          <a:gradFill flip="none" rotWithShape="1">
+            <a:gsLst>
+              <a:gs pos="0">
+                <a:srgbClr val="00B0F0">
+                  <a:shade val="30000"/>
+                  <a:satMod val="115000"/>
+                </a:srgbClr>
+              </a:gs>
+              <a:gs pos="50000">
+                <a:srgbClr val="00B0F0">
+                  <a:shade val="67500"/>
+                  <a:satMod val="115000"/>
+                </a:srgbClr>
+              </a:gs>
+              <a:gs pos="100000">
+                <a:srgbClr val="00B0F0">
+                  <a:shade val="100000"/>
+                  <a:satMod val="115000"/>
+                </a:srgbClr>
+              </a:gs>
+            </a:gsLst>
+            <a:path path="circle">
+              <a:fillToRect t="100000" r="100000"/>
+            </a:path>
+            <a:tileRect l="-100000" b="-100000"/>
+          </a:gradFill>
+        </p:spPr>
+        <p:txBody>
+          <a:bodyPr vert="horz" lIns="91440" tIns="45720" rIns="91440" bIns="45720" rtlCol="0" anchor="ctr">
+            <a:normAutofit/>
+          </a:bodyPr>
+          <a:lstStyle/>
+          <a:p>
+            <a:pPr marL="0" lvl="1"/>
+            <a:r>
+              <a:rPr lang="en-US" sz="1600" dirty="0">
+                <a:hlinkClick r:id="rId2"/>
+              </a:rPr>
+              <a:t>https://www.ucsc-extension.edu/certificate-program/offering/python-programmers</a:t>
+            </a:r>
+            <a:endParaRPr lang="en-US" sz="1600" dirty="0"/>
+          </a:p>
+        </p:txBody>
+      </p:sp>
+      <p:sp>
+        <p:nvSpPr>
+          <p:cNvPr id="5" name="日期版面配置區 4"/>
+          <p:cNvSpPr>
+            <a:spLocks noGrp="1"/>
+          </p:cNvSpPr>
+          <p:nvPr>
+            <p:ph type="dt" sz="half" idx="10"/>
+          </p:nvPr>
+        </p:nvSpPr>
+        <p:spPr>
+          <a:xfrm>
+            <a:off x="457200" y="6356350"/>
+            <a:ext cx="2133600" cy="404246"/>
+          </a:xfrm>
+        </p:spPr>
+        <p:txBody>
+          <a:bodyPr/>
+          <a:lstStyle/>
+          <a:p>
+            <a:fld id="{A4F910E6-8D00-4BAF-8C48-9688E0B449D3}" type="datetime1">
+              <a:rPr lang="zh-TW" altLang="en-US" smtClean="0"/>
+              <a:pPr/>
+              <a:t>2019/6/28</a:t>
+            </a:fld>
+            <a:endParaRPr lang="zh-TW" altLang="en-US"/>
+          </a:p>
+        </p:txBody>
+      </p:sp>
+      <p:sp>
+        <p:nvSpPr>
+          <p:cNvPr id="6" name="投影片編號版面配置區 5"/>
+          <p:cNvSpPr>
+            <a:spLocks noGrp="1"/>
+          </p:cNvSpPr>
+          <p:nvPr>
+            <p:ph type="sldNum" sz="quarter" idx="12"/>
+          </p:nvPr>
+        </p:nvSpPr>
+        <p:spPr>
+          <a:xfrm>
+            <a:off x="6553200" y="6356350"/>
+            <a:ext cx="2133600" cy="404246"/>
+          </a:xfrm>
+        </p:spPr>
+        <p:txBody>
+          <a:bodyPr/>
+          <a:lstStyle/>
+          <a:p>
+            <a:fld id="{E4D7E63D-91F2-4366-A2C4-1B00C9E2590E}" type="slidenum">
+              <a:rPr lang="zh-TW" altLang="en-US" smtClean="0"/>
+              <a:pPr/>
+              <a:t>37</a:t>
+            </a:fld>
+            <a:endParaRPr lang="zh-TW" altLang="en-US"/>
+          </a:p>
+        </p:txBody>
+      </p:sp>
+      <p:pic>
+        <p:nvPicPr>
+          <p:cNvPr id="8" name="Picture 7">
+            <a:extLst>
+              <a:ext uri="{FF2B5EF4-FFF2-40B4-BE49-F238E27FC236}">
+                <a16:creationId xmlns:a16="http://schemas.microsoft.com/office/drawing/2014/main" id="{4514BCEF-3003-4853-B443-369B86242588}"/>
+              </a:ext>
+            </a:extLst>
+          </p:cNvPr>
+          <p:cNvPicPr>
+            <a:picLocks noChangeAspect="1"/>
+          </p:cNvPicPr>
+          <p:nvPr/>
+        </p:nvPicPr>
+        <p:blipFill>
+          <a:blip r:embed="rId3"/>
+          <a:stretch>
+            <a:fillRect/>
+          </a:stretch>
+        </p:blipFill>
+        <p:spPr>
+          <a:xfrm>
+            <a:off x="2771800" y="1372852"/>
+            <a:ext cx="4588722" cy="5289885"/>
+          </a:xfrm>
+          <a:prstGeom prst="rect">
+            <a:avLst/>
+          </a:prstGeom>
+          <a:ln>
+            <a:solidFill>
+              <a:srgbClr val="C00000"/>
+            </a:solidFill>
+          </a:ln>
+        </p:spPr>
+      </p:pic>
+    </p:spTree>
+    <p:extLst>
+      <p:ext uri="{BB962C8B-B14F-4D97-AF65-F5344CB8AC3E}">
+        <p14:creationId xmlns:p14="http://schemas.microsoft.com/office/powerpoint/2010/main" val="3940827498"/>
+      </p:ext>
+    </p:extLst>
+  </p:cSld>
+  <p:clrMapOvr>
+    <a:masterClrMapping/>
+  </p:clrMapOvr>
+</p:sld>
+</file>
+
+<file path=ppt/slides/slide38.xml><?xml version="1.0" encoding="utf-8"?>
+<p:sld xmlns:a="http://schemas.openxmlformats.org/drawingml/2006/main" xmlns:r="http://schemas.openxmlformats.org/officeDocument/2006/relationships" xmlns:p="http://schemas.openxmlformats.org/presentationml/2006/main">
+  <p:cSld>
+    <p:spTree>
+      <p:nvGrpSpPr>
+        <p:cNvPr id="1" name=""/>
+        <p:cNvGrpSpPr/>
+        <p:nvPr/>
+      </p:nvGrpSpPr>
+      <p:grpSpPr>
+        <a:xfrm>
+          <a:off x="0" y="0"/>
+          <a:ext cx="0" cy="0"/>
+          <a:chOff x="0" y="0"/>
+          <a:chExt cx="0" cy="0"/>
+        </a:xfrm>
+      </p:grpSpPr>
+      <p:sp>
+        <p:nvSpPr>
+          <p:cNvPr id="2" name="標題 1"/>
+          <p:cNvSpPr>
+            <a:spLocks noGrp="1"/>
+          </p:cNvSpPr>
+          <p:nvPr>
+            <p:ph type="ctrTitle"/>
+          </p:nvPr>
+        </p:nvSpPr>
+        <p:spPr>
+          <a:xfrm>
+            <a:off x="0" y="2130425"/>
+            <a:ext cx="9144000" cy="1470025"/>
+          </a:xfrm>
+          <a:gradFill flip="none" rotWithShape="1">
+            <a:gsLst>
+              <a:gs pos="0">
+                <a:srgbClr val="00B0F0">
+                  <a:shade val="30000"/>
+                  <a:satMod val="115000"/>
+                </a:srgbClr>
+              </a:gs>
+              <a:gs pos="50000">
+                <a:srgbClr val="00B0F0">
+                  <a:shade val="67500"/>
+                  <a:satMod val="115000"/>
+                </a:srgbClr>
+              </a:gs>
+              <a:gs pos="100000">
+                <a:srgbClr val="00B0F0">
+                  <a:shade val="100000"/>
+                  <a:satMod val="115000"/>
+                </a:srgbClr>
+              </a:gs>
+            </a:gsLst>
+            <a:path path="circle">
+              <a:fillToRect t="100000" r="100000"/>
+            </a:path>
+            <a:tileRect l="-100000" b="-100000"/>
+          </a:gradFill>
+        </p:spPr>
+        <p:txBody>
           <a:bodyPr>
             <a:normAutofit/>
           </a:bodyPr>
@@ -3994,7 +10869,7 @@
             <a:fld id="{4E46BE27-E923-4EC2-B046-3272AE2A3E5C}" type="datetime1">
               <a:rPr lang="zh-TW" altLang="en-US" smtClean="0"/>
               <a:pPr/>
-              <a:t>2019/6/15</a:t>
+              <a:t>2019/6/28</a:t>
             </a:fld>
             <a:endParaRPr lang="zh-TW" altLang="en-US"/>
           </a:p>
@@ -4018,13 +10893,1479 @@
             <a:fld id="{E4D7E63D-91F2-4366-A2C4-1B00C9E2590E}" type="slidenum">
               <a:rPr lang="zh-TW" altLang="en-US" smtClean="0"/>
               <a:pPr/>
-              <a:t>3</a:t>
+              <a:t>38</a:t>
             </a:fld>
             <a:endParaRPr lang="zh-TW" altLang="en-US"/>
           </a:p>
         </p:txBody>
       </p:sp>
     </p:spTree>
+  </p:cSld>
+  <p:clrMapOvr>
+    <a:masterClrMapping/>
+  </p:clrMapOvr>
+</p:sld>
+</file>
+
+<file path=ppt/slides/slide4.xml><?xml version="1.0" encoding="utf-8"?>
+<p:sld xmlns:a="http://schemas.openxmlformats.org/drawingml/2006/main" xmlns:r="http://schemas.openxmlformats.org/officeDocument/2006/relationships" xmlns:p="http://schemas.openxmlformats.org/presentationml/2006/main">
+  <p:cSld>
+    <p:spTree>
+      <p:nvGrpSpPr>
+        <p:cNvPr id="1" name=""/>
+        <p:cNvGrpSpPr/>
+        <p:nvPr/>
+      </p:nvGrpSpPr>
+      <p:grpSpPr>
+        <a:xfrm>
+          <a:off x="0" y="0"/>
+          <a:ext cx="0" cy="0"/>
+          <a:chOff x="0" y="0"/>
+          <a:chExt cx="0" cy="0"/>
+        </a:xfrm>
+      </p:grpSpPr>
+      <p:sp>
+        <p:nvSpPr>
+          <p:cNvPr id="2" name="標題 1"/>
+          <p:cNvSpPr>
+            <a:spLocks noGrp="1"/>
+          </p:cNvSpPr>
+          <p:nvPr>
+            <p:ph type="ctrTitle"/>
+          </p:nvPr>
+        </p:nvSpPr>
+        <p:spPr>
+          <a:xfrm>
+            <a:off x="0" y="1"/>
+            <a:ext cx="9144000" cy="764704"/>
+          </a:xfrm>
+          <a:gradFill flip="none" rotWithShape="1">
+            <a:gsLst>
+              <a:gs pos="0">
+                <a:srgbClr val="C00000">
+                  <a:shade val="30000"/>
+                  <a:satMod val="115000"/>
+                </a:srgbClr>
+              </a:gs>
+              <a:gs pos="50000">
+                <a:srgbClr val="C00000">
+                  <a:shade val="67500"/>
+                  <a:satMod val="115000"/>
+                </a:srgbClr>
+              </a:gs>
+              <a:gs pos="100000">
+                <a:srgbClr val="C00000">
+                  <a:shade val="100000"/>
+                  <a:satMod val="115000"/>
+                </a:srgbClr>
+              </a:gs>
+            </a:gsLst>
+            <a:path path="circle">
+              <a:fillToRect t="100000" r="100000"/>
+            </a:path>
+            <a:tileRect l="-100000" b="-100000"/>
+          </a:gradFill>
+        </p:spPr>
+        <p:txBody>
+          <a:bodyPr/>
+          <a:lstStyle/>
+          <a:p>
+            <a:pPr algn="l"/>
+            <a:r>
+              <a:rPr lang="en-US" altLang="zh-TW" b="1" dirty="0">
+                <a:solidFill>
+                  <a:srgbClr val="FFFF00"/>
+                </a:solidFill>
+              </a:rPr>
+              <a:t>0802.01 Lab17_1_1.py</a:t>
+            </a:r>
+            <a:endParaRPr lang="zh-TW" altLang="en-US" b="1" dirty="0">
+              <a:solidFill>
+                <a:srgbClr val="FFFF00"/>
+              </a:solidFill>
+            </a:endParaRPr>
+          </a:p>
+        </p:txBody>
+      </p:sp>
+      <p:sp>
+        <p:nvSpPr>
+          <p:cNvPr id="3" name="副標題 2"/>
+          <p:cNvSpPr>
+            <a:spLocks noGrp="1"/>
+          </p:cNvSpPr>
+          <p:nvPr>
+            <p:ph type="subTitle" idx="1"/>
+          </p:nvPr>
+        </p:nvSpPr>
+        <p:spPr>
+          <a:xfrm>
+            <a:off x="501534" y="1372852"/>
+            <a:ext cx="2615227" cy="398616"/>
+          </a:xfrm>
+          <a:ln>
+            <a:solidFill>
+              <a:srgbClr val="C00000"/>
+            </a:solidFill>
+          </a:ln>
+        </p:spPr>
+        <p:txBody>
+          <a:bodyPr>
+            <a:noAutofit/>
+          </a:bodyPr>
+          <a:lstStyle/>
+          <a:p>
+            <a:pPr marL="342900" indent="-342900" algn="l">
+              <a:buClr>
+                <a:srgbClr val="0070C0"/>
+              </a:buClr>
+              <a:buSzPct val="80000"/>
+              <a:buFont typeface="Wingdings" pitchFamily="2" charset="2"/>
+              <a:buChar char="u"/>
+            </a:pPr>
+            <a:r>
+              <a:rPr lang="en-US" sz="1800" dirty="0">
+                <a:solidFill>
+                  <a:schemeClr val="tx1"/>
+                </a:solidFill>
+              </a:rPr>
+              <a:t>Lab17_1_1.py</a:t>
+            </a:r>
+          </a:p>
+        </p:txBody>
+      </p:sp>
+      <p:sp>
+        <p:nvSpPr>
+          <p:cNvPr id="4" name="標題 1"/>
+          <p:cNvSpPr txBox="1">
+            <a:spLocks/>
+          </p:cNvSpPr>
+          <p:nvPr/>
+        </p:nvSpPr>
+        <p:spPr>
+          <a:xfrm>
+            <a:off x="0" y="764704"/>
+            <a:ext cx="9144000" cy="398616"/>
+          </a:xfrm>
+          <a:prstGeom prst="rect">
+            <a:avLst/>
+          </a:prstGeom>
+          <a:gradFill flip="none" rotWithShape="1">
+            <a:gsLst>
+              <a:gs pos="0">
+                <a:srgbClr val="00B0F0">
+                  <a:shade val="30000"/>
+                  <a:satMod val="115000"/>
+                </a:srgbClr>
+              </a:gs>
+              <a:gs pos="50000">
+                <a:srgbClr val="00B0F0">
+                  <a:shade val="67500"/>
+                  <a:satMod val="115000"/>
+                </a:srgbClr>
+              </a:gs>
+              <a:gs pos="100000">
+                <a:srgbClr val="00B0F0">
+                  <a:shade val="100000"/>
+                  <a:satMod val="115000"/>
+                </a:srgbClr>
+              </a:gs>
+            </a:gsLst>
+            <a:path path="circle">
+              <a:fillToRect t="100000" r="100000"/>
+            </a:path>
+            <a:tileRect l="-100000" b="-100000"/>
+          </a:gradFill>
+        </p:spPr>
+        <p:txBody>
+          <a:bodyPr vert="horz" lIns="91440" tIns="45720" rIns="91440" bIns="45720" rtlCol="0" anchor="ctr">
+            <a:normAutofit/>
+          </a:bodyPr>
+          <a:lstStyle/>
+          <a:p>
+            <a:pPr marL="0" lvl="1"/>
+            <a:r>
+              <a:rPr lang="en-US" sz="1600" dirty="0">
+                <a:hlinkClick r:id="rId2"/>
+              </a:rPr>
+              <a:t>https://www.ucsc-extension.edu/certificate-program/offering/python-programmers</a:t>
+            </a:r>
+            <a:endParaRPr lang="en-US" sz="1600" dirty="0"/>
+          </a:p>
+        </p:txBody>
+      </p:sp>
+      <p:sp>
+        <p:nvSpPr>
+          <p:cNvPr id="5" name="日期版面配置區 4"/>
+          <p:cNvSpPr>
+            <a:spLocks noGrp="1"/>
+          </p:cNvSpPr>
+          <p:nvPr>
+            <p:ph type="dt" sz="half" idx="10"/>
+          </p:nvPr>
+        </p:nvSpPr>
+        <p:spPr>
+          <a:xfrm>
+            <a:off x="457200" y="6356350"/>
+            <a:ext cx="2133600" cy="404246"/>
+          </a:xfrm>
+        </p:spPr>
+        <p:txBody>
+          <a:bodyPr/>
+          <a:lstStyle/>
+          <a:p>
+            <a:fld id="{A4F910E6-8D00-4BAF-8C48-9688E0B449D3}" type="datetime1">
+              <a:rPr lang="zh-TW" altLang="en-US" smtClean="0"/>
+              <a:pPr/>
+              <a:t>2019/6/28</a:t>
+            </a:fld>
+            <a:endParaRPr lang="zh-TW" altLang="en-US"/>
+          </a:p>
+        </p:txBody>
+      </p:sp>
+      <p:sp>
+        <p:nvSpPr>
+          <p:cNvPr id="6" name="投影片編號版面配置區 5"/>
+          <p:cNvSpPr>
+            <a:spLocks noGrp="1"/>
+          </p:cNvSpPr>
+          <p:nvPr>
+            <p:ph type="sldNum" sz="quarter" idx="12"/>
+          </p:nvPr>
+        </p:nvSpPr>
+        <p:spPr>
+          <a:xfrm>
+            <a:off x="6553200" y="6356350"/>
+            <a:ext cx="2133600" cy="404246"/>
+          </a:xfrm>
+        </p:spPr>
+        <p:txBody>
+          <a:bodyPr/>
+          <a:lstStyle/>
+          <a:p>
+            <a:fld id="{E4D7E63D-91F2-4366-A2C4-1B00C9E2590E}" type="slidenum">
+              <a:rPr lang="zh-TW" altLang="en-US" smtClean="0"/>
+              <a:pPr/>
+              <a:t>4</a:t>
+            </a:fld>
+            <a:endParaRPr lang="zh-TW" altLang="en-US"/>
+          </a:p>
+        </p:txBody>
+      </p:sp>
+      <p:pic>
+        <p:nvPicPr>
+          <p:cNvPr id="7" name="Picture 6">
+            <a:extLst>
+              <a:ext uri="{FF2B5EF4-FFF2-40B4-BE49-F238E27FC236}">
+                <a16:creationId xmlns:a16="http://schemas.microsoft.com/office/drawing/2014/main" id="{C022E9DF-B606-4983-A49F-5D4B3936AA63}"/>
+              </a:ext>
+            </a:extLst>
+          </p:cNvPr>
+          <p:cNvPicPr>
+            <a:picLocks noChangeAspect="1"/>
+          </p:cNvPicPr>
+          <p:nvPr/>
+        </p:nvPicPr>
+        <p:blipFill>
+          <a:blip r:embed="rId3"/>
+          <a:stretch>
+            <a:fillRect/>
+          </a:stretch>
+        </p:blipFill>
+        <p:spPr>
+          <a:xfrm>
+            <a:off x="3542385" y="1165915"/>
+            <a:ext cx="5175991" cy="5285123"/>
+          </a:xfrm>
+          <a:prstGeom prst="rect">
+            <a:avLst/>
+          </a:prstGeom>
+          <a:ln>
+            <a:solidFill>
+              <a:srgbClr val="C00000"/>
+            </a:solidFill>
+          </a:ln>
+        </p:spPr>
+      </p:pic>
+    </p:spTree>
+    <p:extLst>
+      <p:ext uri="{BB962C8B-B14F-4D97-AF65-F5344CB8AC3E}">
+        <p14:creationId xmlns:p14="http://schemas.microsoft.com/office/powerpoint/2010/main" val="2070672313"/>
+      </p:ext>
+    </p:extLst>
+  </p:cSld>
+  <p:clrMapOvr>
+    <a:masterClrMapping/>
+  </p:clrMapOvr>
+</p:sld>
+</file>
+
+<file path=ppt/slides/slide5.xml><?xml version="1.0" encoding="utf-8"?>
+<p:sld xmlns:a="http://schemas.openxmlformats.org/drawingml/2006/main" xmlns:r="http://schemas.openxmlformats.org/officeDocument/2006/relationships" xmlns:p="http://schemas.openxmlformats.org/presentationml/2006/main">
+  <p:cSld>
+    <p:spTree>
+      <p:nvGrpSpPr>
+        <p:cNvPr id="1" name=""/>
+        <p:cNvGrpSpPr/>
+        <p:nvPr/>
+      </p:nvGrpSpPr>
+      <p:grpSpPr>
+        <a:xfrm>
+          <a:off x="0" y="0"/>
+          <a:ext cx="0" cy="0"/>
+          <a:chOff x="0" y="0"/>
+          <a:chExt cx="0" cy="0"/>
+        </a:xfrm>
+      </p:grpSpPr>
+      <p:sp>
+        <p:nvSpPr>
+          <p:cNvPr id="2" name="標題 1"/>
+          <p:cNvSpPr>
+            <a:spLocks noGrp="1"/>
+          </p:cNvSpPr>
+          <p:nvPr>
+            <p:ph type="ctrTitle"/>
+          </p:nvPr>
+        </p:nvSpPr>
+        <p:spPr>
+          <a:xfrm>
+            <a:off x="0" y="1"/>
+            <a:ext cx="9144000" cy="764704"/>
+          </a:xfrm>
+          <a:gradFill flip="none" rotWithShape="1">
+            <a:gsLst>
+              <a:gs pos="0">
+                <a:srgbClr val="C00000">
+                  <a:shade val="30000"/>
+                  <a:satMod val="115000"/>
+                </a:srgbClr>
+              </a:gs>
+              <a:gs pos="50000">
+                <a:srgbClr val="C00000">
+                  <a:shade val="67500"/>
+                  <a:satMod val="115000"/>
+                </a:srgbClr>
+              </a:gs>
+              <a:gs pos="100000">
+                <a:srgbClr val="C00000">
+                  <a:shade val="100000"/>
+                  <a:satMod val="115000"/>
+                </a:srgbClr>
+              </a:gs>
+            </a:gsLst>
+            <a:path path="circle">
+              <a:fillToRect t="100000" r="100000"/>
+            </a:path>
+            <a:tileRect l="-100000" b="-100000"/>
+          </a:gradFill>
+        </p:spPr>
+        <p:txBody>
+          <a:bodyPr/>
+          <a:lstStyle/>
+          <a:p>
+            <a:pPr algn="l"/>
+            <a:r>
+              <a:rPr lang="en-US" altLang="zh-TW" b="1" dirty="0">
+                <a:solidFill>
+                  <a:srgbClr val="FFFF00"/>
+                </a:solidFill>
+              </a:rPr>
+              <a:t>0802.01 Lab17_1_1.py</a:t>
+            </a:r>
+            <a:endParaRPr lang="zh-TW" altLang="en-US" b="1" dirty="0">
+              <a:solidFill>
+                <a:srgbClr val="FFFF00"/>
+              </a:solidFill>
+            </a:endParaRPr>
+          </a:p>
+        </p:txBody>
+      </p:sp>
+      <p:sp>
+        <p:nvSpPr>
+          <p:cNvPr id="3" name="副標題 2"/>
+          <p:cNvSpPr>
+            <a:spLocks noGrp="1"/>
+          </p:cNvSpPr>
+          <p:nvPr>
+            <p:ph type="subTitle" idx="1"/>
+          </p:nvPr>
+        </p:nvSpPr>
+        <p:spPr>
+          <a:xfrm>
+            <a:off x="501534" y="1372852"/>
+            <a:ext cx="2615227" cy="398616"/>
+          </a:xfrm>
+          <a:ln>
+            <a:solidFill>
+              <a:srgbClr val="C00000"/>
+            </a:solidFill>
+          </a:ln>
+        </p:spPr>
+        <p:txBody>
+          <a:bodyPr>
+            <a:noAutofit/>
+          </a:bodyPr>
+          <a:lstStyle/>
+          <a:p>
+            <a:pPr marL="342900" indent="-342900" algn="l">
+              <a:buClr>
+                <a:srgbClr val="0070C0"/>
+              </a:buClr>
+              <a:buSzPct val="80000"/>
+              <a:buFont typeface="Wingdings" pitchFamily="2" charset="2"/>
+              <a:buChar char="u"/>
+            </a:pPr>
+            <a:r>
+              <a:rPr lang="en-US" sz="1800" dirty="0">
+                <a:solidFill>
+                  <a:schemeClr val="tx1"/>
+                </a:solidFill>
+              </a:rPr>
+              <a:t>Lab17_1_1.py</a:t>
+            </a:r>
+          </a:p>
+        </p:txBody>
+      </p:sp>
+      <p:sp>
+        <p:nvSpPr>
+          <p:cNvPr id="4" name="標題 1"/>
+          <p:cNvSpPr txBox="1">
+            <a:spLocks/>
+          </p:cNvSpPr>
+          <p:nvPr/>
+        </p:nvSpPr>
+        <p:spPr>
+          <a:xfrm>
+            <a:off x="0" y="764704"/>
+            <a:ext cx="9144000" cy="398616"/>
+          </a:xfrm>
+          <a:prstGeom prst="rect">
+            <a:avLst/>
+          </a:prstGeom>
+          <a:gradFill flip="none" rotWithShape="1">
+            <a:gsLst>
+              <a:gs pos="0">
+                <a:srgbClr val="00B0F0">
+                  <a:shade val="30000"/>
+                  <a:satMod val="115000"/>
+                </a:srgbClr>
+              </a:gs>
+              <a:gs pos="50000">
+                <a:srgbClr val="00B0F0">
+                  <a:shade val="67500"/>
+                  <a:satMod val="115000"/>
+                </a:srgbClr>
+              </a:gs>
+              <a:gs pos="100000">
+                <a:srgbClr val="00B0F0">
+                  <a:shade val="100000"/>
+                  <a:satMod val="115000"/>
+                </a:srgbClr>
+              </a:gs>
+            </a:gsLst>
+            <a:path path="circle">
+              <a:fillToRect t="100000" r="100000"/>
+            </a:path>
+            <a:tileRect l="-100000" b="-100000"/>
+          </a:gradFill>
+        </p:spPr>
+        <p:txBody>
+          <a:bodyPr vert="horz" lIns="91440" tIns="45720" rIns="91440" bIns="45720" rtlCol="0" anchor="ctr">
+            <a:normAutofit/>
+          </a:bodyPr>
+          <a:lstStyle/>
+          <a:p>
+            <a:pPr marL="0" lvl="1"/>
+            <a:r>
+              <a:rPr lang="en-US" sz="1600" dirty="0">
+                <a:hlinkClick r:id="rId2"/>
+              </a:rPr>
+              <a:t>https://www.ucsc-extension.edu/certificate-program/offering/python-programmers</a:t>
+            </a:r>
+            <a:endParaRPr lang="en-US" sz="1600" dirty="0"/>
+          </a:p>
+        </p:txBody>
+      </p:sp>
+      <p:sp>
+        <p:nvSpPr>
+          <p:cNvPr id="5" name="日期版面配置區 4"/>
+          <p:cNvSpPr>
+            <a:spLocks noGrp="1"/>
+          </p:cNvSpPr>
+          <p:nvPr>
+            <p:ph type="dt" sz="half" idx="10"/>
+          </p:nvPr>
+        </p:nvSpPr>
+        <p:spPr>
+          <a:xfrm>
+            <a:off x="457200" y="6356350"/>
+            <a:ext cx="2133600" cy="404246"/>
+          </a:xfrm>
+        </p:spPr>
+        <p:txBody>
+          <a:bodyPr/>
+          <a:lstStyle/>
+          <a:p>
+            <a:fld id="{A4F910E6-8D00-4BAF-8C48-9688E0B449D3}" type="datetime1">
+              <a:rPr lang="zh-TW" altLang="en-US" smtClean="0"/>
+              <a:pPr/>
+              <a:t>2019/6/28</a:t>
+            </a:fld>
+            <a:endParaRPr lang="zh-TW" altLang="en-US"/>
+          </a:p>
+        </p:txBody>
+      </p:sp>
+      <p:sp>
+        <p:nvSpPr>
+          <p:cNvPr id="6" name="投影片編號版面配置區 5"/>
+          <p:cNvSpPr>
+            <a:spLocks noGrp="1"/>
+          </p:cNvSpPr>
+          <p:nvPr>
+            <p:ph type="sldNum" sz="quarter" idx="12"/>
+          </p:nvPr>
+        </p:nvSpPr>
+        <p:spPr>
+          <a:xfrm>
+            <a:off x="6553200" y="6356350"/>
+            <a:ext cx="2133600" cy="404246"/>
+          </a:xfrm>
+        </p:spPr>
+        <p:txBody>
+          <a:bodyPr/>
+          <a:lstStyle/>
+          <a:p>
+            <a:fld id="{E4D7E63D-91F2-4366-A2C4-1B00C9E2590E}" type="slidenum">
+              <a:rPr lang="zh-TW" altLang="en-US" smtClean="0"/>
+              <a:pPr/>
+              <a:t>5</a:t>
+            </a:fld>
+            <a:endParaRPr lang="zh-TW" altLang="en-US"/>
+          </a:p>
+        </p:txBody>
+      </p:sp>
+      <p:pic>
+        <p:nvPicPr>
+          <p:cNvPr id="8" name="Picture 7">
+            <a:extLst>
+              <a:ext uri="{FF2B5EF4-FFF2-40B4-BE49-F238E27FC236}">
+                <a16:creationId xmlns:a16="http://schemas.microsoft.com/office/drawing/2014/main" id="{AEC5DA9B-D93B-46E8-A0AE-FADE2208201E}"/>
+              </a:ext>
+            </a:extLst>
+          </p:cNvPr>
+          <p:cNvPicPr>
+            <a:picLocks noChangeAspect="1"/>
+          </p:cNvPicPr>
+          <p:nvPr/>
+        </p:nvPicPr>
+        <p:blipFill>
+          <a:blip r:embed="rId3"/>
+          <a:stretch>
+            <a:fillRect/>
+          </a:stretch>
+        </p:blipFill>
+        <p:spPr>
+          <a:xfrm>
+            <a:off x="3635896" y="1273961"/>
+            <a:ext cx="4878780" cy="5082389"/>
+          </a:xfrm>
+          <a:prstGeom prst="rect">
+            <a:avLst/>
+          </a:prstGeom>
+          <a:ln>
+            <a:solidFill>
+              <a:srgbClr val="C00000"/>
+            </a:solidFill>
+          </a:ln>
+        </p:spPr>
+      </p:pic>
+    </p:spTree>
+    <p:extLst>
+      <p:ext uri="{BB962C8B-B14F-4D97-AF65-F5344CB8AC3E}">
+        <p14:creationId xmlns:p14="http://schemas.microsoft.com/office/powerpoint/2010/main" val="739941500"/>
+      </p:ext>
+    </p:extLst>
+  </p:cSld>
+  <p:clrMapOvr>
+    <a:masterClrMapping/>
+  </p:clrMapOvr>
+</p:sld>
+</file>
+
+<file path=ppt/slides/slide6.xml><?xml version="1.0" encoding="utf-8"?>
+<p:sld xmlns:a="http://schemas.openxmlformats.org/drawingml/2006/main" xmlns:r="http://schemas.openxmlformats.org/officeDocument/2006/relationships" xmlns:p="http://schemas.openxmlformats.org/presentationml/2006/main">
+  <p:cSld>
+    <p:spTree>
+      <p:nvGrpSpPr>
+        <p:cNvPr id="1" name=""/>
+        <p:cNvGrpSpPr/>
+        <p:nvPr/>
+      </p:nvGrpSpPr>
+      <p:grpSpPr>
+        <a:xfrm>
+          <a:off x="0" y="0"/>
+          <a:ext cx="0" cy="0"/>
+          <a:chOff x="0" y="0"/>
+          <a:chExt cx="0" cy="0"/>
+        </a:xfrm>
+      </p:grpSpPr>
+      <p:sp>
+        <p:nvSpPr>
+          <p:cNvPr id="2" name="標題 1"/>
+          <p:cNvSpPr>
+            <a:spLocks noGrp="1"/>
+          </p:cNvSpPr>
+          <p:nvPr>
+            <p:ph type="ctrTitle"/>
+          </p:nvPr>
+        </p:nvSpPr>
+        <p:spPr>
+          <a:xfrm>
+            <a:off x="0" y="2130425"/>
+            <a:ext cx="9144000" cy="1470025"/>
+          </a:xfrm>
+          <a:solidFill>
+            <a:srgbClr val="00B0F0"/>
+          </a:solidFill>
+        </p:spPr>
+        <p:txBody>
+          <a:bodyPr>
+            <a:normAutofit/>
+          </a:bodyPr>
+          <a:lstStyle/>
+          <a:p>
+            <a:r>
+              <a:rPr lang="en-US" altLang="zh-TW" sz="4800" b="1" dirty="0">
+                <a:solidFill>
+                  <a:srgbClr val="FFFF00"/>
+                </a:solidFill>
+              </a:rPr>
+              <a:t>0802.02 Lab17_1_2.py</a:t>
+            </a:r>
+            <a:endParaRPr lang="zh-TW" altLang="en-US" sz="4800" b="1" dirty="0">
+              <a:solidFill>
+                <a:srgbClr val="FFFF00"/>
+              </a:solidFill>
+            </a:endParaRPr>
+          </a:p>
+        </p:txBody>
+      </p:sp>
+      <p:sp>
+        <p:nvSpPr>
+          <p:cNvPr id="5" name="日期版面配置區 4"/>
+          <p:cNvSpPr>
+            <a:spLocks noGrp="1"/>
+          </p:cNvSpPr>
+          <p:nvPr>
+            <p:ph type="dt" sz="half" idx="10"/>
+          </p:nvPr>
+        </p:nvSpPr>
+        <p:spPr/>
+        <p:txBody>
+          <a:bodyPr/>
+          <a:lstStyle/>
+          <a:p>
+            <a:fld id="{C389EDC9-19E3-47AC-9C57-C6A24DEA81AD}" type="datetime1">
+              <a:rPr lang="zh-TW" altLang="en-US" smtClean="0"/>
+              <a:pPr/>
+              <a:t>2019/6/28</a:t>
+            </a:fld>
+            <a:endParaRPr lang="zh-TW" altLang="en-US"/>
+          </a:p>
+        </p:txBody>
+      </p:sp>
+      <p:sp>
+        <p:nvSpPr>
+          <p:cNvPr id="6" name="投影片編號版面配置區 5"/>
+          <p:cNvSpPr>
+            <a:spLocks noGrp="1"/>
+          </p:cNvSpPr>
+          <p:nvPr>
+            <p:ph type="sldNum" sz="quarter" idx="12"/>
+          </p:nvPr>
+        </p:nvSpPr>
+        <p:spPr/>
+        <p:txBody>
+          <a:bodyPr/>
+          <a:lstStyle/>
+          <a:p>
+            <a:fld id="{E4D7E63D-91F2-4366-A2C4-1B00C9E2590E}" type="slidenum">
+              <a:rPr lang="zh-TW" altLang="en-US" smtClean="0"/>
+              <a:pPr/>
+              <a:t>6</a:t>
+            </a:fld>
+            <a:endParaRPr lang="zh-TW" altLang="en-US"/>
+          </a:p>
+        </p:txBody>
+      </p:sp>
+      <p:pic>
+        <p:nvPicPr>
+          <p:cNvPr id="7" name="Picture 6">
+            <a:extLst>
+              <a:ext uri="{FF2B5EF4-FFF2-40B4-BE49-F238E27FC236}">
+                <a16:creationId xmlns:a16="http://schemas.microsoft.com/office/drawing/2014/main" id="{FCD4A087-E8B9-425C-A3D7-1F76A789463E}"/>
+              </a:ext>
+            </a:extLst>
+          </p:cNvPr>
+          <p:cNvPicPr>
+            <a:picLocks noChangeAspect="1"/>
+          </p:cNvPicPr>
+          <p:nvPr/>
+        </p:nvPicPr>
+        <p:blipFill>
+          <a:blip r:embed="rId2"/>
+          <a:stretch>
+            <a:fillRect/>
+          </a:stretch>
+        </p:blipFill>
+        <p:spPr>
+          <a:xfrm>
+            <a:off x="3923928" y="3695964"/>
+            <a:ext cx="1004960" cy="885164"/>
+          </a:xfrm>
+          <a:prstGeom prst="rect">
+            <a:avLst/>
+          </a:prstGeom>
+        </p:spPr>
+      </p:pic>
+    </p:spTree>
+    <p:extLst>
+      <p:ext uri="{BB962C8B-B14F-4D97-AF65-F5344CB8AC3E}">
+        <p14:creationId xmlns:p14="http://schemas.microsoft.com/office/powerpoint/2010/main" val="1828334223"/>
+      </p:ext>
+    </p:extLst>
+  </p:cSld>
+  <p:clrMapOvr>
+    <a:masterClrMapping/>
+  </p:clrMapOvr>
+</p:sld>
+</file>
+
+<file path=ppt/slides/slide7.xml><?xml version="1.0" encoding="utf-8"?>
+<p:sld xmlns:a="http://schemas.openxmlformats.org/drawingml/2006/main" xmlns:r="http://schemas.openxmlformats.org/officeDocument/2006/relationships" xmlns:p="http://schemas.openxmlformats.org/presentationml/2006/main">
+  <p:cSld>
+    <p:spTree>
+      <p:nvGrpSpPr>
+        <p:cNvPr id="1" name=""/>
+        <p:cNvGrpSpPr/>
+        <p:nvPr/>
+      </p:nvGrpSpPr>
+      <p:grpSpPr>
+        <a:xfrm>
+          <a:off x="0" y="0"/>
+          <a:ext cx="0" cy="0"/>
+          <a:chOff x="0" y="0"/>
+          <a:chExt cx="0" cy="0"/>
+        </a:xfrm>
+      </p:grpSpPr>
+      <p:sp>
+        <p:nvSpPr>
+          <p:cNvPr id="2" name="標題 1"/>
+          <p:cNvSpPr>
+            <a:spLocks noGrp="1"/>
+          </p:cNvSpPr>
+          <p:nvPr>
+            <p:ph type="ctrTitle"/>
+          </p:nvPr>
+        </p:nvSpPr>
+        <p:spPr>
+          <a:xfrm>
+            <a:off x="0" y="1"/>
+            <a:ext cx="9144000" cy="764704"/>
+          </a:xfrm>
+          <a:gradFill flip="none" rotWithShape="1">
+            <a:gsLst>
+              <a:gs pos="0">
+                <a:srgbClr val="C00000">
+                  <a:shade val="30000"/>
+                  <a:satMod val="115000"/>
+                </a:srgbClr>
+              </a:gs>
+              <a:gs pos="50000">
+                <a:srgbClr val="C00000">
+                  <a:shade val="67500"/>
+                  <a:satMod val="115000"/>
+                </a:srgbClr>
+              </a:gs>
+              <a:gs pos="100000">
+                <a:srgbClr val="C00000">
+                  <a:shade val="100000"/>
+                  <a:satMod val="115000"/>
+                </a:srgbClr>
+              </a:gs>
+            </a:gsLst>
+            <a:path path="circle">
+              <a:fillToRect t="100000" r="100000"/>
+            </a:path>
+            <a:tileRect l="-100000" b="-100000"/>
+          </a:gradFill>
+        </p:spPr>
+        <p:txBody>
+          <a:bodyPr/>
+          <a:lstStyle/>
+          <a:p>
+            <a:pPr algn="l"/>
+            <a:r>
+              <a:rPr lang="en-US" altLang="zh-TW" b="1" dirty="0">
+                <a:solidFill>
+                  <a:srgbClr val="FFFF00"/>
+                </a:solidFill>
+              </a:rPr>
+              <a:t>0802.02 Lab17_1_2.py</a:t>
+            </a:r>
+            <a:endParaRPr lang="zh-TW" altLang="en-US" b="1" dirty="0">
+              <a:solidFill>
+                <a:srgbClr val="FFFF00"/>
+              </a:solidFill>
+            </a:endParaRPr>
+          </a:p>
+        </p:txBody>
+      </p:sp>
+      <p:sp>
+        <p:nvSpPr>
+          <p:cNvPr id="3" name="副標題 2"/>
+          <p:cNvSpPr>
+            <a:spLocks noGrp="1"/>
+          </p:cNvSpPr>
+          <p:nvPr>
+            <p:ph type="subTitle" idx="1"/>
+          </p:nvPr>
+        </p:nvSpPr>
+        <p:spPr>
+          <a:xfrm>
+            <a:off x="501534" y="1372852"/>
+            <a:ext cx="2615227" cy="398616"/>
+          </a:xfrm>
+          <a:ln>
+            <a:solidFill>
+              <a:srgbClr val="C00000"/>
+            </a:solidFill>
+          </a:ln>
+        </p:spPr>
+        <p:txBody>
+          <a:bodyPr>
+            <a:noAutofit/>
+          </a:bodyPr>
+          <a:lstStyle/>
+          <a:p>
+            <a:pPr marL="342900" indent="-342900" algn="l">
+              <a:buClr>
+                <a:srgbClr val="0070C0"/>
+              </a:buClr>
+              <a:buSzPct val="80000"/>
+              <a:buFont typeface="Wingdings" pitchFamily="2" charset="2"/>
+              <a:buChar char="u"/>
+            </a:pPr>
+            <a:r>
+              <a:rPr lang="en-US" sz="1800" dirty="0">
+                <a:solidFill>
+                  <a:schemeClr val="tx1"/>
+                </a:solidFill>
+              </a:rPr>
+              <a:t>Lab17_1_2.py</a:t>
+            </a:r>
+          </a:p>
+        </p:txBody>
+      </p:sp>
+      <p:sp>
+        <p:nvSpPr>
+          <p:cNvPr id="4" name="標題 1"/>
+          <p:cNvSpPr txBox="1">
+            <a:spLocks/>
+          </p:cNvSpPr>
+          <p:nvPr/>
+        </p:nvSpPr>
+        <p:spPr>
+          <a:xfrm>
+            <a:off x="0" y="764704"/>
+            <a:ext cx="9144000" cy="398616"/>
+          </a:xfrm>
+          <a:prstGeom prst="rect">
+            <a:avLst/>
+          </a:prstGeom>
+          <a:gradFill flip="none" rotWithShape="1">
+            <a:gsLst>
+              <a:gs pos="0">
+                <a:srgbClr val="00B0F0">
+                  <a:shade val="30000"/>
+                  <a:satMod val="115000"/>
+                </a:srgbClr>
+              </a:gs>
+              <a:gs pos="50000">
+                <a:srgbClr val="00B0F0">
+                  <a:shade val="67500"/>
+                  <a:satMod val="115000"/>
+                </a:srgbClr>
+              </a:gs>
+              <a:gs pos="100000">
+                <a:srgbClr val="00B0F0">
+                  <a:shade val="100000"/>
+                  <a:satMod val="115000"/>
+                </a:srgbClr>
+              </a:gs>
+            </a:gsLst>
+            <a:path path="circle">
+              <a:fillToRect t="100000" r="100000"/>
+            </a:path>
+            <a:tileRect l="-100000" b="-100000"/>
+          </a:gradFill>
+        </p:spPr>
+        <p:txBody>
+          <a:bodyPr vert="horz" lIns="91440" tIns="45720" rIns="91440" bIns="45720" rtlCol="0" anchor="ctr">
+            <a:normAutofit/>
+          </a:bodyPr>
+          <a:lstStyle/>
+          <a:p>
+            <a:pPr marL="0" lvl="1"/>
+            <a:r>
+              <a:rPr lang="en-US" sz="1600" dirty="0">
+                <a:hlinkClick r:id="rId2"/>
+              </a:rPr>
+              <a:t>https://www.ucsc-extension.edu/certificate-program/offering/python-programmers</a:t>
+            </a:r>
+            <a:endParaRPr lang="en-US" sz="1600" dirty="0"/>
+          </a:p>
+        </p:txBody>
+      </p:sp>
+      <p:sp>
+        <p:nvSpPr>
+          <p:cNvPr id="5" name="日期版面配置區 4"/>
+          <p:cNvSpPr>
+            <a:spLocks noGrp="1"/>
+          </p:cNvSpPr>
+          <p:nvPr>
+            <p:ph type="dt" sz="half" idx="10"/>
+          </p:nvPr>
+        </p:nvSpPr>
+        <p:spPr>
+          <a:xfrm>
+            <a:off x="457200" y="6356350"/>
+            <a:ext cx="2133600" cy="404246"/>
+          </a:xfrm>
+        </p:spPr>
+        <p:txBody>
+          <a:bodyPr/>
+          <a:lstStyle/>
+          <a:p>
+            <a:fld id="{A4F910E6-8D00-4BAF-8C48-9688E0B449D3}" type="datetime1">
+              <a:rPr lang="zh-TW" altLang="en-US" smtClean="0"/>
+              <a:pPr/>
+              <a:t>2019/6/28</a:t>
+            </a:fld>
+            <a:endParaRPr lang="zh-TW" altLang="en-US"/>
+          </a:p>
+        </p:txBody>
+      </p:sp>
+      <p:sp>
+        <p:nvSpPr>
+          <p:cNvPr id="6" name="投影片編號版面配置區 5"/>
+          <p:cNvSpPr>
+            <a:spLocks noGrp="1"/>
+          </p:cNvSpPr>
+          <p:nvPr>
+            <p:ph type="sldNum" sz="quarter" idx="12"/>
+          </p:nvPr>
+        </p:nvSpPr>
+        <p:spPr>
+          <a:xfrm>
+            <a:off x="6553200" y="6356350"/>
+            <a:ext cx="2133600" cy="404246"/>
+          </a:xfrm>
+        </p:spPr>
+        <p:txBody>
+          <a:bodyPr/>
+          <a:lstStyle/>
+          <a:p>
+            <a:fld id="{E4D7E63D-91F2-4366-A2C4-1B00C9E2590E}" type="slidenum">
+              <a:rPr lang="zh-TW" altLang="en-US" smtClean="0"/>
+              <a:pPr/>
+              <a:t>7</a:t>
+            </a:fld>
+            <a:endParaRPr lang="zh-TW" altLang="en-US"/>
+          </a:p>
+        </p:txBody>
+      </p:sp>
+      <p:pic>
+        <p:nvPicPr>
+          <p:cNvPr id="8" name="Picture 7">
+            <a:extLst>
+              <a:ext uri="{FF2B5EF4-FFF2-40B4-BE49-F238E27FC236}">
+                <a16:creationId xmlns:a16="http://schemas.microsoft.com/office/drawing/2014/main" id="{5F67A3CA-FDEE-40D1-995D-8AA908D5E389}"/>
+              </a:ext>
+            </a:extLst>
+          </p:cNvPr>
+          <p:cNvPicPr>
+            <a:picLocks noChangeAspect="1"/>
+          </p:cNvPicPr>
+          <p:nvPr/>
+        </p:nvPicPr>
+        <p:blipFill>
+          <a:blip r:embed="rId3"/>
+          <a:stretch>
+            <a:fillRect/>
+          </a:stretch>
+        </p:blipFill>
+        <p:spPr>
+          <a:xfrm>
+            <a:off x="3419872" y="1347538"/>
+            <a:ext cx="4828043" cy="5008812"/>
+          </a:xfrm>
+          <a:prstGeom prst="rect">
+            <a:avLst/>
+          </a:prstGeom>
+          <a:ln>
+            <a:solidFill>
+              <a:srgbClr val="C00000"/>
+            </a:solidFill>
+          </a:ln>
+        </p:spPr>
+      </p:pic>
+    </p:spTree>
+    <p:extLst>
+      <p:ext uri="{BB962C8B-B14F-4D97-AF65-F5344CB8AC3E}">
+        <p14:creationId xmlns:p14="http://schemas.microsoft.com/office/powerpoint/2010/main" val="2628601152"/>
+      </p:ext>
+    </p:extLst>
+  </p:cSld>
+  <p:clrMapOvr>
+    <a:masterClrMapping/>
+  </p:clrMapOvr>
+</p:sld>
+</file>
+
+<file path=ppt/slides/slide8.xml><?xml version="1.0" encoding="utf-8"?>
+<p:sld xmlns:a="http://schemas.openxmlformats.org/drawingml/2006/main" xmlns:r="http://schemas.openxmlformats.org/officeDocument/2006/relationships" xmlns:p="http://schemas.openxmlformats.org/presentationml/2006/main">
+  <p:cSld>
+    <p:spTree>
+      <p:nvGrpSpPr>
+        <p:cNvPr id="1" name=""/>
+        <p:cNvGrpSpPr/>
+        <p:nvPr/>
+      </p:nvGrpSpPr>
+      <p:grpSpPr>
+        <a:xfrm>
+          <a:off x="0" y="0"/>
+          <a:ext cx="0" cy="0"/>
+          <a:chOff x="0" y="0"/>
+          <a:chExt cx="0" cy="0"/>
+        </a:xfrm>
+      </p:grpSpPr>
+      <p:sp>
+        <p:nvSpPr>
+          <p:cNvPr id="2" name="標題 1"/>
+          <p:cNvSpPr>
+            <a:spLocks noGrp="1"/>
+          </p:cNvSpPr>
+          <p:nvPr>
+            <p:ph type="ctrTitle"/>
+          </p:nvPr>
+        </p:nvSpPr>
+        <p:spPr>
+          <a:xfrm>
+            <a:off x="0" y="1"/>
+            <a:ext cx="9144000" cy="764704"/>
+          </a:xfrm>
+          <a:gradFill flip="none" rotWithShape="1">
+            <a:gsLst>
+              <a:gs pos="0">
+                <a:srgbClr val="C00000">
+                  <a:shade val="30000"/>
+                  <a:satMod val="115000"/>
+                </a:srgbClr>
+              </a:gs>
+              <a:gs pos="50000">
+                <a:srgbClr val="C00000">
+                  <a:shade val="67500"/>
+                  <a:satMod val="115000"/>
+                </a:srgbClr>
+              </a:gs>
+              <a:gs pos="100000">
+                <a:srgbClr val="C00000">
+                  <a:shade val="100000"/>
+                  <a:satMod val="115000"/>
+                </a:srgbClr>
+              </a:gs>
+            </a:gsLst>
+            <a:path path="circle">
+              <a:fillToRect t="100000" r="100000"/>
+            </a:path>
+            <a:tileRect l="-100000" b="-100000"/>
+          </a:gradFill>
+        </p:spPr>
+        <p:txBody>
+          <a:bodyPr/>
+          <a:lstStyle/>
+          <a:p>
+            <a:pPr algn="l"/>
+            <a:r>
+              <a:rPr lang="en-US" altLang="zh-TW" b="1" dirty="0">
+                <a:solidFill>
+                  <a:srgbClr val="FFFF00"/>
+                </a:solidFill>
+              </a:rPr>
+              <a:t>0802.02 Lab17_1_2.py</a:t>
+            </a:r>
+            <a:endParaRPr lang="zh-TW" altLang="en-US" b="1" dirty="0">
+              <a:solidFill>
+                <a:srgbClr val="FFFF00"/>
+              </a:solidFill>
+            </a:endParaRPr>
+          </a:p>
+        </p:txBody>
+      </p:sp>
+      <p:sp>
+        <p:nvSpPr>
+          <p:cNvPr id="3" name="副標題 2"/>
+          <p:cNvSpPr>
+            <a:spLocks noGrp="1"/>
+          </p:cNvSpPr>
+          <p:nvPr>
+            <p:ph type="subTitle" idx="1"/>
+          </p:nvPr>
+        </p:nvSpPr>
+        <p:spPr>
+          <a:xfrm>
+            <a:off x="501534" y="1372852"/>
+            <a:ext cx="2615227" cy="398616"/>
+          </a:xfrm>
+          <a:ln>
+            <a:solidFill>
+              <a:srgbClr val="C00000"/>
+            </a:solidFill>
+          </a:ln>
+        </p:spPr>
+        <p:txBody>
+          <a:bodyPr>
+            <a:noAutofit/>
+          </a:bodyPr>
+          <a:lstStyle/>
+          <a:p>
+            <a:pPr marL="342900" indent="-342900" algn="l">
+              <a:buClr>
+                <a:srgbClr val="0070C0"/>
+              </a:buClr>
+              <a:buSzPct val="80000"/>
+              <a:buFont typeface="Wingdings" pitchFamily="2" charset="2"/>
+              <a:buChar char="u"/>
+            </a:pPr>
+            <a:r>
+              <a:rPr lang="en-US" sz="1800" dirty="0">
+                <a:solidFill>
+                  <a:schemeClr val="tx1"/>
+                </a:solidFill>
+              </a:rPr>
+              <a:t>Lab17_1_2.py</a:t>
+            </a:r>
+          </a:p>
+        </p:txBody>
+      </p:sp>
+      <p:sp>
+        <p:nvSpPr>
+          <p:cNvPr id="4" name="標題 1"/>
+          <p:cNvSpPr txBox="1">
+            <a:spLocks/>
+          </p:cNvSpPr>
+          <p:nvPr/>
+        </p:nvSpPr>
+        <p:spPr>
+          <a:xfrm>
+            <a:off x="0" y="764704"/>
+            <a:ext cx="9144000" cy="398616"/>
+          </a:xfrm>
+          <a:prstGeom prst="rect">
+            <a:avLst/>
+          </a:prstGeom>
+          <a:gradFill flip="none" rotWithShape="1">
+            <a:gsLst>
+              <a:gs pos="0">
+                <a:srgbClr val="00B0F0">
+                  <a:shade val="30000"/>
+                  <a:satMod val="115000"/>
+                </a:srgbClr>
+              </a:gs>
+              <a:gs pos="50000">
+                <a:srgbClr val="00B0F0">
+                  <a:shade val="67500"/>
+                  <a:satMod val="115000"/>
+                </a:srgbClr>
+              </a:gs>
+              <a:gs pos="100000">
+                <a:srgbClr val="00B0F0">
+                  <a:shade val="100000"/>
+                  <a:satMod val="115000"/>
+                </a:srgbClr>
+              </a:gs>
+            </a:gsLst>
+            <a:path path="circle">
+              <a:fillToRect t="100000" r="100000"/>
+            </a:path>
+            <a:tileRect l="-100000" b="-100000"/>
+          </a:gradFill>
+        </p:spPr>
+        <p:txBody>
+          <a:bodyPr vert="horz" lIns="91440" tIns="45720" rIns="91440" bIns="45720" rtlCol="0" anchor="ctr">
+            <a:normAutofit/>
+          </a:bodyPr>
+          <a:lstStyle/>
+          <a:p>
+            <a:pPr marL="0" lvl="1"/>
+            <a:r>
+              <a:rPr lang="en-US" sz="1600" dirty="0">
+                <a:hlinkClick r:id="rId2"/>
+              </a:rPr>
+              <a:t>https://www.ucsc-extension.edu/certificate-program/offering/python-programmers</a:t>
+            </a:r>
+            <a:endParaRPr lang="en-US" sz="1600" dirty="0"/>
+          </a:p>
+        </p:txBody>
+      </p:sp>
+      <p:sp>
+        <p:nvSpPr>
+          <p:cNvPr id="5" name="日期版面配置區 4"/>
+          <p:cNvSpPr>
+            <a:spLocks noGrp="1"/>
+          </p:cNvSpPr>
+          <p:nvPr>
+            <p:ph type="dt" sz="half" idx="10"/>
+          </p:nvPr>
+        </p:nvSpPr>
+        <p:spPr>
+          <a:xfrm>
+            <a:off x="457200" y="6356350"/>
+            <a:ext cx="2133600" cy="404246"/>
+          </a:xfrm>
+        </p:spPr>
+        <p:txBody>
+          <a:bodyPr/>
+          <a:lstStyle/>
+          <a:p>
+            <a:fld id="{A4F910E6-8D00-4BAF-8C48-9688E0B449D3}" type="datetime1">
+              <a:rPr lang="zh-TW" altLang="en-US" smtClean="0"/>
+              <a:pPr/>
+              <a:t>2019/6/28</a:t>
+            </a:fld>
+            <a:endParaRPr lang="zh-TW" altLang="en-US"/>
+          </a:p>
+        </p:txBody>
+      </p:sp>
+      <p:sp>
+        <p:nvSpPr>
+          <p:cNvPr id="6" name="投影片編號版面配置區 5"/>
+          <p:cNvSpPr>
+            <a:spLocks noGrp="1"/>
+          </p:cNvSpPr>
+          <p:nvPr>
+            <p:ph type="sldNum" sz="quarter" idx="12"/>
+          </p:nvPr>
+        </p:nvSpPr>
+        <p:spPr>
+          <a:xfrm>
+            <a:off x="6553200" y="6356350"/>
+            <a:ext cx="2133600" cy="404246"/>
+          </a:xfrm>
+        </p:spPr>
+        <p:txBody>
+          <a:bodyPr/>
+          <a:lstStyle/>
+          <a:p>
+            <a:fld id="{E4D7E63D-91F2-4366-A2C4-1B00C9E2590E}" type="slidenum">
+              <a:rPr lang="zh-TW" altLang="en-US" smtClean="0"/>
+              <a:pPr/>
+              <a:t>8</a:t>
+            </a:fld>
+            <a:endParaRPr lang="zh-TW" altLang="en-US"/>
+          </a:p>
+        </p:txBody>
+      </p:sp>
+      <p:pic>
+        <p:nvPicPr>
+          <p:cNvPr id="7" name="Picture 6">
+            <a:extLst>
+              <a:ext uri="{FF2B5EF4-FFF2-40B4-BE49-F238E27FC236}">
+                <a16:creationId xmlns:a16="http://schemas.microsoft.com/office/drawing/2014/main" id="{D95A7B0F-616B-4A31-8EFF-3151A3E3C864}"/>
+              </a:ext>
+            </a:extLst>
+          </p:cNvPr>
+          <p:cNvPicPr>
+            <a:picLocks noChangeAspect="1"/>
+          </p:cNvPicPr>
+          <p:nvPr/>
+        </p:nvPicPr>
+        <p:blipFill>
+          <a:blip r:embed="rId3"/>
+          <a:stretch>
+            <a:fillRect/>
+          </a:stretch>
+        </p:blipFill>
+        <p:spPr>
+          <a:xfrm>
+            <a:off x="1907704" y="1957235"/>
+            <a:ext cx="5848350" cy="4000500"/>
+          </a:xfrm>
+          <a:prstGeom prst="rect">
+            <a:avLst/>
+          </a:prstGeom>
+          <a:ln>
+            <a:solidFill>
+              <a:srgbClr val="C00000"/>
+            </a:solidFill>
+          </a:ln>
+        </p:spPr>
+      </p:pic>
+    </p:spTree>
+    <p:extLst>
+      <p:ext uri="{BB962C8B-B14F-4D97-AF65-F5344CB8AC3E}">
+        <p14:creationId xmlns:p14="http://schemas.microsoft.com/office/powerpoint/2010/main" val="959186746"/>
+      </p:ext>
+    </p:extLst>
+  </p:cSld>
+  <p:clrMapOvr>
+    <a:masterClrMapping/>
+  </p:clrMapOvr>
+</p:sld>
+</file>
+
+<file path=ppt/slides/slide9.xml><?xml version="1.0" encoding="utf-8"?>
+<p:sld xmlns:a="http://schemas.openxmlformats.org/drawingml/2006/main" xmlns:r="http://schemas.openxmlformats.org/officeDocument/2006/relationships" xmlns:p="http://schemas.openxmlformats.org/presentationml/2006/main">
+  <p:cSld>
+    <p:spTree>
+      <p:nvGrpSpPr>
+        <p:cNvPr id="1" name=""/>
+        <p:cNvGrpSpPr/>
+        <p:nvPr/>
+      </p:nvGrpSpPr>
+      <p:grpSpPr>
+        <a:xfrm>
+          <a:off x="0" y="0"/>
+          <a:ext cx="0" cy="0"/>
+          <a:chOff x="0" y="0"/>
+          <a:chExt cx="0" cy="0"/>
+        </a:xfrm>
+      </p:grpSpPr>
+      <p:sp>
+        <p:nvSpPr>
+          <p:cNvPr id="2" name="標題 1"/>
+          <p:cNvSpPr>
+            <a:spLocks noGrp="1"/>
+          </p:cNvSpPr>
+          <p:nvPr>
+            <p:ph type="ctrTitle"/>
+          </p:nvPr>
+        </p:nvSpPr>
+        <p:spPr>
+          <a:xfrm>
+            <a:off x="0" y="2130425"/>
+            <a:ext cx="9144000" cy="1470025"/>
+          </a:xfrm>
+          <a:solidFill>
+            <a:srgbClr val="00B0F0"/>
+          </a:solidFill>
+        </p:spPr>
+        <p:txBody>
+          <a:bodyPr>
+            <a:normAutofit/>
+          </a:bodyPr>
+          <a:lstStyle/>
+          <a:p>
+            <a:r>
+              <a:rPr lang="en-US" altLang="zh-TW" sz="4800" b="1" dirty="0">
+                <a:solidFill>
+                  <a:srgbClr val="FFFF00"/>
+                </a:solidFill>
+              </a:rPr>
+              <a:t>0802.03 Testsuite.py</a:t>
+            </a:r>
+            <a:endParaRPr lang="zh-TW" altLang="en-US" sz="4800" b="1" dirty="0">
+              <a:solidFill>
+                <a:srgbClr val="FFFF00"/>
+              </a:solidFill>
+            </a:endParaRPr>
+          </a:p>
+        </p:txBody>
+      </p:sp>
+      <p:sp>
+        <p:nvSpPr>
+          <p:cNvPr id="5" name="日期版面配置區 4"/>
+          <p:cNvSpPr>
+            <a:spLocks noGrp="1"/>
+          </p:cNvSpPr>
+          <p:nvPr>
+            <p:ph type="dt" sz="half" idx="10"/>
+          </p:nvPr>
+        </p:nvSpPr>
+        <p:spPr/>
+        <p:txBody>
+          <a:bodyPr/>
+          <a:lstStyle/>
+          <a:p>
+            <a:fld id="{C389EDC9-19E3-47AC-9C57-C6A24DEA81AD}" type="datetime1">
+              <a:rPr lang="zh-TW" altLang="en-US" smtClean="0"/>
+              <a:pPr/>
+              <a:t>2019/6/28</a:t>
+            </a:fld>
+            <a:endParaRPr lang="zh-TW" altLang="en-US"/>
+          </a:p>
+        </p:txBody>
+      </p:sp>
+      <p:sp>
+        <p:nvSpPr>
+          <p:cNvPr id="6" name="投影片編號版面配置區 5"/>
+          <p:cNvSpPr>
+            <a:spLocks noGrp="1"/>
+          </p:cNvSpPr>
+          <p:nvPr>
+            <p:ph type="sldNum" sz="quarter" idx="12"/>
+          </p:nvPr>
+        </p:nvSpPr>
+        <p:spPr/>
+        <p:txBody>
+          <a:bodyPr/>
+          <a:lstStyle/>
+          <a:p>
+            <a:fld id="{E4D7E63D-91F2-4366-A2C4-1B00C9E2590E}" type="slidenum">
+              <a:rPr lang="zh-TW" altLang="en-US" smtClean="0"/>
+              <a:pPr/>
+              <a:t>9</a:t>
+            </a:fld>
+            <a:endParaRPr lang="zh-TW" altLang="en-US"/>
+          </a:p>
+        </p:txBody>
+      </p:sp>
+      <p:pic>
+        <p:nvPicPr>
+          <p:cNvPr id="7" name="Picture 6">
+            <a:extLst>
+              <a:ext uri="{FF2B5EF4-FFF2-40B4-BE49-F238E27FC236}">
+                <a16:creationId xmlns:a16="http://schemas.microsoft.com/office/drawing/2014/main" id="{FCD4A087-E8B9-425C-A3D7-1F76A789463E}"/>
+              </a:ext>
+            </a:extLst>
+          </p:cNvPr>
+          <p:cNvPicPr>
+            <a:picLocks noChangeAspect="1"/>
+          </p:cNvPicPr>
+          <p:nvPr/>
+        </p:nvPicPr>
+        <p:blipFill>
+          <a:blip r:embed="rId2"/>
+          <a:stretch>
+            <a:fillRect/>
+          </a:stretch>
+        </p:blipFill>
+        <p:spPr>
+          <a:xfrm>
+            <a:off x="3923928" y="3695964"/>
+            <a:ext cx="1004960" cy="885164"/>
+          </a:xfrm>
+          <a:prstGeom prst="rect">
+            <a:avLst/>
+          </a:prstGeom>
+        </p:spPr>
+      </p:pic>
+    </p:spTree>
+    <p:extLst>
+      <p:ext uri="{BB962C8B-B14F-4D97-AF65-F5344CB8AC3E}">
+        <p14:creationId xmlns:p14="http://schemas.microsoft.com/office/powerpoint/2010/main" val="3044516050"/>
+      </p:ext>
+    </p:extLst>
   </p:cSld>
   <p:clrMapOvr>
     <a:masterClrMapping/>
